--- a/Exercise1_RNAseq_Analysis/KGM060-2019-Exercise1.pptx
+++ b/Exercise1_RNAseq_Analysis/KGM060-2019-Exercise1.pptx
@@ -5,10 +5,10 @@
     <p:sldMasterId id="2147483648" r:id="rId1"/>
   </p:sldMasterIdLst>
   <p:notesMasterIdLst>
-    <p:notesMasterId r:id="rId14"/>
+    <p:notesMasterId r:id="rId18"/>
   </p:notesMasterIdLst>
   <p:handoutMasterIdLst>
-    <p:handoutMasterId r:id="rId15"/>
+    <p:handoutMasterId r:id="rId19"/>
   </p:handoutMasterIdLst>
   <p:sldIdLst>
     <p:sldId id="256" r:id="rId2"/>
@@ -16,13 +16,17 @@
     <p:sldId id="288" r:id="rId4"/>
     <p:sldId id="310" r:id="rId5"/>
     <p:sldId id="291" r:id="rId6"/>
-    <p:sldId id="294" r:id="rId7"/>
-    <p:sldId id="303" r:id="rId8"/>
-    <p:sldId id="295" r:id="rId9"/>
-    <p:sldId id="305" r:id="rId10"/>
-    <p:sldId id="306" r:id="rId11"/>
-    <p:sldId id="297" r:id="rId12"/>
-    <p:sldId id="309" r:id="rId13"/>
+    <p:sldId id="311" r:id="rId7"/>
+    <p:sldId id="312" r:id="rId8"/>
+    <p:sldId id="313" r:id="rId9"/>
+    <p:sldId id="314" r:id="rId10"/>
+    <p:sldId id="294" r:id="rId11"/>
+    <p:sldId id="303" r:id="rId12"/>
+    <p:sldId id="295" r:id="rId13"/>
+    <p:sldId id="305" r:id="rId14"/>
+    <p:sldId id="306" r:id="rId15"/>
+    <p:sldId id="297" r:id="rId16"/>
+    <p:sldId id="309" r:id="rId17"/>
   </p:sldIdLst>
   <p:sldSz cx="9144000" cy="6858000" type="screen4x3"/>
   <p:notesSz cx="9144000" cy="6858000"/>
@@ -222,7 +226,7 @@
           <a:p>
             <a:fld id="{3949A6FD-419D-4346-9B23-BC2123A1EBB1}" type="datetimeFigureOut">
               <a:rPr lang="en-US" smtClean="0"/>
-              <a:t>9/6/19</a:t>
+              <a:t>8/26/2020</a:t>
             </a:fld>
             <a:endParaRPr lang="en-US"/>
           </a:p>
@@ -387,7 +391,7 @@
           <a:p>
             <a:fld id="{B31FBA02-EB12-411B-B756-79609287DB66}" type="datetimeFigureOut">
               <a:rPr lang="sv-SE" smtClean="0"/>
-              <a:t>2019-09-06</a:t>
+              <a:t>2020-08-26</a:t>
             </a:fld>
             <a:endParaRPr lang="sv-SE"/>
           </a:p>
@@ -730,6 +734,90 @@
     <p:extLst>
       <p:ext uri="{BB962C8B-B14F-4D97-AF65-F5344CB8AC3E}">
         <p14:creationId xmlns:p14="http://schemas.microsoft.com/office/powerpoint/2010/main" val="3390715170"/>
+      </p:ext>
+    </p:extLst>
+  </p:cSld>
+  <p:clrMapOvr>
+    <a:masterClrMapping/>
+  </p:clrMapOvr>
+</p:notes>
+</file>
+
+<file path=ppt/notesSlides/notesSlide2.xml><?xml version="1.0" encoding="utf-8"?>
+<p:notes xmlns:a="http://schemas.openxmlformats.org/drawingml/2006/main" xmlns:r="http://schemas.openxmlformats.org/officeDocument/2006/relationships" xmlns:p="http://schemas.openxmlformats.org/presentationml/2006/main">
+  <p:cSld>
+    <p:spTree>
+      <p:nvGrpSpPr>
+        <p:cNvPr id="1" name=""/>
+        <p:cNvGrpSpPr/>
+        <p:nvPr/>
+      </p:nvGrpSpPr>
+      <p:grpSpPr>
+        <a:xfrm>
+          <a:off x="0" y="0"/>
+          <a:ext cx="0" cy="0"/>
+          <a:chOff x="0" y="0"/>
+          <a:chExt cx="0" cy="0"/>
+        </a:xfrm>
+      </p:grpSpPr>
+      <p:sp>
+        <p:nvSpPr>
+          <p:cNvPr id="2" name="Slide Image Placeholder 1"/>
+          <p:cNvSpPr>
+            <a:spLocks noGrp="1" noRot="1" noChangeAspect="1"/>
+          </p:cNvSpPr>
+          <p:nvPr>
+            <p:ph type="sldImg"/>
+          </p:nvPr>
+        </p:nvSpPr>
+        <p:spPr/>
+      </p:sp>
+      <p:sp>
+        <p:nvSpPr>
+          <p:cNvPr id="3" name="Notes Placeholder 2"/>
+          <p:cNvSpPr>
+            <a:spLocks noGrp="1"/>
+          </p:cNvSpPr>
+          <p:nvPr>
+            <p:ph type="body" idx="1"/>
+          </p:nvPr>
+        </p:nvSpPr>
+        <p:spPr/>
+        <p:txBody>
+          <a:bodyPr/>
+          <a:lstStyle/>
+          <a:p>
+            <a:endParaRPr lang="en-US" dirty="0"/>
+          </a:p>
+        </p:txBody>
+      </p:sp>
+      <p:sp>
+        <p:nvSpPr>
+          <p:cNvPr id="4" name="Slide Number Placeholder 3"/>
+          <p:cNvSpPr>
+            <a:spLocks noGrp="1"/>
+          </p:cNvSpPr>
+          <p:nvPr>
+            <p:ph type="sldNum" sz="quarter" idx="5"/>
+          </p:nvPr>
+        </p:nvSpPr>
+        <p:spPr/>
+        <p:txBody>
+          <a:bodyPr/>
+          <a:lstStyle/>
+          <a:p>
+            <a:fld id="{3AA9F6D3-8DEA-4E46-A8AA-F67FB60BF202}" type="slidenum">
+              <a:rPr lang="sv-SE" smtClean="0"/>
+              <a:t>8</a:t>
+            </a:fld>
+            <a:endParaRPr lang="sv-SE"/>
+          </a:p>
+        </p:txBody>
+      </p:sp>
+    </p:spTree>
+    <p:extLst>
+      <p:ext uri="{BB962C8B-B14F-4D97-AF65-F5344CB8AC3E}">
+        <p14:creationId xmlns:p14="http://schemas.microsoft.com/office/powerpoint/2010/main" val="3609524729"/>
       </p:ext>
     </p:extLst>
   </p:cSld>
@@ -3265,3329 +3353,6 @@
           <p:cNvPr id="2" name="Title 1">
             <a:extLst>
               <a:ext uri="{FF2B5EF4-FFF2-40B4-BE49-F238E27FC236}">
-                <a16:creationId xmlns:a16="http://schemas.microsoft.com/office/drawing/2014/main" id="{B213188D-AB35-46DA-A35C-BD480ADEE85F}"/>
-              </a:ext>
-            </a:extLst>
-          </p:cNvPr>
-          <p:cNvSpPr>
-            <a:spLocks noGrp="1"/>
-          </p:cNvSpPr>
-          <p:nvPr>
-            <p:ph type="title"/>
-          </p:nvPr>
-        </p:nvSpPr>
-        <p:spPr/>
-        <p:txBody>
-          <a:bodyPr/>
-          <a:lstStyle/>
-          <a:p>
-            <a:r>
-              <a:rPr lang="en-US" dirty="0"/>
-              <a:t>Correction for multiple testing</a:t>
-            </a:r>
-          </a:p>
-        </p:txBody>
-      </p:sp>
-      <p:sp>
-        <p:nvSpPr>
-          <p:cNvPr id="3" name="Text Placeholder 2">
-            <a:extLst>
-              <a:ext uri="{FF2B5EF4-FFF2-40B4-BE49-F238E27FC236}">
-                <a16:creationId xmlns:a16="http://schemas.microsoft.com/office/drawing/2014/main" id="{A35D7613-D2F2-4550-9C7D-CB134F74EED4}"/>
-              </a:ext>
-            </a:extLst>
-          </p:cNvPr>
-          <p:cNvSpPr>
-            <a:spLocks noGrp="1"/>
-          </p:cNvSpPr>
-          <p:nvPr>
-            <p:ph type="body" idx="1"/>
-          </p:nvPr>
-        </p:nvSpPr>
-        <p:spPr/>
-        <p:txBody>
-          <a:bodyPr/>
-          <a:lstStyle/>
-          <a:p>
-            <a:r>
-              <a:rPr lang="en-US" dirty="0"/>
-              <a:t>Two widely-used methods of correction:</a:t>
-            </a:r>
-          </a:p>
-          <a:p>
-            <a:pPr marL="514350" indent="-514350">
-              <a:buFont typeface="+mj-lt"/>
-              <a:buAutoNum type="arabicPeriod"/>
-            </a:pPr>
-            <a:r>
-              <a:rPr lang="en-US" dirty="0"/>
-              <a:t>FDR (False Detection Rate)</a:t>
-            </a:r>
-          </a:p>
-          <a:p>
-            <a:pPr lvl="1"/>
-            <a:r>
-              <a:rPr lang="en-US" dirty="0"/>
-              <a:t>Corrects for false positive rate</a:t>
-            </a:r>
-          </a:p>
-          <a:p>
-            <a:pPr lvl="1"/>
-            <a:r>
-              <a:rPr lang="en-US" dirty="0"/>
-              <a:t>“Find all genes associated with …”</a:t>
-            </a:r>
-          </a:p>
-          <a:p>
-            <a:pPr marL="514350" indent="-514350">
-              <a:buFont typeface="+mj-lt"/>
-              <a:buAutoNum type="arabicPeriod"/>
-            </a:pPr>
-            <a:r>
-              <a:rPr lang="en-US" dirty="0"/>
-              <a:t>Bonferroni</a:t>
-            </a:r>
-          </a:p>
-          <a:p>
-            <a:pPr lvl="1"/>
-            <a:r>
-              <a:rPr lang="en-US" dirty="0"/>
-              <a:t>Corrects for total false positives</a:t>
-            </a:r>
-          </a:p>
-          <a:p>
-            <a:pPr lvl="1"/>
-            <a:r>
-              <a:rPr lang="en-US" dirty="0"/>
-              <a:t>“Find one gene to study further for …”</a:t>
-            </a:r>
-          </a:p>
-        </p:txBody>
-      </p:sp>
-      <p:sp>
-        <p:nvSpPr>
-          <p:cNvPr id="6" name="Slide Number Placeholder 5">
-            <a:extLst>
-              <a:ext uri="{FF2B5EF4-FFF2-40B4-BE49-F238E27FC236}">
-                <a16:creationId xmlns:a16="http://schemas.microsoft.com/office/drawing/2014/main" id="{5193ABAC-865F-4DB4-B54E-B8CF64F93129}"/>
-              </a:ext>
-            </a:extLst>
-          </p:cNvPr>
-          <p:cNvSpPr>
-            <a:spLocks noGrp="1"/>
-          </p:cNvSpPr>
-          <p:nvPr>
-            <p:ph type="sldNum" sz="quarter" idx="2"/>
-          </p:nvPr>
-        </p:nvSpPr>
-        <p:spPr>
-          <a:xfrm>
-            <a:off x="3673434" y="6442718"/>
-            <a:ext cx="2133600" cy="276999"/>
-          </a:xfrm>
-          <a:prstGeom prst="rect">
-            <a:avLst/>
-          </a:prstGeom>
-          <a:ln w="12700">
-            <a:miter lim="400000"/>
-          </a:ln>
-        </p:spPr>
-        <p:txBody>
-          <a:bodyPr lIns="45719" rIns="45719" anchor="ctr">
-            <a:spAutoFit/>
-          </a:bodyPr>
-          <a:lstStyle>
-            <a:defPPr marL="0" marR="0" indent="0" algn="l" defTabSz="914400" rtl="0" fontAlgn="auto" latinLnBrk="1" hangingPunct="0">
-              <a:lnSpc>
-                <a:spcPct val="100000"/>
-              </a:lnSpc>
-              <a:spcBef>
-                <a:spcPts val="0"/>
-              </a:spcBef>
-              <a:spcAft>
-                <a:spcPts val="0"/>
-              </a:spcAft>
-              <a:buClrTx/>
-              <a:buSzTx/>
-              <a:buFontTx/>
-              <a:buNone/>
-              <a:tabLst/>
-              <a:defRPr kumimoji="0" sz="1800" b="0" i="0" u="none" strike="noStrike" cap="none" spc="0" normalizeH="0" baseline="0">
-                <a:ln>
-                  <a:noFill/>
-                </a:ln>
-                <a:solidFill>
-                  <a:srgbClr val="000000"/>
-                </a:solidFill>
-                <a:effectLst/>
-                <a:uFillTx/>
-              </a:defRPr>
-            </a:defPPr>
-            <a:lvl1pPr marL="0" marR="0" indent="0" algn="ctr" defTabSz="457200" rtl="0" fontAlgn="auto" latinLnBrk="0" hangingPunct="0">
-              <a:lnSpc>
-                <a:spcPct val="100000"/>
-              </a:lnSpc>
-              <a:spcBef>
-                <a:spcPts val="0"/>
-              </a:spcBef>
-              <a:spcAft>
-                <a:spcPts val="0"/>
-              </a:spcAft>
-              <a:buClrTx/>
-              <a:buSzTx/>
-              <a:buFontTx/>
-              <a:buNone/>
-              <a:tabLst/>
-              <a:defRPr kumimoji="0" sz="1200" b="0" i="0" u="none" strike="noStrike" cap="none" spc="0" normalizeH="0" baseline="0">
-                <a:ln>
-                  <a:noFill/>
-                </a:ln>
-                <a:solidFill>
-                  <a:schemeClr val="bg1"/>
-                </a:solidFill>
-                <a:effectLst/>
-                <a:uFillTx/>
-                <a:latin typeface="Arial" panose="020B0604020202020204" pitchFamily="34" charset="0"/>
-                <a:ea typeface="Times New Roman"/>
-                <a:cs typeface="Arial" panose="020B0604020202020204" pitchFamily="34" charset="0"/>
-                <a:sym typeface="Times New Roman"/>
-              </a:defRPr>
-            </a:lvl1pPr>
-            <a:lvl2pPr marL="0" marR="0" indent="457200" algn="l" defTabSz="457200" rtl="0" fontAlgn="auto" latinLnBrk="0" hangingPunct="0">
-              <a:lnSpc>
-                <a:spcPct val="100000"/>
-              </a:lnSpc>
-              <a:spcBef>
-                <a:spcPts val="0"/>
-              </a:spcBef>
-              <a:spcAft>
-                <a:spcPts val="0"/>
-              </a:spcAft>
-              <a:buClrTx/>
-              <a:buSzTx/>
-              <a:buFontTx/>
-              <a:buNone/>
-              <a:tabLst/>
-              <a:defRPr kumimoji="0" sz="1800" b="0" i="0" u="none" strike="noStrike" cap="none" spc="0" normalizeH="0" baseline="0">
-                <a:ln>
-                  <a:noFill/>
-                </a:ln>
-                <a:solidFill>
-                  <a:srgbClr val="000000"/>
-                </a:solidFill>
-                <a:effectLst/>
-                <a:uFillTx/>
-                <a:latin typeface="Times New Roman"/>
-                <a:ea typeface="Times New Roman"/>
-                <a:cs typeface="Times New Roman"/>
-                <a:sym typeface="Times New Roman"/>
-              </a:defRPr>
-            </a:lvl2pPr>
-            <a:lvl3pPr marL="0" marR="0" indent="914400" algn="l" defTabSz="457200" rtl="0" fontAlgn="auto" latinLnBrk="0" hangingPunct="0">
-              <a:lnSpc>
-                <a:spcPct val="100000"/>
-              </a:lnSpc>
-              <a:spcBef>
-                <a:spcPts val="0"/>
-              </a:spcBef>
-              <a:spcAft>
-                <a:spcPts val="0"/>
-              </a:spcAft>
-              <a:buClrTx/>
-              <a:buSzTx/>
-              <a:buFontTx/>
-              <a:buNone/>
-              <a:tabLst/>
-              <a:defRPr kumimoji="0" sz="1800" b="0" i="0" u="none" strike="noStrike" cap="none" spc="0" normalizeH="0" baseline="0">
-                <a:ln>
-                  <a:noFill/>
-                </a:ln>
-                <a:solidFill>
-                  <a:srgbClr val="000000"/>
-                </a:solidFill>
-                <a:effectLst/>
-                <a:uFillTx/>
-                <a:latin typeface="Times New Roman"/>
-                <a:ea typeface="Times New Roman"/>
-                <a:cs typeface="Times New Roman"/>
-                <a:sym typeface="Times New Roman"/>
-              </a:defRPr>
-            </a:lvl3pPr>
-            <a:lvl4pPr marL="0" marR="0" indent="1371600" algn="l" defTabSz="457200" rtl="0" fontAlgn="auto" latinLnBrk="0" hangingPunct="0">
-              <a:lnSpc>
-                <a:spcPct val="100000"/>
-              </a:lnSpc>
-              <a:spcBef>
-                <a:spcPts val="0"/>
-              </a:spcBef>
-              <a:spcAft>
-                <a:spcPts val="0"/>
-              </a:spcAft>
-              <a:buClrTx/>
-              <a:buSzTx/>
-              <a:buFontTx/>
-              <a:buNone/>
-              <a:tabLst/>
-              <a:defRPr kumimoji="0" sz="1800" b="0" i="0" u="none" strike="noStrike" cap="none" spc="0" normalizeH="0" baseline="0">
-                <a:ln>
-                  <a:noFill/>
-                </a:ln>
-                <a:solidFill>
-                  <a:srgbClr val="000000"/>
-                </a:solidFill>
-                <a:effectLst/>
-                <a:uFillTx/>
-                <a:latin typeface="Times New Roman"/>
-                <a:ea typeface="Times New Roman"/>
-                <a:cs typeface="Times New Roman"/>
-                <a:sym typeface="Times New Roman"/>
-              </a:defRPr>
-            </a:lvl4pPr>
-            <a:lvl5pPr marL="0" marR="0" indent="1828800" algn="l" defTabSz="457200" rtl="0" fontAlgn="auto" latinLnBrk="0" hangingPunct="0">
-              <a:lnSpc>
-                <a:spcPct val="100000"/>
-              </a:lnSpc>
-              <a:spcBef>
-                <a:spcPts val="0"/>
-              </a:spcBef>
-              <a:spcAft>
-                <a:spcPts val="0"/>
-              </a:spcAft>
-              <a:buClrTx/>
-              <a:buSzTx/>
-              <a:buFontTx/>
-              <a:buNone/>
-              <a:tabLst/>
-              <a:defRPr kumimoji="0" sz="1800" b="0" i="0" u="none" strike="noStrike" cap="none" spc="0" normalizeH="0" baseline="0">
-                <a:ln>
-                  <a:noFill/>
-                </a:ln>
-                <a:solidFill>
-                  <a:srgbClr val="000000"/>
-                </a:solidFill>
-                <a:effectLst/>
-                <a:uFillTx/>
-                <a:latin typeface="Times New Roman"/>
-                <a:ea typeface="Times New Roman"/>
-                <a:cs typeface="Times New Roman"/>
-                <a:sym typeface="Times New Roman"/>
-              </a:defRPr>
-            </a:lvl5pPr>
-            <a:lvl6pPr marL="0" marR="0" indent="2286000" algn="l" defTabSz="457200" rtl="0" fontAlgn="auto" latinLnBrk="0" hangingPunct="0">
-              <a:lnSpc>
-                <a:spcPct val="100000"/>
-              </a:lnSpc>
-              <a:spcBef>
-                <a:spcPts val="0"/>
-              </a:spcBef>
-              <a:spcAft>
-                <a:spcPts val="0"/>
-              </a:spcAft>
-              <a:buClrTx/>
-              <a:buSzTx/>
-              <a:buFontTx/>
-              <a:buNone/>
-              <a:tabLst/>
-              <a:defRPr kumimoji="0" sz="1800" b="0" i="0" u="none" strike="noStrike" cap="none" spc="0" normalizeH="0" baseline="0">
-                <a:ln>
-                  <a:noFill/>
-                </a:ln>
-                <a:solidFill>
-                  <a:srgbClr val="000000"/>
-                </a:solidFill>
-                <a:effectLst/>
-                <a:uFillTx/>
-                <a:latin typeface="Times New Roman"/>
-                <a:ea typeface="Times New Roman"/>
-                <a:cs typeface="Times New Roman"/>
-                <a:sym typeface="Times New Roman"/>
-              </a:defRPr>
-            </a:lvl6pPr>
-            <a:lvl7pPr marL="0" marR="0" indent="2743200" algn="l" defTabSz="457200" rtl="0" fontAlgn="auto" latinLnBrk="0" hangingPunct="0">
-              <a:lnSpc>
-                <a:spcPct val="100000"/>
-              </a:lnSpc>
-              <a:spcBef>
-                <a:spcPts val="0"/>
-              </a:spcBef>
-              <a:spcAft>
-                <a:spcPts val="0"/>
-              </a:spcAft>
-              <a:buClrTx/>
-              <a:buSzTx/>
-              <a:buFontTx/>
-              <a:buNone/>
-              <a:tabLst/>
-              <a:defRPr kumimoji="0" sz="1800" b="0" i="0" u="none" strike="noStrike" cap="none" spc="0" normalizeH="0" baseline="0">
-                <a:ln>
-                  <a:noFill/>
-                </a:ln>
-                <a:solidFill>
-                  <a:srgbClr val="000000"/>
-                </a:solidFill>
-                <a:effectLst/>
-                <a:uFillTx/>
-                <a:latin typeface="Times New Roman"/>
-                <a:ea typeface="Times New Roman"/>
-                <a:cs typeface="Times New Roman"/>
-                <a:sym typeface="Times New Roman"/>
-              </a:defRPr>
-            </a:lvl7pPr>
-            <a:lvl8pPr marL="0" marR="0" indent="3200400" algn="l" defTabSz="457200" rtl="0" fontAlgn="auto" latinLnBrk="0" hangingPunct="0">
-              <a:lnSpc>
-                <a:spcPct val="100000"/>
-              </a:lnSpc>
-              <a:spcBef>
-                <a:spcPts val="0"/>
-              </a:spcBef>
-              <a:spcAft>
-                <a:spcPts val="0"/>
-              </a:spcAft>
-              <a:buClrTx/>
-              <a:buSzTx/>
-              <a:buFontTx/>
-              <a:buNone/>
-              <a:tabLst/>
-              <a:defRPr kumimoji="0" sz="1800" b="0" i="0" u="none" strike="noStrike" cap="none" spc="0" normalizeH="0" baseline="0">
-                <a:ln>
-                  <a:noFill/>
-                </a:ln>
-                <a:solidFill>
-                  <a:srgbClr val="000000"/>
-                </a:solidFill>
-                <a:effectLst/>
-                <a:uFillTx/>
-                <a:latin typeface="Times New Roman"/>
-                <a:ea typeface="Times New Roman"/>
-                <a:cs typeface="Times New Roman"/>
-                <a:sym typeface="Times New Roman"/>
-              </a:defRPr>
-            </a:lvl8pPr>
-            <a:lvl9pPr marL="0" marR="0" indent="3657600" algn="l" defTabSz="457200" rtl="0" fontAlgn="auto" latinLnBrk="0" hangingPunct="0">
-              <a:lnSpc>
-                <a:spcPct val="100000"/>
-              </a:lnSpc>
-              <a:spcBef>
-                <a:spcPts val="0"/>
-              </a:spcBef>
-              <a:spcAft>
-                <a:spcPts val="0"/>
-              </a:spcAft>
-              <a:buClrTx/>
-              <a:buSzTx/>
-              <a:buFontTx/>
-              <a:buNone/>
-              <a:tabLst/>
-              <a:defRPr kumimoji="0" sz="1800" b="0" i="0" u="none" strike="noStrike" cap="none" spc="0" normalizeH="0" baseline="0">
-                <a:ln>
-                  <a:noFill/>
-                </a:ln>
-                <a:solidFill>
-                  <a:srgbClr val="000000"/>
-                </a:solidFill>
-                <a:effectLst/>
-                <a:uFillTx/>
-                <a:latin typeface="Times New Roman"/>
-                <a:ea typeface="Times New Roman"/>
-                <a:cs typeface="Times New Roman"/>
-                <a:sym typeface="Times New Roman"/>
-              </a:defRPr>
-            </a:lvl9pPr>
-          </a:lstStyle>
-          <a:p>
-            <a:fld id="{86CB4B4D-7CA3-9044-876B-883B54F8677D}" type="slidenum">
-              <a:rPr lang="en-US" smtClean="0"/>
-              <a:pPr/>
-              <a:t>10</a:t>
-            </a:fld>
-            <a:endParaRPr lang="en-US" dirty="0"/>
-          </a:p>
-        </p:txBody>
-      </p:sp>
-    </p:spTree>
-    <p:extLst>
-      <p:ext uri="{BB962C8B-B14F-4D97-AF65-F5344CB8AC3E}">
-        <p14:creationId xmlns:p14="http://schemas.microsoft.com/office/powerpoint/2010/main" val="1409518314"/>
-      </p:ext>
-    </p:extLst>
-  </p:cSld>
-  <p:clrMapOvr>
-    <a:masterClrMapping/>
-  </p:clrMapOvr>
-</p:sld>
-</file>
-
-<file path=ppt/slides/slide11.xml><?xml version="1.0" encoding="utf-8"?>
-<p:sld xmlns:a="http://schemas.openxmlformats.org/drawingml/2006/main" xmlns:r="http://schemas.openxmlformats.org/officeDocument/2006/relationships" xmlns:p="http://schemas.openxmlformats.org/presentationml/2006/main">
-  <p:cSld>
-    <p:spTree>
-      <p:nvGrpSpPr>
-        <p:cNvPr id="1" name=""/>
-        <p:cNvGrpSpPr/>
-        <p:nvPr/>
-      </p:nvGrpSpPr>
-      <p:grpSpPr>
-        <a:xfrm>
-          <a:off x="0" y="0"/>
-          <a:ext cx="0" cy="0"/>
-          <a:chOff x="0" y="0"/>
-          <a:chExt cx="0" cy="0"/>
-        </a:xfrm>
-      </p:grpSpPr>
-      <p:sp>
-        <p:nvSpPr>
-          <p:cNvPr id="2" name="Title 1">
-            <a:extLst>
-              <a:ext uri="{FF2B5EF4-FFF2-40B4-BE49-F238E27FC236}">
-                <a16:creationId xmlns:a16="http://schemas.microsoft.com/office/drawing/2014/main" id="{83C69284-6E44-4938-A96A-15FE70022A9E}"/>
-              </a:ext>
-            </a:extLst>
-          </p:cNvPr>
-          <p:cNvSpPr>
-            <a:spLocks noGrp="1"/>
-          </p:cNvSpPr>
-          <p:nvPr>
-            <p:ph type="title"/>
-          </p:nvPr>
-        </p:nvSpPr>
-        <p:spPr>
-          <a:xfrm>
-            <a:off x="-5964" y="255285"/>
-            <a:ext cx="9166762" cy="685494"/>
-          </a:xfrm>
-        </p:spPr>
-        <p:txBody>
-          <a:bodyPr/>
-          <a:lstStyle/>
-          <a:p>
-            <a:r>
-              <a:rPr lang="en-US" dirty="0"/>
-              <a:t>Gene Ontology Terms</a:t>
-            </a:r>
-          </a:p>
-        </p:txBody>
-      </p:sp>
-      <p:sp>
-        <p:nvSpPr>
-          <p:cNvPr id="3" name="Text Placeholder 2">
-            <a:extLst>
-              <a:ext uri="{FF2B5EF4-FFF2-40B4-BE49-F238E27FC236}">
-                <a16:creationId xmlns:a16="http://schemas.microsoft.com/office/drawing/2014/main" id="{9307E5EB-FABB-43AC-AB85-181D009CA16C}"/>
-              </a:ext>
-            </a:extLst>
-          </p:cNvPr>
-          <p:cNvSpPr>
-            <a:spLocks noGrp="1"/>
-          </p:cNvSpPr>
-          <p:nvPr>
-            <p:ph type="body" idx="1"/>
-          </p:nvPr>
-        </p:nvSpPr>
-        <p:spPr>
-          <a:xfrm>
-            <a:off x="457200" y="1092632"/>
-            <a:ext cx="8229600" cy="2650210"/>
-          </a:xfrm>
-        </p:spPr>
-        <p:txBody>
-          <a:bodyPr/>
-          <a:lstStyle/>
-          <a:p>
-            <a:r>
-              <a:rPr lang="en-US" dirty="0"/>
-              <a:t>Go Terms</a:t>
-            </a:r>
-          </a:p>
-          <a:p>
-            <a:r>
-              <a:rPr lang="en-US" dirty="0"/>
-              <a:t>Group genes together based on common characteristics</a:t>
-            </a:r>
-          </a:p>
-          <a:p>
-            <a:r>
-              <a:rPr lang="en-US" dirty="0"/>
-              <a:t>3 different types:</a:t>
-            </a:r>
-          </a:p>
-          <a:p>
-            <a:pPr lvl="1"/>
-            <a:r>
-              <a:rPr lang="en-US" dirty="0"/>
-              <a:t>Process (e.g. Glycolysis)</a:t>
-            </a:r>
-          </a:p>
-          <a:p>
-            <a:pPr lvl="1"/>
-            <a:r>
-              <a:rPr lang="en-US" dirty="0"/>
-              <a:t>Molecular function (e.g. Kinase)</a:t>
-            </a:r>
-          </a:p>
-          <a:p>
-            <a:pPr lvl="1"/>
-            <a:r>
-              <a:rPr lang="en-US" dirty="0"/>
-              <a:t>Cellular components (e.g. Mitochondria)</a:t>
-            </a:r>
-          </a:p>
-          <a:p>
-            <a:r>
-              <a:rPr lang="en-US" dirty="0"/>
-              <a:t>Here we will focus on the process</a:t>
-            </a:r>
-          </a:p>
-          <a:p>
-            <a:pPr lvl="1"/>
-            <a:endParaRPr lang="en-US" dirty="0"/>
-          </a:p>
-          <a:p>
-            <a:endParaRPr lang="en-US" dirty="0"/>
-          </a:p>
-        </p:txBody>
-      </p:sp>
-      <p:sp>
-        <p:nvSpPr>
-          <p:cNvPr id="4" name="Slide Number Placeholder 3">
-            <a:extLst>
-              <a:ext uri="{FF2B5EF4-FFF2-40B4-BE49-F238E27FC236}">
-                <a16:creationId xmlns:a16="http://schemas.microsoft.com/office/drawing/2014/main" id="{1E03C8E0-818F-43CC-8BC7-E638A1D92ACF}"/>
-              </a:ext>
-            </a:extLst>
-          </p:cNvPr>
-          <p:cNvSpPr>
-            <a:spLocks noGrp="1"/>
-          </p:cNvSpPr>
-          <p:nvPr>
-            <p:ph type="sldNum" sz="quarter" idx="2"/>
-          </p:nvPr>
-        </p:nvSpPr>
-        <p:spPr>
-          <a:xfrm>
-            <a:off x="3673434" y="6442718"/>
-            <a:ext cx="2133600" cy="276999"/>
-          </a:xfrm>
-          <a:prstGeom prst="rect">
-            <a:avLst/>
-          </a:prstGeom>
-          <a:ln w="12700">
-            <a:miter lim="400000"/>
-          </a:ln>
-        </p:spPr>
-        <p:txBody>
-          <a:bodyPr lIns="45719" rIns="45719" anchor="ctr">
-            <a:spAutoFit/>
-          </a:bodyPr>
-          <a:lstStyle>
-            <a:defPPr marL="0" marR="0" indent="0" algn="l" defTabSz="914400" rtl="0" fontAlgn="auto" latinLnBrk="1" hangingPunct="0">
-              <a:lnSpc>
-                <a:spcPct val="100000"/>
-              </a:lnSpc>
-              <a:spcBef>
-                <a:spcPts val="0"/>
-              </a:spcBef>
-              <a:spcAft>
-                <a:spcPts val="0"/>
-              </a:spcAft>
-              <a:buClrTx/>
-              <a:buSzTx/>
-              <a:buFontTx/>
-              <a:buNone/>
-              <a:tabLst/>
-              <a:defRPr kumimoji="0" sz="1800" b="0" i="0" u="none" strike="noStrike" cap="none" spc="0" normalizeH="0" baseline="0">
-                <a:ln>
-                  <a:noFill/>
-                </a:ln>
-                <a:solidFill>
-                  <a:srgbClr val="000000"/>
-                </a:solidFill>
-                <a:effectLst/>
-                <a:uFillTx/>
-              </a:defRPr>
-            </a:defPPr>
-            <a:lvl1pPr marL="0" marR="0" indent="0" algn="ctr" defTabSz="457200" rtl="0" fontAlgn="auto" latinLnBrk="0" hangingPunct="0">
-              <a:lnSpc>
-                <a:spcPct val="100000"/>
-              </a:lnSpc>
-              <a:spcBef>
-                <a:spcPts val="0"/>
-              </a:spcBef>
-              <a:spcAft>
-                <a:spcPts val="0"/>
-              </a:spcAft>
-              <a:buClrTx/>
-              <a:buSzTx/>
-              <a:buFontTx/>
-              <a:buNone/>
-              <a:tabLst/>
-              <a:defRPr kumimoji="0" sz="1200" b="0" i="0" u="none" strike="noStrike" cap="none" spc="0" normalizeH="0" baseline="0">
-                <a:ln>
-                  <a:noFill/>
-                </a:ln>
-                <a:solidFill>
-                  <a:schemeClr val="bg1"/>
-                </a:solidFill>
-                <a:effectLst/>
-                <a:uFillTx/>
-                <a:latin typeface="Arial" panose="020B0604020202020204" pitchFamily="34" charset="0"/>
-                <a:ea typeface="Times New Roman"/>
-                <a:cs typeface="Arial" panose="020B0604020202020204" pitchFamily="34" charset="0"/>
-                <a:sym typeface="Times New Roman"/>
-              </a:defRPr>
-            </a:lvl1pPr>
-            <a:lvl2pPr marL="0" marR="0" indent="457200" algn="l" defTabSz="457200" rtl="0" fontAlgn="auto" latinLnBrk="0" hangingPunct="0">
-              <a:lnSpc>
-                <a:spcPct val="100000"/>
-              </a:lnSpc>
-              <a:spcBef>
-                <a:spcPts val="0"/>
-              </a:spcBef>
-              <a:spcAft>
-                <a:spcPts val="0"/>
-              </a:spcAft>
-              <a:buClrTx/>
-              <a:buSzTx/>
-              <a:buFontTx/>
-              <a:buNone/>
-              <a:tabLst/>
-              <a:defRPr kumimoji="0" sz="1800" b="0" i="0" u="none" strike="noStrike" cap="none" spc="0" normalizeH="0" baseline="0">
-                <a:ln>
-                  <a:noFill/>
-                </a:ln>
-                <a:solidFill>
-                  <a:srgbClr val="000000"/>
-                </a:solidFill>
-                <a:effectLst/>
-                <a:uFillTx/>
-                <a:latin typeface="Times New Roman"/>
-                <a:ea typeface="Times New Roman"/>
-                <a:cs typeface="Times New Roman"/>
-                <a:sym typeface="Times New Roman"/>
-              </a:defRPr>
-            </a:lvl2pPr>
-            <a:lvl3pPr marL="0" marR="0" indent="914400" algn="l" defTabSz="457200" rtl="0" fontAlgn="auto" latinLnBrk="0" hangingPunct="0">
-              <a:lnSpc>
-                <a:spcPct val="100000"/>
-              </a:lnSpc>
-              <a:spcBef>
-                <a:spcPts val="0"/>
-              </a:spcBef>
-              <a:spcAft>
-                <a:spcPts val="0"/>
-              </a:spcAft>
-              <a:buClrTx/>
-              <a:buSzTx/>
-              <a:buFontTx/>
-              <a:buNone/>
-              <a:tabLst/>
-              <a:defRPr kumimoji="0" sz="1800" b="0" i="0" u="none" strike="noStrike" cap="none" spc="0" normalizeH="0" baseline="0">
-                <a:ln>
-                  <a:noFill/>
-                </a:ln>
-                <a:solidFill>
-                  <a:srgbClr val="000000"/>
-                </a:solidFill>
-                <a:effectLst/>
-                <a:uFillTx/>
-                <a:latin typeface="Times New Roman"/>
-                <a:ea typeface="Times New Roman"/>
-                <a:cs typeface="Times New Roman"/>
-                <a:sym typeface="Times New Roman"/>
-              </a:defRPr>
-            </a:lvl3pPr>
-            <a:lvl4pPr marL="0" marR="0" indent="1371600" algn="l" defTabSz="457200" rtl="0" fontAlgn="auto" latinLnBrk="0" hangingPunct="0">
-              <a:lnSpc>
-                <a:spcPct val="100000"/>
-              </a:lnSpc>
-              <a:spcBef>
-                <a:spcPts val="0"/>
-              </a:spcBef>
-              <a:spcAft>
-                <a:spcPts val="0"/>
-              </a:spcAft>
-              <a:buClrTx/>
-              <a:buSzTx/>
-              <a:buFontTx/>
-              <a:buNone/>
-              <a:tabLst/>
-              <a:defRPr kumimoji="0" sz="1800" b="0" i="0" u="none" strike="noStrike" cap="none" spc="0" normalizeH="0" baseline="0">
-                <a:ln>
-                  <a:noFill/>
-                </a:ln>
-                <a:solidFill>
-                  <a:srgbClr val="000000"/>
-                </a:solidFill>
-                <a:effectLst/>
-                <a:uFillTx/>
-                <a:latin typeface="Times New Roman"/>
-                <a:ea typeface="Times New Roman"/>
-                <a:cs typeface="Times New Roman"/>
-                <a:sym typeface="Times New Roman"/>
-              </a:defRPr>
-            </a:lvl4pPr>
-            <a:lvl5pPr marL="0" marR="0" indent="1828800" algn="l" defTabSz="457200" rtl="0" fontAlgn="auto" latinLnBrk="0" hangingPunct="0">
-              <a:lnSpc>
-                <a:spcPct val="100000"/>
-              </a:lnSpc>
-              <a:spcBef>
-                <a:spcPts val="0"/>
-              </a:spcBef>
-              <a:spcAft>
-                <a:spcPts val="0"/>
-              </a:spcAft>
-              <a:buClrTx/>
-              <a:buSzTx/>
-              <a:buFontTx/>
-              <a:buNone/>
-              <a:tabLst/>
-              <a:defRPr kumimoji="0" sz="1800" b="0" i="0" u="none" strike="noStrike" cap="none" spc="0" normalizeH="0" baseline="0">
-                <a:ln>
-                  <a:noFill/>
-                </a:ln>
-                <a:solidFill>
-                  <a:srgbClr val="000000"/>
-                </a:solidFill>
-                <a:effectLst/>
-                <a:uFillTx/>
-                <a:latin typeface="Times New Roman"/>
-                <a:ea typeface="Times New Roman"/>
-                <a:cs typeface="Times New Roman"/>
-                <a:sym typeface="Times New Roman"/>
-              </a:defRPr>
-            </a:lvl5pPr>
-            <a:lvl6pPr marL="0" marR="0" indent="2286000" algn="l" defTabSz="457200" rtl="0" fontAlgn="auto" latinLnBrk="0" hangingPunct="0">
-              <a:lnSpc>
-                <a:spcPct val="100000"/>
-              </a:lnSpc>
-              <a:spcBef>
-                <a:spcPts val="0"/>
-              </a:spcBef>
-              <a:spcAft>
-                <a:spcPts val="0"/>
-              </a:spcAft>
-              <a:buClrTx/>
-              <a:buSzTx/>
-              <a:buFontTx/>
-              <a:buNone/>
-              <a:tabLst/>
-              <a:defRPr kumimoji="0" sz="1800" b="0" i="0" u="none" strike="noStrike" cap="none" spc="0" normalizeH="0" baseline="0">
-                <a:ln>
-                  <a:noFill/>
-                </a:ln>
-                <a:solidFill>
-                  <a:srgbClr val="000000"/>
-                </a:solidFill>
-                <a:effectLst/>
-                <a:uFillTx/>
-                <a:latin typeface="Times New Roman"/>
-                <a:ea typeface="Times New Roman"/>
-                <a:cs typeface="Times New Roman"/>
-                <a:sym typeface="Times New Roman"/>
-              </a:defRPr>
-            </a:lvl6pPr>
-            <a:lvl7pPr marL="0" marR="0" indent="2743200" algn="l" defTabSz="457200" rtl="0" fontAlgn="auto" latinLnBrk="0" hangingPunct="0">
-              <a:lnSpc>
-                <a:spcPct val="100000"/>
-              </a:lnSpc>
-              <a:spcBef>
-                <a:spcPts val="0"/>
-              </a:spcBef>
-              <a:spcAft>
-                <a:spcPts val="0"/>
-              </a:spcAft>
-              <a:buClrTx/>
-              <a:buSzTx/>
-              <a:buFontTx/>
-              <a:buNone/>
-              <a:tabLst/>
-              <a:defRPr kumimoji="0" sz="1800" b="0" i="0" u="none" strike="noStrike" cap="none" spc="0" normalizeH="0" baseline="0">
-                <a:ln>
-                  <a:noFill/>
-                </a:ln>
-                <a:solidFill>
-                  <a:srgbClr val="000000"/>
-                </a:solidFill>
-                <a:effectLst/>
-                <a:uFillTx/>
-                <a:latin typeface="Times New Roman"/>
-                <a:ea typeface="Times New Roman"/>
-                <a:cs typeface="Times New Roman"/>
-                <a:sym typeface="Times New Roman"/>
-              </a:defRPr>
-            </a:lvl7pPr>
-            <a:lvl8pPr marL="0" marR="0" indent="3200400" algn="l" defTabSz="457200" rtl="0" fontAlgn="auto" latinLnBrk="0" hangingPunct="0">
-              <a:lnSpc>
-                <a:spcPct val="100000"/>
-              </a:lnSpc>
-              <a:spcBef>
-                <a:spcPts val="0"/>
-              </a:spcBef>
-              <a:spcAft>
-                <a:spcPts val="0"/>
-              </a:spcAft>
-              <a:buClrTx/>
-              <a:buSzTx/>
-              <a:buFontTx/>
-              <a:buNone/>
-              <a:tabLst/>
-              <a:defRPr kumimoji="0" sz="1800" b="0" i="0" u="none" strike="noStrike" cap="none" spc="0" normalizeH="0" baseline="0">
-                <a:ln>
-                  <a:noFill/>
-                </a:ln>
-                <a:solidFill>
-                  <a:srgbClr val="000000"/>
-                </a:solidFill>
-                <a:effectLst/>
-                <a:uFillTx/>
-                <a:latin typeface="Times New Roman"/>
-                <a:ea typeface="Times New Roman"/>
-                <a:cs typeface="Times New Roman"/>
-                <a:sym typeface="Times New Roman"/>
-              </a:defRPr>
-            </a:lvl8pPr>
-            <a:lvl9pPr marL="0" marR="0" indent="3657600" algn="l" defTabSz="457200" rtl="0" fontAlgn="auto" latinLnBrk="0" hangingPunct="0">
-              <a:lnSpc>
-                <a:spcPct val="100000"/>
-              </a:lnSpc>
-              <a:spcBef>
-                <a:spcPts val="0"/>
-              </a:spcBef>
-              <a:spcAft>
-                <a:spcPts val="0"/>
-              </a:spcAft>
-              <a:buClrTx/>
-              <a:buSzTx/>
-              <a:buFontTx/>
-              <a:buNone/>
-              <a:tabLst/>
-              <a:defRPr kumimoji="0" sz="1800" b="0" i="0" u="none" strike="noStrike" cap="none" spc="0" normalizeH="0" baseline="0">
-                <a:ln>
-                  <a:noFill/>
-                </a:ln>
-                <a:solidFill>
-                  <a:srgbClr val="000000"/>
-                </a:solidFill>
-                <a:effectLst/>
-                <a:uFillTx/>
-                <a:latin typeface="Times New Roman"/>
-                <a:ea typeface="Times New Roman"/>
-                <a:cs typeface="Times New Roman"/>
-                <a:sym typeface="Times New Roman"/>
-              </a:defRPr>
-            </a:lvl9pPr>
-          </a:lstStyle>
-          <a:p>
-            <a:fld id="{86CB4B4D-7CA3-9044-876B-883B54F8677D}" type="slidenum">
-              <a:rPr lang="en-US" smtClean="0"/>
-              <a:pPr/>
-              <a:t>11</a:t>
-            </a:fld>
-            <a:endParaRPr lang="en-US" dirty="0"/>
-          </a:p>
-        </p:txBody>
-      </p:sp>
-    </p:spTree>
-    <p:extLst>
-      <p:ext uri="{BB962C8B-B14F-4D97-AF65-F5344CB8AC3E}">
-        <p14:creationId xmlns:p14="http://schemas.microsoft.com/office/powerpoint/2010/main" val="1854621619"/>
-      </p:ext>
-    </p:extLst>
-  </p:cSld>
-  <p:clrMapOvr>
-    <a:masterClrMapping/>
-  </p:clrMapOvr>
-</p:sld>
-</file>
-
-<file path=ppt/slides/slide12.xml><?xml version="1.0" encoding="utf-8"?>
-<p:sld xmlns:a="http://schemas.openxmlformats.org/drawingml/2006/main" xmlns:r="http://schemas.openxmlformats.org/officeDocument/2006/relationships" xmlns:p="http://schemas.openxmlformats.org/presentationml/2006/main">
-  <p:cSld>
-    <p:spTree>
-      <p:nvGrpSpPr>
-        <p:cNvPr id="1" name=""/>
-        <p:cNvGrpSpPr/>
-        <p:nvPr/>
-      </p:nvGrpSpPr>
-      <p:grpSpPr>
-        <a:xfrm>
-          <a:off x="0" y="0"/>
-          <a:ext cx="0" cy="0"/>
-          <a:chOff x="0" y="0"/>
-          <a:chExt cx="0" cy="0"/>
-        </a:xfrm>
-      </p:grpSpPr>
-      <p:sp>
-        <p:nvSpPr>
-          <p:cNvPr id="2" name="Title 1">
-            <a:extLst>
-              <a:ext uri="{FF2B5EF4-FFF2-40B4-BE49-F238E27FC236}">
-                <a16:creationId xmlns:a16="http://schemas.microsoft.com/office/drawing/2014/main" id="{83C69284-6E44-4938-A96A-15FE70022A9E}"/>
-              </a:ext>
-            </a:extLst>
-          </p:cNvPr>
-          <p:cNvSpPr>
-            <a:spLocks noGrp="1"/>
-          </p:cNvSpPr>
-          <p:nvPr>
-            <p:ph type="title"/>
-          </p:nvPr>
-        </p:nvSpPr>
-        <p:spPr>
-          <a:xfrm>
-            <a:off x="-5964" y="255285"/>
-            <a:ext cx="9166762" cy="685494"/>
-          </a:xfrm>
-        </p:spPr>
-        <p:txBody>
-          <a:bodyPr/>
-          <a:lstStyle/>
-          <a:p>
-            <a:r>
-              <a:rPr lang="en-US" dirty="0"/>
-              <a:t>Go Term enrichment analysis</a:t>
-            </a:r>
-          </a:p>
-        </p:txBody>
-      </p:sp>
-      <p:sp>
-        <p:nvSpPr>
-          <p:cNvPr id="3" name="Text Placeholder 2">
-            <a:extLst>
-              <a:ext uri="{FF2B5EF4-FFF2-40B4-BE49-F238E27FC236}">
-                <a16:creationId xmlns:a16="http://schemas.microsoft.com/office/drawing/2014/main" id="{9307E5EB-FABB-43AC-AB85-181D009CA16C}"/>
-              </a:ext>
-            </a:extLst>
-          </p:cNvPr>
-          <p:cNvSpPr>
-            <a:spLocks noGrp="1"/>
-          </p:cNvSpPr>
-          <p:nvPr>
-            <p:ph type="body" idx="1"/>
-          </p:nvPr>
-        </p:nvSpPr>
-        <p:spPr>
-          <a:xfrm>
-            <a:off x="457200" y="1092632"/>
-            <a:ext cx="8229600" cy="2650210"/>
-          </a:xfrm>
-        </p:spPr>
-        <p:txBody>
-          <a:bodyPr/>
-          <a:lstStyle/>
-          <a:p>
-            <a:r>
-              <a:rPr lang="en-US" dirty="0"/>
-              <a:t>Calculate the enrichment that represents the amount to which the </a:t>
-            </a:r>
-            <a:r>
-              <a:rPr lang="en-US" b="1" dirty="0"/>
-              <a:t>genes in the set are over-represented</a:t>
-            </a:r>
-            <a:r>
-              <a:rPr lang="en-US" dirty="0"/>
-              <a:t>.</a:t>
-            </a:r>
-          </a:p>
-          <a:p>
-            <a:r>
-              <a:rPr lang="en-US" dirty="0"/>
-              <a:t>Estimate the </a:t>
-            </a:r>
-            <a:r>
-              <a:rPr lang="en-US" b="1" dirty="0"/>
-              <a:t>statistical significance </a:t>
-            </a:r>
-            <a:r>
-              <a:rPr lang="en-US" dirty="0"/>
-              <a:t>of the enrichment using a hypergeometric test</a:t>
-            </a:r>
-          </a:p>
-          <a:p>
-            <a:r>
-              <a:rPr lang="en-US" b="1" dirty="0"/>
-              <a:t>Adjust for multiple hypothesis testing </a:t>
-            </a:r>
-            <a:r>
-              <a:rPr lang="en-US" dirty="0"/>
-              <a:t>for when a large number of gene sets are being analyzed at one time.</a:t>
-            </a:r>
-          </a:p>
-        </p:txBody>
-      </p:sp>
-      <p:sp>
-        <p:nvSpPr>
-          <p:cNvPr id="4" name="Slide Number Placeholder 3">
-            <a:extLst>
-              <a:ext uri="{FF2B5EF4-FFF2-40B4-BE49-F238E27FC236}">
-                <a16:creationId xmlns:a16="http://schemas.microsoft.com/office/drawing/2014/main" id="{1E03C8E0-818F-43CC-8BC7-E638A1D92ACF}"/>
-              </a:ext>
-            </a:extLst>
-          </p:cNvPr>
-          <p:cNvSpPr>
-            <a:spLocks noGrp="1"/>
-          </p:cNvSpPr>
-          <p:nvPr>
-            <p:ph type="sldNum" sz="quarter" idx="2"/>
-          </p:nvPr>
-        </p:nvSpPr>
-        <p:spPr>
-          <a:xfrm>
-            <a:off x="3673434" y="6442718"/>
-            <a:ext cx="2133600" cy="276999"/>
-          </a:xfrm>
-          <a:prstGeom prst="rect">
-            <a:avLst/>
-          </a:prstGeom>
-          <a:ln w="12700">
-            <a:miter lim="400000"/>
-          </a:ln>
-        </p:spPr>
-        <p:txBody>
-          <a:bodyPr lIns="45719" rIns="45719" anchor="ctr">
-            <a:spAutoFit/>
-          </a:bodyPr>
-          <a:lstStyle>
-            <a:defPPr marL="0" marR="0" indent="0" algn="l" defTabSz="914400" rtl="0" fontAlgn="auto" latinLnBrk="1" hangingPunct="0">
-              <a:lnSpc>
-                <a:spcPct val="100000"/>
-              </a:lnSpc>
-              <a:spcBef>
-                <a:spcPts val="0"/>
-              </a:spcBef>
-              <a:spcAft>
-                <a:spcPts val="0"/>
-              </a:spcAft>
-              <a:buClrTx/>
-              <a:buSzTx/>
-              <a:buFontTx/>
-              <a:buNone/>
-              <a:tabLst/>
-              <a:defRPr kumimoji="0" sz="1800" b="0" i="0" u="none" strike="noStrike" cap="none" spc="0" normalizeH="0" baseline="0">
-                <a:ln>
-                  <a:noFill/>
-                </a:ln>
-                <a:solidFill>
-                  <a:srgbClr val="000000"/>
-                </a:solidFill>
-                <a:effectLst/>
-                <a:uFillTx/>
-              </a:defRPr>
-            </a:defPPr>
-            <a:lvl1pPr marL="0" marR="0" indent="0" algn="ctr" defTabSz="457200" rtl="0" fontAlgn="auto" latinLnBrk="0" hangingPunct="0">
-              <a:lnSpc>
-                <a:spcPct val="100000"/>
-              </a:lnSpc>
-              <a:spcBef>
-                <a:spcPts val="0"/>
-              </a:spcBef>
-              <a:spcAft>
-                <a:spcPts val="0"/>
-              </a:spcAft>
-              <a:buClrTx/>
-              <a:buSzTx/>
-              <a:buFontTx/>
-              <a:buNone/>
-              <a:tabLst/>
-              <a:defRPr kumimoji="0" sz="1200" b="0" i="0" u="none" strike="noStrike" cap="none" spc="0" normalizeH="0" baseline="0">
-                <a:ln>
-                  <a:noFill/>
-                </a:ln>
-                <a:solidFill>
-                  <a:schemeClr val="bg1"/>
-                </a:solidFill>
-                <a:effectLst/>
-                <a:uFillTx/>
-                <a:latin typeface="Arial" panose="020B0604020202020204" pitchFamily="34" charset="0"/>
-                <a:ea typeface="Times New Roman"/>
-                <a:cs typeface="Arial" panose="020B0604020202020204" pitchFamily="34" charset="0"/>
-                <a:sym typeface="Times New Roman"/>
-              </a:defRPr>
-            </a:lvl1pPr>
-            <a:lvl2pPr marL="0" marR="0" indent="457200" algn="l" defTabSz="457200" rtl="0" fontAlgn="auto" latinLnBrk="0" hangingPunct="0">
-              <a:lnSpc>
-                <a:spcPct val="100000"/>
-              </a:lnSpc>
-              <a:spcBef>
-                <a:spcPts val="0"/>
-              </a:spcBef>
-              <a:spcAft>
-                <a:spcPts val="0"/>
-              </a:spcAft>
-              <a:buClrTx/>
-              <a:buSzTx/>
-              <a:buFontTx/>
-              <a:buNone/>
-              <a:tabLst/>
-              <a:defRPr kumimoji="0" sz="1800" b="0" i="0" u="none" strike="noStrike" cap="none" spc="0" normalizeH="0" baseline="0">
-                <a:ln>
-                  <a:noFill/>
-                </a:ln>
-                <a:solidFill>
-                  <a:srgbClr val="000000"/>
-                </a:solidFill>
-                <a:effectLst/>
-                <a:uFillTx/>
-                <a:latin typeface="Times New Roman"/>
-                <a:ea typeface="Times New Roman"/>
-                <a:cs typeface="Times New Roman"/>
-                <a:sym typeface="Times New Roman"/>
-              </a:defRPr>
-            </a:lvl2pPr>
-            <a:lvl3pPr marL="0" marR="0" indent="914400" algn="l" defTabSz="457200" rtl="0" fontAlgn="auto" latinLnBrk="0" hangingPunct="0">
-              <a:lnSpc>
-                <a:spcPct val="100000"/>
-              </a:lnSpc>
-              <a:spcBef>
-                <a:spcPts val="0"/>
-              </a:spcBef>
-              <a:spcAft>
-                <a:spcPts val="0"/>
-              </a:spcAft>
-              <a:buClrTx/>
-              <a:buSzTx/>
-              <a:buFontTx/>
-              <a:buNone/>
-              <a:tabLst/>
-              <a:defRPr kumimoji="0" sz="1800" b="0" i="0" u="none" strike="noStrike" cap="none" spc="0" normalizeH="0" baseline="0">
-                <a:ln>
-                  <a:noFill/>
-                </a:ln>
-                <a:solidFill>
-                  <a:srgbClr val="000000"/>
-                </a:solidFill>
-                <a:effectLst/>
-                <a:uFillTx/>
-                <a:latin typeface="Times New Roman"/>
-                <a:ea typeface="Times New Roman"/>
-                <a:cs typeface="Times New Roman"/>
-                <a:sym typeface="Times New Roman"/>
-              </a:defRPr>
-            </a:lvl3pPr>
-            <a:lvl4pPr marL="0" marR="0" indent="1371600" algn="l" defTabSz="457200" rtl="0" fontAlgn="auto" latinLnBrk="0" hangingPunct="0">
-              <a:lnSpc>
-                <a:spcPct val="100000"/>
-              </a:lnSpc>
-              <a:spcBef>
-                <a:spcPts val="0"/>
-              </a:spcBef>
-              <a:spcAft>
-                <a:spcPts val="0"/>
-              </a:spcAft>
-              <a:buClrTx/>
-              <a:buSzTx/>
-              <a:buFontTx/>
-              <a:buNone/>
-              <a:tabLst/>
-              <a:defRPr kumimoji="0" sz="1800" b="0" i="0" u="none" strike="noStrike" cap="none" spc="0" normalizeH="0" baseline="0">
-                <a:ln>
-                  <a:noFill/>
-                </a:ln>
-                <a:solidFill>
-                  <a:srgbClr val="000000"/>
-                </a:solidFill>
-                <a:effectLst/>
-                <a:uFillTx/>
-                <a:latin typeface="Times New Roman"/>
-                <a:ea typeface="Times New Roman"/>
-                <a:cs typeface="Times New Roman"/>
-                <a:sym typeface="Times New Roman"/>
-              </a:defRPr>
-            </a:lvl4pPr>
-            <a:lvl5pPr marL="0" marR="0" indent="1828800" algn="l" defTabSz="457200" rtl="0" fontAlgn="auto" latinLnBrk="0" hangingPunct="0">
-              <a:lnSpc>
-                <a:spcPct val="100000"/>
-              </a:lnSpc>
-              <a:spcBef>
-                <a:spcPts val="0"/>
-              </a:spcBef>
-              <a:spcAft>
-                <a:spcPts val="0"/>
-              </a:spcAft>
-              <a:buClrTx/>
-              <a:buSzTx/>
-              <a:buFontTx/>
-              <a:buNone/>
-              <a:tabLst/>
-              <a:defRPr kumimoji="0" sz="1800" b="0" i="0" u="none" strike="noStrike" cap="none" spc="0" normalizeH="0" baseline="0">
-                <a:ln>
-                  <a:noFill/>
-                </a:ln>
-                <a:solidFill>
-                  <a:srgbClr val="000000"/>
-                </a:solidFill>
-                <a:effectLst/>
-                <a:uFillTx/>
-                <a:latin typeface="Times New Roman"/>
-                <a:ea typeface="Times New Roman"/>
-                <a:cs typeface="Times New Roman"/>
-                <a:sym typeface="Times New Roman"/>
-              </a:defRPr>
-            </a:lvl5pPr>
-            <a:lvl6pPr marL="0" marR="0" indent="2286000" algn="l" defTabSz="457200" rtl="0" fontAlgn="auto" latinLnBrk="0" hangingPunct="0">
-              <a:lnSpc>
-                <a:spcPct val="100000"/>
-              </a:lnSpc>
-              <a:spcBef>
-                <a:spcPts val="0"/>
-              </a:spcBef>
-              <a:spcAft>
-                <a:spcPts val="0"/>
-              </a:spcAft>
-              <a:buClrTx/>
-              <a:buSzTx/>
-              <a:buFontTx/>
-              <a:buNone/>
-              <a:tabLst/>
-              <a:defRPr kumimoji="0" sz="1800" b="0" i="0" u="none" strike="noStrike" cap="none" spc="0" normalizeH="0" baseline="0">
-                <a:ln>
-                  <a:noFill/>
-                </a:ln>
-                <a:solidFill>
-                  <a:srgbClr val="000000"/>
-                </a:solidFill>
-                <a:effectLst/>
-                <a:uFillTx/>
-                <a:latin typeface="Times New Roman"/>
-                <a:ea typeface="Times New Roman"/>
-                <a:cs typeface="Times New Roman"/>
-                <a:sym typeface="Times New Roman"/>
-              </a:defRPr>
-            </a:lvl6pPr>
-            <a:lvl7pPr marL="0" marR="0" indent="2743200" algn="l" defTabSz="457200" rtl="0" fontAlgn="auto" latinLnBrk="0" hangingPunct="0">
-              <a:lnSpc>
-                <a:spcPct val="100000"/>
-              </a:lnSpc>
-              <a:spcBef>
-                <a:spcPts val="0"/>
-              </a:spcBef>
-              <a:spcAft>
-                <a:spcPts val="0"/>
-              </a:spcAft>
-              <a:buClrTx/>
-              <a:buSzTx/>
-              <a:buFontTx/>
-              <a:buNone/>
-              <a:tabLst/>
-              <a:defRPr kumimoji="0" sz="1800" b="0" i="0" u="none" strike="noStrike" cap="none" spc="0" normalizeH="0" baseline="0">
-                <a:ln>
-                  <a:noFill/>
-                </a:ln>
-                <a:solidFill>
-                  <a:srgbClr val="000000"/>
-                </a:solidFill>
-                <a:effectLst/>
-                <a:uFillTx/>
-                <a:latin typeface="Times New Roman"/>
-                <a:ea typeface="Times New Roman"/>
-                <a:cs typeface="Times New Roman"/>
-                <a:sym typeface="Times New Roman"/>
-              </a:defRPr>
-            </a:lvl7pPr>
-            <a:lvl8pPr marL="0" marR="0" indent="3200400" algn="l" defTabSz="457200" rtl="0" fontAlgn="auto" latinLnBrk="0" hangingPunct="0">
-              <a:lnSpc>
-                <a:spcPct val="100000"/>
-              </a:lnSpc>
-              <a:spcBef>
-                <a:spcPts val="0"/>
-              </a:spcBef>
-              <a:spcAft>
-                <a:spcPts val="0"/>
-              </a:spcAft>
-              <a:buClrTx/>
-              <a:buSzTx/>
-              <a:buFontTx/>
-              <a:buNone/>
-              <a:tabLst/>
-              <a:defRPr kumimoji="0" sz="1800" b="0" i="0" u="none" strike="noStrike" cap="none" spc="0" normalizeH="0" baseline="0">
-                <a:ln>
-                  <a:noFill/>
-                </a:ln>
-                <a:solidFill>
-                  <a:srgbClr val="000000"/>
-                </a:solidFill>
-                <a:effectLst/>
-                <a:uFillTx/>
-                <a:latin typeface="Times New Roman"/>
-                <a:ea typeface="Times New Roman"/>
-                <a:cs typeface="Times New Roman"/>
-                <a:sym typeface="Times New Roman"/>
-              </a:defRPr>
-            </a:lvl8pPr>
-            <a:lvl9pPr marL="0" marR="0" indent="3657600" algn="l" defTabSz="457200" rtl="0" fontAlgn="auto" latinLnBrk="0" hangingPunct="0">
-              <a:lnSpc>
-                <a:spcPct val="100000"/>
-              </a:lnSpc>
-              <a:spcBef>
-                <a:spcPts val="0"/>
-              </a:spcBef>
-              <a:spcAft>
-                <a:spcPts val="0"/>
-              </a:spcAft>
-              <a:buClrTx/>
-              <a:buSzTx/>
-              <a:buFontTx/>
-              <a:buNone/>
-              <a:tabLst/>
-              <a:defRPr kumimoji="0" sz="1800" b="0" i="0" u="none" strike="noStrike" cap="none" spc="0" normalizeH="0" baseline="0">
-                <a:ln>
-                  <a:noFill/>
-                </a:ln>
-                <a:solidFill>
-                  <a:srgbClr val="000000"/>
-                </a:solidFill>
-                <a:effectLst/>
-                <a:uFillTx/>
-                <a:latin typeface="Times New Roman"/>
-                <a:ea typeface="Times New Roman"/>
-                <a:cs typeface="Times New Roman"/>
-                <a:sym typeface="Times New Roman"/>
-              </a:defRPr>
-            </a:lvl9pPr>
-          </a:lstStyle>
-          <a:p>
-            <a:fld id="{86CB4B4D-7CA3-9044-876B-883B54F8677D}" type="slidenum">
-              <a:rPr lang="en-US" smtClean="0"/>
-              <a:pPr/>
-              <a:t>12</a:t>
-            </a:fld>
-            <a:endParaRPr lang="en-US" dirty="0"/>
-          </a:p>
-        </p:txBody>
-      </p:sp>
-    </p:spTree>
-    <p:extLst>
-      <p:ext uri="{BB962C8B-B14F-4D97-AF65-F5344CB8AC3E}">
-        <p14:creationId xmlns:p14="http://schemas.microsoft.com/office/powerpoint/2010/main" val="3586108948"/>
-      </p:ext>
-    </p:extLst>
-  </p:cSld>
-  <p:clrMapOvr>
-    <a:masterClrMapping/>
-  </p:clrMapOvr>
-</p:sld>
-</file>
-
-<file path=ppt/slides/slide2.xml><?xml version="1.0" encoding="utf-8"?>
-<p:sld xmlns:a="http://schemas.openxmlformats.org/drawingml/2006/main" xmlns:r="http://schemas.openxmlformats.org/officeDocument/2006/relationships" xmlns:p="http://schemas.openxmlformats.org/presentationml/2006/main">
-  <p:cSld>
-    <p:spTree>
-      <p:nvGrpSpPr>
-        <p:cNvPr id="1" name=""/>
-        <p:cNvGrpSpPr/>
-        <p:nvPr/>
-      </p:nvGrpSpPr>
-      <p:grpSpPr>
-        <a:xfrm>
-          <a:off x="0" y="0"/>
-          <a:ext cx="0" cy="0"/>
-          <a:chOff x="0" y="0"/>
-          <a:chExt cx="0" cy="0"/>
-        </a:xfrm>
-      </p:grpSpPr>
-      <p:sp>
-        <p:nvSpPr>
-          <p:cNvPr id="2" name="Title 1">
-            <a:extLst>
-              <a:ext uri="{FF2B5EF4-FFF2-40B4-BE49-F238E27FC236}">
-                <a16:creationId xmlns:a16="http://schemas.microsoft.com/office/drawing/2014/main" id="{0F372F53-A49F-4345-BC33-A1043137A77C}"/>
-              </a:ext>
-            </a:extLst>
-          </p:cNvPr>
-          <p:cNvSpPr>
-            <a:spLocks noGrp="1"/>
-          </p:cNvSpPr>
-          <p:nvPr>
-            <p:ph type="title"/>
-          </p:nvPr>
-        </p:nvSpPr>
-        <p:spPr/>
-        <p:txBody>
-          <a:bodyPr/>
-          <a:lstStyle/>
-          <a:p>
-            <a:r>
-              <a:rPr lang="en-US" dirty="0"/>
-              <a:t>Learning objectives</a:t>
-            </a:r>
-          </a:p>
-        </p:txBody>
-      </p:sp>
-      <p:sp>
-        <p:nvSpPr>
-          <p:cNvPr id="3" name="Text Placeholder 2">
-            <a:extLst>
-              <a:ext uri="{FF2B5EF4-FFF2-40B4-BE49-F238E27FC236}">
-                <a16:creationId xmlns:a16="http://schemas.microsoft.com/office/drawing/2014/main" id="{3E39FB69-0BA8-463D-A887-77250A52906D}"/>
-              </a:ext>
-            </a:extLst>
-          </p:cNvPr>
-          <p:cNvSpPr>
-            <a:spLocks noGrp="1"/>
-          </p:cNvSpPr>
-          <p:nvPr>
-            <p:ph type="body" idx="1"/>
-          </p:nvPr>
-        </p:nvSpPr>
-        <p:spPr/>
-        <p:txBody>
-          <a:bodyPr/>
-          <a:lstStyle/>
-          <a:p>
-            <a:r>
-              <a:rPr lang="en-US" dirty="0"/>
-              <a:t>By the end of the exercise, you should be able to: </a:t>
-            </a:r>
-          </a:p>
-          <a:p>
-            <a:pPr marL="514350" indent="-514350">
-              <a:buFont typeface="+mj-lt"/>
-              <a:buAutoNum type="arabicPeriod"/>
-            </a:pPr>
-            <a:r>
-              <a:rPr lang="en-US" sz="2800" dirty="0"/>
-              <a:t>Perform and interpret a “standard” differential gene expression analysis</a:t>
-            </a:r>
-          </a:p>
-          <a:p>
-            <a:pPr marL="514350" indent="-514350">
-              <a:buFont typeface="+mj-lt"/>
-              <a:buAutoNum type="arabicPeriod"/>
-            </a:pPr>
-            <a:r>
-              <a:rPr lang="en-US" sz="2800" dirty="0"/>
-              <a:t>Understand how fold-changes and p-values are used to select genes for further study</a:t>
-            </a:r>
-          </a:p>
-          <a:p>
-            <a:pPr marL="514350" indent="-514350">
-              <a:buFont typeface="+mj-lt"/>
-              <a:buAutoNum type="arabicPeriod"/>
-            </a:pPr>
-            <a:r>
-              <a:rPr lang="en-US" sz="2800" dirty="0"/>
-              <a:t>Be aware of some of the pitfalls associated with RNA-</a:t>
-            </a:r>
-            <a:r>
-              <a:rPr lang="en-US" sz="2800" dirty="0" err="1"/>
-              <a:t>seq</a:t>
-            </a:r>
-            <a:r>
-              <a:rPr lang="en-US" sz="2800" dirty="0"/>
-              <a:t> analysis</a:t>
-            </a:r>
-          </a:p>
-        </p:txBody>
-      </p:sp>
-      <p:sp>
-        <p:nvSpPr>
-          <p:cNvPr id="6" name="Slide Number Placeholder 5">
-            <a:extLst>
-              <a:ext uri="{FF2B5EF4-FFF2-40B4-BE49-F238E27FC236}">
-                <a16:creationId xmlns:a16="http://schemas.microsoft.com/office/drawing/2014/main" id="{826D258C-8A5D-44E1-B3A4-2863C32DD1FD}"/>
-              </a:ext>
-            </a:extLst>
-          </p:cNvPr>
-          <p:cNvSpPr>
-            <a:spLocks noGrp="1"/>
-          </p:cNvSpPr>
-          <p:nvPr>
-            <p:ph type="sldNum" sz="quarter" idx="2"/>
-          </p:nvPr>
-        </p:nvSpPr>
-        <p:spPr>
-          <a:xfrm>
-            <a:off x="3673434" y="6442718"/>
-            <a:ext cx="2133600" cy="276999"/>
-          </a:xfrm>
-          <a:prstGeom prst="rect">
-            <a:avLst/>
-          </a:prstGeom>
-          <a:ln w="12700">
-            <a:miter lim="400000"/>
-          </a:ln>
-        </p:spPr>
-        <p:txBody>
-          <a:bodyPr lIns="45719" rIns="45719" anchor="ctr">
-            <a:spAutoFit/>
-          </a:bodyPr>
-          <a:lstStyle>
-            <a:defPPr marL="0" marR="0" indent="0" algn="l" defTabSz="914400" rtl="0" fontAlgn="auto" latinLnBrk="1" hangingPunct="0">
-              <a:lnSpc>
-                <a:spcPct val="100000"/>
-              </a:lnSpc>
-              <a:spcBef>
-                <a:spcPts val="0"/>
-              </a:spcBef>
-              <a:spcAft>
-                <a:spcPts val="0"/>
-              </a:spcAft>
-              <a:buClrTx/>
-              <a:buSzTx/>
-              <a:buFontTx/>
-              <a:buNone/>
-              <a:tabLst/>
-              <a:defRPr kumimoji="0" sz="1800" b="0" i="0" u="none" strike="noStrike" cap="none" spc="0" normalizeH="0" baseline="0">
-                <a:ln>
-                  <a:noFill/>
-                </a:ln>
-                <a:solidFill>
-                  <a:srgbClr val="000000"/>
-                </a:solidFill>
-                <a:effectLst/>
-                <a:uFillTx/>
-              </a:defRPr>
-            </a:defPPr>
-            <a:lvl1pPr marL="0" marR="0" indent="0" algn="ctr" defTabSz="457200" rtl="0" fontAlgn="auto" latinLnBrk="0" hangingPunct="0">
-              <a:lnSpc>
-                <a:spcPct val="100000"/>
-              </a:lnSpc>
-              <a:spcBef>
-                <a:spcPts val="0"/>
-              </a:spcBef>
-              <a:spcAft>
-                <a:spcPts val="0"/>
-              </a:spcAft>
-              <a:buClrTx/>
-              <a:buSzTx/>
-              <a:buFontTx/>
-              <a:buNone/>
-              <a:tabLst/>
-              <a:defRPr kumimoji="0" sz="1200" b="0" i="0" u="none" strike="noStrike" cap="none" spc="0" normalizeH="0" baseline="0">
-                <a:ln>
-                  <a:noFill/>
-                </a:ln>
-                <a:solidFill>
-                  <a:schemeClr val="bg1"/>
-                </a:solidFill>
-                <a:effectLst/>
-                <a:uFillTx/>
-                <a:latin typeface="Arial" panose="020B0604020202020204" pitchFamily="34" charset="0"/>
-                <a:ea typeface="Times New Roman"/>
-                <a:cs typeface="Arial" panose="020B0604020202020204" pitchFamily="34" charset="0"/>
-                <a:sym typeface="Times New Roman"/>
-              </a:defRPr>
-            </a:lvl1pPr>
-            <a:lvl2pPr marL="0" marR="0" indent="457200" algn="l" defTabSz="457200" rtl="0" fontAlgn="auto" latinLnBrk="0" hangingPunct="0">
-              <a:lnSpc>
-                <a:spcPct val="100000"/>
-              </a:lnSpc>
-              <a:spcBef>
-                <a:spcPts val="0"/>
-              </a:spcBef>
-              <a:spcAft>
-                <a:spcPts val="0"/>
-              </a:spcAft>
-              <a:buClrTx/>
-              <a:buSzTx/>
-              <a:buFontTx/>
-              <a:buNone/>
-              <a:tabLst/>
-              <a:defRPr kumimoji="0" sz="1800" b="0" i="0" u="none" strike="noStrike" cap="none" spc="0" normalizeH="0" baseline="0">
-                <a:ln>
-                  <a:noFill/>
-                </a:ln>
-                <a:solidFill>
-                  <a:srgbClr val="000000"/>
-                </a:solidFill>
-                <a:effectLst/>
-                <a:uFillTx/>
-                <a:latin typeface="Times New Roman"/>
-                <a:ea typeface="Times New Roman"/>
-                <a:cs typeface="Times New Roman"/>
-                <a:sym typeface="Times New Roman"/>
-              </a:defRPr>
-            </a:lvl2pPr>
-            <a:lvl3pPr marL="0" marR="0" indent="914400" algn="l" defTabSz="457200" rtl="0" fontAlgn="auto" latinLnBrk="0" hangingPunct="0">
-              <a:lnSpc>
-                <a:spcPct val="100000"/>
-              </a:lnSpc>
-              <a:spcBef>
-                <a:spcPts val="0"/>
-              </a:spcBef>
-              <a:spcAft>
-                <a:spcPts val="0"/>
-              </a:spcAft>
-              <a:buClrTx/>
-              <a:buSzTx/>
-              <a:buFontTx/>
-              <a:buNone/>
-              <a:tabLst/>
-              <a:defRPr kumimoji="0" sz="1800" b="0" i="0" u="none" strike="noStrike" cap="none" spc="0" normalizeH="0" baseline="0">
-                <a:ln>
-                  <a:noFill/>
-                </a:ln>
-                <a:solidFill>
-                  <a:srgbClr val="000000"/>
-                </a:solidFill>
-                <a:effectLst/>
-                <a:uFillTx/>
-                <a:latin typeface="Times New Roman"/>
-                <a:ea typeface="Times New Roman"/>
-                <a:cs typeface="Times New Roman"/>
-                <a:sym typeface="Times New Roman"/>
-              </a:defRPr>
-            </a:lvl3pPr>
-            <a:lvl4pPr marL="0" marR="0" indent="1371600" algn="l" defTabSz="457200" rtl="0" fontAlgn="auto" latinLnBrk="0" hangingPunct="0">
-              <a:lnSpc>
-                <a:spcPct val="100000"/>
-              </a:lnSpc>
-              <a:spcBef>
-                <a:spcPts val="0"/>
-              </a:spcBef>
-              <a:spcAft>
-                <a:spcPts val="0"/>
-              </a:spcAft>
-              <a:buClrTx/>
-              <a:buSzTx/>
-              <a:buFontTx/>
-              <a:buNone/>
-              <a:tabLst/>
-              <a:defRPr kumimoji="0" sz="1800" b="0" i="0" u="none" strike="noStrike" cap="none" spc="0" normalizeH="0" baseline="0">
-                <a:ln>
-                  <a:noFill/>
-                </a:ln>
-                <a:solidFill>
-                  <a:srgbClr val="000000"/>
-                </a:solidFill>
-                <a:effectLst/>
-                <a:uFillTx/>
-                <a:latin typeface="Times New Roman"/>
-                <a:ea typeface="Times New Roman"/>
-                <a:cs typeface="Times New Roman"/>
-                <a:sym typeface="Times New Roman"/>
-              </a:defRPr>
-            </a:lvl4pPr>
-            <a:lvl5pPr marL="0" marR="0" indent="1828800" algn="l" defTabSz="457200" rtl="0" fontAlgn="auto" latinLnBrk="0" hangingPunct="0">
-              <a:lnSpc>
-                <a:spcPct val="100000"/>
-              </a:lnSpc>
-              <a:spcBef>
-                <a:spcPts val="0"/>
-              </a:spcBef>
-              <a:spcAft>
-                <a:spcPts val="0"/>
-              </a:spcAft>
-              <a:buClrTx/>
-              <a:buSzTx/>
-              <a:buFontTx/>
-              <a:buNone/>
-              <a:tabLst/>
-              <a:defRPr kumimoji="0" sz="1800" b="0" i="0" u="none" strike="noStrike" cap="none" spc="0" normalizeH="0" baseline="0">
-                <a:ln>
-                  <a:noFill/>
-                </a:ln>
-                <a:solidFill>
-                  <a:srgbClr val="000000"/>
-                </a:solidFill>
-                <a:effectLst/>
-                <a:uFillTx/>
-                <a:latin typeface="Times New Roman"/>
-                <a:ea typeface="Times New Roman"/>
-                <a:cs typeface="Times New Roman"/>
-                <a:sym typeface="Times New Roman"/>
-              </a:defRPr>
-            </a:lvl5pPr>
-            <a:lvl6pPr marL="0" marR="0" indent="2286000" algn="l" defTabSz="457200" rtl="0" fontAlgn="auto" latinLnBrk="0" hangingPunct="0">
-              <a:lnSpc>
-                <a:spcPct val="100000"/>
-              </a:lnSpc>
-              <a:spcBef>
-                <a:spcPts val="0"/>
-              </a:spcBef>
-              <a:spcAft>
-                <a:spcPts val="0"/>
-              </a:spcAft>
-              <a:buClrTx/>
-              <a:buSzTx/>
-              <a:buFontTx/>
-              <a:buNone/>
-              <a:tabLst/>
-              <a:defRPr kumimoji="0" sz="1800" b="0" i="0" u="none" strike="noStrike" cap="none" spc="0" normalizeH="0" baseline="0">
-                <a:ln>
-                  <a:noFill/>
-                </a:ln>
-                <a:solidFill>
-                  <a:srgbClr val="000000"/>
-                </a:solidFill>
-                <a:effectLst/>
-                <a:uFillTx/>
-                <a:latin typeface="Times New Roman"/>
-                <a:ea typeface="Times New Roman"/>
-                <a:cs typeface="Times New Roman"/>
-                <a:sym typeface="Times New Roman"/>
-              </a:defRPr>
-            </a:lvl6pPr>
-            <a:lvl7pPr marL="0" marR="0" indent="2743200" algn="l" defTabSz="457200" rtl="0" fontAlgn="auto" latinLnBrk="0" hangingPunct="0">
-              <a:lnSpc>
-                <a:spcPct val="100000"/>
-              </a:lnSpc>
-              <a:spcBef>
-                <a:spcPts val="0"/>
-              </a:spcBef>
-              <a:spcAft>
-                <a:spcPts val="0"/>
-              </a:spcAft>
-              <a:buClrTx/>
-              <a:buSzTx/>
-              <a:buFontTx/>
-              <a:buNone/>
-              <a:tabLst/>
-              <a:defRPr kumimoji="0" sz="1800" b="0" i="0" u="none" strike="noStrike" cap="none" spc="0" normalizeH="0" baseline="0">
-                <a:ln>
-                  <a:noFill/>
-                </a:ln>
-                <a:solidFill>
-                  <a:srgbClr val="000000"/>
-                </a:solidFill>
-                <a:effectLst/>
-                <a:uFillTx/>
-                <a:latin typeface="Times New Roman"/>
-                <a:ea typeface="Times New Roman"/>
-                <a:cs typeface="Times New Roman"/>
-                <a:sym typeface="Times New Roman"/>
-              </a:defRPr>
-            </a:lvl7pPr>
-            <a:lvl8pPr marL="0" marR="0" indent="3200400" algn="l" defTabSz="457200" rtl="0" fontAlgn="auto" latinLnBrk="0" hangingPunct="0">
-              <a:lnSpc>
-                <a:spcPct val="100000"/>
-              </a:lnSpc>
-              <a:spcBef>
-                <a:spcPts val="0"/>
-              </a:spcBef>
-              <a:spcAft>
-                <a:spcPts val="0"/>
-              </a:spcAft>
-              <a:buClrTx/>
-              <a:buSzTx/>
-              <a:buFontTx/>
-              <a:buNone/>
-              <a:tabLst/>
-              <a:defRPr kumimoji="0" sz="1800" b="0" i="0" u="none" strike="noStrike" cap="none" spc="0" normalizeH="0" baseline="0">
-                <a:ln>
-                  <a:noFill/>
-                </a:ln>
-                <a:solidFill>
-                  <a:srgbClr val="000000"/>
-                </a:solidFill>
-                <a:effectLst/>
-                <a:uFillTx/>
-                <a:latin typeface="Times New Roman"/>
-                <a:ea typeface="Times New Roman"/>
-                <a:cs typeface="Times New Roman"/>
-                <a:sym typeface="Times New Roman"/>
-              </a:defRPr>
-            </a:lvl8pPr>
-            <a:lvl9pPr marL="0" marR="0" indent="3657600" algn="l" defTabSz="457200" rtl="0" fontAlgn="auto" latinLnBrk="0" hangingPunct="0">
-              <a:lnSpc>
-                <a:spcPct val="100000"/>
-              </a:lnSpc>
-              <a:spcBef>
-                <a:spcPts val="0"/>
-              </a:spcBef>
-              <a:spcAft>
-                <a:spcPts val="0"/>
-              </a:spcAft>
-              <a:buClrTx/>
-              <a:buSzTx/>
-              <a:buFontTx/>
-              <a:buNone/>
-              <a:tabLst/>
-              <a:defRPr kumimoji="0" sz="1800" b="0" i="0" u="none" strike="noStrike" cap="none" spc="0" normalizeH="0" baseline="0">
-                <a:ln>
-                  <a:noFill/>
-                </a:ln>
-                <a:solidFill>
-                  <a:srgbClr val="000000"/>
-                </a:solidFill>
-                <a:effectLst/>
-                <a:uFillTx/>
-                <a:latin typeface="Times New Roman"/>
-                <a:ea typeface="Times New Roman"/>
-                <a:cs typeface="Times New Roman"/>
-                <a:sym typeface="Times New Roman"/>
-              </a:defRPr>
-            </a:lvl9pPr>
-          </a:lstStyle>
-          <a:p>
-            <a:fld id="{86CB4B4D-7CA3-9044-876B-883B54F8677D}" type="slidenum">
-              <a:rPr lang="en-US" smtClean="0"/>
-              <a:pPr/>
-              <a:t>2</a:t>
-            </a:fld>
-            <a:endParaRPr lang="en-US" dirty="0"/>
-          </a:p>
-        </p:txBody>
-      </p:sp>
-    </p:spTree>
-    <p:extLst>
-      <p:ext uri="{BB962C8B-B14F-4D97-AF65-F5344CB8AC3E}">
-        <p14:creationId xmlns:p14="http://schemas.microsoft.com/office/powerpoint/2010/main" val="2611329709"/>
-      </p:ext>
-    </p:extLst>
-  </p:cSld>
-  <p:clrMapOvr>
-    <a:masterClrMapping/>
-  </p:clrMapOvr>
-</p:sld>
-</file>
-
-<file path=ppt/slides/slide3.xml><?xml version="1.0" encoding="utf-8"?>
-<p:sld xmlns:a="http://schemas.openxmlformats.org/drawingml/2006/main" xmlns:r="http://schemas.openxmlformats.org/officeDocument/2006/relationships" xmlns:p="http://schemas.openxmlformats.org/presentationml/2006/main">
-  <p:cSld>
-    <p:spTree>
-      <p:nvGrpSpPr>
-        <p:cNvPr id="1" name=""/>
-        <p:cNvGrpSpPr/>
-        <p:nvPr/>
-      </p:nvGrpSpPr>
-      <p:grpSpPr>
-        <a:xfrm>
-          <a:off x="0" y="0"/>
-          <a:ext cx="0" cy="0"/>
-          <a:chOff x="0" y="0"/>
-          <a:chExt cx="0" cy="0"/>
-        </a:xfrm>
-      </p:grpSpPr>
-      <p:sp>
-        <p:nvSpPr>
-          <p:cNvPr id="2" name="Title 1">
-            <a:extLst>
-              <a:ext uri="{FF2B5EF4-FFF2-40B4-BE49-F238E27FC236}">
-                <a16:creationId xmlns:a16="http://schemas.microsoft.com/office/drawing/2014/main" id="{32109A50-850C-45C4-B0F3-17FBB38F9C26}"/>
-              </a:ext>
-            </a:extLst>
-          </p:cNvPr>
-          <p:cNvSpPr>
-            <a:spLocks noGrp="1"/>
-          </p:cNvSpPr>
-          <p:nvPr>
-            <p:ph type="title"/>
-          </p:nvPr>
-        </p:nvSpPr>
-        <p:spPr/>
-        <p:txBody>
-          <a:bodyPr/>
-          <a:lstStyle/>
-          <a:p>
-            <a:r>
-              <a:rPr lang="en-US" dirty="0"/>
-              <a:t>Exercise Outline</a:t>
-            </a:r>
-          </a:p>
-        </p:txBody>
-      </p:sp>
-      <p:sp>
-        <p:nvSpPr>
-          <p:cNvPr id="3" name="Text Placeholder 2">
-            <a:extLst>
-              <a:ext uri="{FF2B5EF4-FFF2-40B4-BE49-F238E27FC236}">
-                <a16:creationId xmlns:a16="http://schemas.microsoft.com/office/drawing/2014/main" id="{84FB73E4-0E2D-4827-BDF2-D7363DD61BAE}"/>
-              </a:ext>
-            </a:extLst>
-          </p:cNvPr>
-          <p:cNvSpPr>
-            <a:spLocks noGrp="1"/>
-          </p:cNvSpPr>
-          <p:nvPr>
-            <p:ph type="body" idx="1"/>
-          </p:nvPr>
-        </p:nvSpPr>
-        <p:spPr>
-          <a:xfrm>
-            <a:off x="457201" y="1145601"/>
-            <a:ext cx="8333420" cy="5044607"/>
-          </a:xfrm>
-        </p:spPr>
-        <p:txBody>
-          <a:bodyPr/>
-          <a:lstStyle/>
-          <a:p>
-            <a:pPr marL="457200" indent="-457200">
-              <a:buFont typeface="+mj-lt"/>
-              <a:buAutoNum type="arabicPeriod"/>
-            </a:pPr>
-            <a:r>
-              <a:rPr lang="en-US" sz="2400" dirty="0"/>
-              <a:t>Normalize and visualize gene count data (using Principal Component Analysis) </a:t>
-            </a:r>
-          </a:p>
-          <a:p>
-            <a:pPr marL="457200" indent="-457200">
-              <a:buFont typeface="+mj-lt"/>
-              <a:buAutoNum type="arabicPeriod"/>
-            </a:pPr>
-            <a:r>
-              <a:rPr lang="en-US" sz="2400" dirty="0"/>
-              <a:t>Perform differential expression analysis of stress vs. control condition (using a negative binomial model)</a:t>
-            </a:r>
-          </a:p>
-          <a:p>
-            <a:pPr marL="457200" indent="-457200">
-              <a:buFont typeface="+mj-lt"/>
-              <a:buAutoNum type="arabicPeriod"/>
-            </a:pPr>
-            <a:r>
-              <a:rPr lang="en-US" sz="2400" dirty="0"/>
-              <a:t>Visualize and interpret results (using multiple methods)</a:t>
-            </a:r>
-          </a:p>
-          <a:p>
-            <a:pPr marL="457200" indent="-457200">
-              <a:buFont typeface="+mj-lt"/>
-              <a:buAutoNum type="arabicPeriod"/>
-            </a:pPr>
-            <a:r>
-              <a:rPr lang="en-US" sz="2400" dirty="0"/>
-              <a:t>Perform Gene Ontology Term (GO-Term) Enrichment Analysis to find biological processes associated with the stress condition</a:t>
-            </a:r>
-          </a:p>
-        </p:txBody>
-      </p:sp>
-      <p:sp>
-        <p:nvSpPr>
-          <p:cNvPr id="6" name="Slide Number Placeholder 5">
-            <a:extLst>
-              <a:ext uri="{FF2B5EF4-FFF2-40B4-BE49-F238E27FC236}">
-                <a16:creationId xmlns:a16="http://schemas.microsoft.com/office/drawing/2014/main" id="{16C08FFF-7645-4B63-B42D-777C7D980589}"/>
-              </a:ext>
-            </a:extLst>
-          </p:cNvPr>
-          <p:cNvSpPr>
-            <a:spLocks noGrp="1"/>
-          </p:cNvSpPr>
-          <p:nvPr>
-            <p:ph type="sldNum" sz="quarter" idx="2"/>
-          </p:nvPr>
-        </p:nvSpPr>
-        <p:spPr>
-          <a:xfrm>
-            <a:off x="3673434" y="6442718"/>
-            <a:ext cx="2133600" cy="276999"/>
-          </a:xfrm>
-          <a:prstGeom prst="rect">
-            <a:avLst/>
-          </a:prstGeom>
-          <a:ln w="12700">
-            <a:miter lim="400000"/>
-          </a:ln>
-        </p:spPr>
-        <p:txBody>
-          <a:bodyPr lIns="45719" rIns="45719" anchor="ctr">
-            <a:spAutoFit/>
-          </a:bodyPr>
-          <a:lstStyle>
-            <a:defPPr marL="0" marR="0" indent="0" algn="l" defTabSz="914400" rtl="0" fontAlgn="auto" latinLnBrk="1" hangingPunct="0">
-              <a:lnSpc>
-                <a:spcPct val="100000"/>
-              </a:lnSpc>
-              <a:spcBef>
-                <a:spcPts val="0"/>
-              </a:spcBef>
-              <a:spcAft>
-                <a:spcPts val="0"/>
-              </a:spcAft>
-              <a:buClrTx/>
-              <a:buSzTx/>
-              <a:buFontTx/>
-              <a:buNone/>
-              <a:tabLst/>
-              <a:defRPr kumimoji="0" sz="1800" b="0" i="0" u="none" strike="noStrike" cap="none" spc="0" normalizeH="0" baseline="0">
-                <a:ln>
-                  <a:noFill/>
-                </a:ln>
-                <a:solidFill>
-                  <a:srgbClr val="000000"/>
-                </a:solidFill>
-                <a:effectLst/>
-                <a:uFillTx/>
-              </a:defRPr>
-            </a:defPPr>
-            <a:lvl1pPr marL="0" marR="0" indent="0" algn="ctr" defTabSz="457200" rtl="0" fontAlgn="auto" latinLnBrk="0" hangingPunct="0">
-              <a:lnSpc>
-                <a:spcPct val="100000"/>
-              </a:lnSpc>
-              <a:spcBef>
-                <a:spcPts val="0"/>
-              </a:spcBef>
-              <a:spcAft>
-                <a:spcPts val="0"/>
-              </a:spcAft>
-              <a:buClrTx/>
-              <a:buSzTx/>
-              <a:buFontTx/>
-              <a:buNone/>
-              <a:tabLst/>
-              <a:defRPr kumimoji="0" sz="1200" b="0" i="0" u="none" strike="noStrike" cap="none" spc="0" normalizeH="0" baseline="0">
-                <a:ln>
-                  <a:noFill/>
-                </a:ln>
-                <a:solidFill>
-                  <a:schemeClr val="bg1"/>
-                </a:solidFill>
-                <a:effectLst/>
-                <a:uFillTx/>
-                <a:latin typeface="Arial" panose="020B0604020202020204" pitchFamily="34" charset="0"/>
-                <a:ea typeface="Times New Roman"/>
-                <a:cs typeface="Arial" panose="020B0604020202020204" pitchFamily="34" charset="0"/>
-                <a:sym typeface="Times New Roman"/>
-              </a:defRPr>
-            </a:lvl1pPr>
-            <a:lvl2pPr marL="0" marR="0" indent="457200" algn="l" defTabSz="457200" rtl="0" fontAlgn="auto" latinLnBrk="0" hangingPunct="0">
-              <a:lnSpc>
-                <a:spcPct val="100000"/>
-              </a:lnSpc>
-              <a:spcBef>
-                <a:spcPts val="0"/>
-              </a:spcBef>
-              <a:spcAft>
-                <a:spcPts val="0"/>
-              </a:spcAft>
-              <a:buClrTx/>
-              <a:buSzTx/>
-              <a:buFontTx/>
-              <a:buNone/>
-              <a:tabLst/>
-              <a:defRPr kumimoji="0" sz="1800" b="0" i="0" u="none" strike="noStrike" cap="none" spc="0" normalizeH="0" baseline="0">
-                <a:ln>
-                  <a:noFill/>
-                </a:ln>
-                <a:solidFill>
-                  <a:srgbClr val="000000"/>
-                </a:solidFill>
-                <a:effectLst/>
-                <a:uFillTx/>
-                <a:latin typeface="Times New Roman"/>
-                <a:ea typeface="Times New Roman"/>
-                <a:cs typeface="Times New Roman"/>
-                <a:sym typeface="Times New Roman"/>
-              </a:defRPr>
-            </a:lvl2pPr>
-            <a:lvl3pPr marL="0" marR="0" indent="914400" algn="l" defTabSz="457200" rtl="0" fontAlgn="auto" latinLnBrk="0" hangingPunct="0">
-              <a:lnSpc>
-                <a:spcPct val="100000"/>
-              </a:lnSpc>
-              <a:spcBef>
-                <a:spcPts val="0"/>
-              </a:spcBef>
-              <a:spcAft>
-                <a:spcPts val="0"/>
-              </a:spcAft>
-              <a:buClrTx/>
-              <a:buSzTx/>
-              <a:buFontTx/>
-              <a:buNone/>
-              <a:tabLst/>
-              <a:defRPr kumimoji="0" sz="1800" b="0" i="0" u="none" strike="noStrike" cap="none" spc="0" normalizeH="0" baseline="0">
-                <a:ln>
-                  <a:noFill/>
-                </a:ln>
-                <a:solidFill>
-                  <a:srgbClr val="000000"/>
-                </a:solidFill>
-                <a:effectLst/>
-                <a:uFillTx/>
-                <a:latin typeface="Times New Roman"/>
-                <a:ea typeface="Times New Roman"/>
-                <a:cs typeface="Times New Roman"/>
-                <a:sym typeface="Times New Roman"/>
-              </a:defRPr>
-            </a:lvl3pPr>
-            <a:lvl4pPr marL="0" marR="0" indent="1371600" algn="l" defTabSz="457200" rtl="0" fontAlgn="auto" latinLnBrk="0" hangingPunct="0">
-              <a:lnSpc>
-                <a:spcPct val="100000"/>
-              </a:lnSpc>
-              <a:spcBef>
-                <a:spcPts val="0"/>
-              </a:spcBef>
-              <a:spcAft>
-                <a:spcPts val="0"/>
-              </a:spcAft>
-              <a:buClrTx/>
-              <a:buSzTx/>
-              <a:buFontTx/>
-              <a:buNone/>
-              <a:tabLst/>
-              <a:defRPr kumimoji="0" sz="1800" b="0" i="0" u="none" strike="noStrike" cap="none" spc="0" normalizeH="0" baseline="0">
-                <a:ln>
-                  <a:noFill/>
-                </a:ln>
-                <a:solidFill>
-                  <a:srgbClr val="000000"/>
-                </a:solidFill>
-                <a:effectLst/>
-                <a:uFillTx/>
-                <a:latin typeface="Times New Roman"/>
-                <a:ea typeface="Times New Roman"/>
-                <a:cs typeface="Times New Roman"/>
-                <a:sym typeface="Times New Roman"/>
-              </a:defRPr>
-            </a:lvl4pPr>
-            <a:lvl5pPr marL="0" marR="0" indent="1828800" algn="l" defTabSz="457200" rtl="0" fontAlgn="auto" latinLnBrk="0" hangingPunct="0">
-              <a:lnSpc>
-                <a:spcPct val="100000"/>
-              </a:lnSpc>
-              <a:spcBef>
-                <a:spcPts val="0"/>
-              </a:spcBef>
-              <a:spcAft>
-                <a:spcPts val="0"/>
-              </a:spcAft>
-              <a:buClrTx/>
-              <a:buSzTx/>
-              <a:buFontTx/>
-              <a:buNone/>
-              <a:tabLst/>
-              <a:defRPr kumimoji="0" sz="1800" b="0" i="0" u="none" strike="noStrike" cap="none" spc="0" normalizeH="0" baseline="0">
-                <a:ln>
-                  <a:noFill/>
-                </a:ln>
-                <a:solidFill>
-                  <a:srgbClr val="000000"/>
-                </a:solidFill>
-                <a:effectLst/>
-                <a:uFillTx/>
-                <a:latin typeface="Times New Roman"/>
-                <a:ea typeface="Times New Roman"/>
-                <a:cs typeface="Times New Roman"/>
-                <a:sym typeface="Times New Roman"/>
-              </a:defRPr>
-            </a:lvl5pPr>
-            <a:lvl6pPr marL="0" marR="0" indent="2286000" algn="l" defTabSz="457200" rtl="0" fontAlgn="auto" latinLnBrk="0" hangingPunct="0">
-              <a:lnSpc>
-                <a:spcPct val="100000"/>
-              </a:lnSpc>
-              <a:spcBef>
-                <a:spcPts val="0"/>
-              </a:spcBef>
-              <a:spcAft>
-                <a:spcPts val="0"/>
-              </a:spcAft>
-              <a:buClrTx/>
-              <a:buSzTx/>
-              <a:buFontTx/>
-              <a:buNone/>
-              <a:tabLst/>
-              <a:defRPr kumimoji="0" sz="1800" b="0" i="0" u="none" strike="noStrike" cap="none" spc="0" normalizeH="0" baseline="0">
-                <a:ln>
-                  <a:noFill/>
-                </a:ln>
-                <a:solidFill>
-                  <a:srgbClr val="000000"/>
-                </a:solidFill>
-                <a:effectLst/>
-                <a:uFillTx/>
-                <a:latin typeface="Times New Roman"/>
-                <a:ea typeface="Times New Roman"/>
-                <a:cs typeface="Times New Roman"/>
-                <a:sym typeface="Times New Roman"/>
-              </a:defRPr>
-            </a:lvl6pPr>
-            <a:lvl7pPr marL="0" marR="0" indent="2743200" algn="l" defTabSz="457200" rtl="0" fontAlgn="auto" latinLnBrk="0" hangingPunct="0">
-              <a:lnSpc>
-                <a:spcPct val="100000"/>
-              </a:lnSpc>
-              <a:spcBef>
-                <a:spcPts val="0"/>
-              </a:spcBef>
-              <a:spcAft>
-                <a:spcPts val="0"/>
-              </a:spcAft>
-              <a:buClrTx/>
-              <a:buSzTx/>
-              <a:buFontTx/>
-              <a:buNone/>
-              <a:tabLst/>
-              <a:defRPr kumimoji="0" sz="1800" b="0" i="0" u="none" strike="noStrike" cap="none" spc="0" normalizeH="0" baseline="0">
-                <a:ln>
-                  <a:noFill/>
-                </a:ln>
-                <a:solidFill>
-                  <a:srgbClr val="000000"/>
-                </a:solidFill>
-                <a:effectLst/>
-                <a:uFillTx/>
-                <a:latin typeface="Times New Roman"/>
-                <a:ea typeface="Times New Roman"/>
-                <a:cs typeface="Times New Roman"/>
-                <a:sym typeface="Times New Roman"/>
-              </a:defRPr>
-            </a:lvl7pPr>
-            <a:lvl8pPr marL="0" marR="0" indent="3200400" algn="l" defTabSz="457200" rtl="0" fontAlgn="auto" latinLnBrk="0" hangingPunct="0">
-              <a:lnSpc>
-                <a:spcPct val="100000"/>
-              </a:lnSpc>
-              <a:spcBef>
-                <a:spcPts val="0"/>
-              </a:spcBef>
-              <a:spcAft>
-                <a:spcPts val="0"/>
-              </a:spcAft>
-              <a:buClrTx/>
-              <a:buSzTx/>
-              <a:buFontTx/>
-              <a:buNone/>
-              <a:tabLst/>
-              <a:defRPr kumimoji="0" sz="1800" b="0" i="0" u="none" strike="noStrike" cap="none" spc="0" normalizeH="0" baseline="0">
-                <a:ln>
-                  <a:noFill/>
-                </a:ln>
-                <a:solidFill>
-                  <a:srgbClr val="000000"/>
-                </a:solidFill>
-                <a:effectLst/>
-                <a:uFillTx/>
-                <a:latin typeface="Times New Roman"/>
-                <a:ea typeface="Times New Roman"/>
-                <a:cs typeface="Times New Roman"/>
-                <a:sym typeface="Times New Roman"/>
-              </a:defRPr>
-            </a:lvl8pPr>
-            <a:lvl9pPr marL="0" marR="0" indent="3657600" algn="l" defTabSz="457200" rtl="0" fontAlgn="auto" latinLnBrk="0" hangingPunct="0">
-              <a:lnSpc>
-                <a:spcPct val="100000"/>
-              </a:lnSpc>
-              <a:spcBef>
-                <a:spcPts val="0"/>
-              </a:spcBef>
-              <a:spcAft>
-                <a:spcPts val="0"/>
-              </a:spcAft>
-              <a:buClrTx/>
-              <a:buSzTx/>
-              <a:buFontTx/>
-              <a:buNone/>
-              <a:tabLst/>
-              <a:defRPr kumimoji="0" sz="1800" b="0" i="0" u="none" strike="noStrike" cap="none" spc="0" normalizeH="0" baseline="0">
-                <a:ln>
-                  <a:noFill/>
-                </a:ln>
-                <a:solidFill>
-                  <a:srgbClr val="000000"/>
-                </a:solidFill>
-                <a:effectLst/>
-                <a:uFillTx/>
-                <a:latin typeface="Times New Roman"/>
-                <a:ea typeface="Times New Roman"/>
-                <a:cs typeface="Times New Roman"/>
-                <a:sym typeface="Times New Roman"/>
-              </a:defRPr>
-            </a:lvl9pPr>
-          </a:lstStyle>
-          <a:p>
-            <a:fld id="{86CB4B4D-7CA3-9044-876B-883B54F8677D}" type="slidenum">
-              <a:rPr lang="en-US" smtClean="0"/>
-              <a:pPr/>
-              <a:t>3</a:t>
-            </a:fld>
-            <a:endParaRPr lang="en-US" dirty="0"/>
-          </a:p>
-        </p:txBody>
-      </p:sp>
-    </p:spTree>
-    <p:extLst>
-      <p:ext uri="{BB962C8B-B14F-4D97-AF65-F5344CB8AC3E}">
-        <p14:creationId xmlns:p14="http://schemas.microsoft.com/office/powerpoint/2010/main" val="1865257681"/>
-      </p:ext>
-    </p:extLst>
-  </p:cSld>
-  <p:clrMapOvr>
-    <a:masterClrMapping/>
-  </p:clrMapOvr>
-</p:sld>
-</file>
-
-<file path=ppt/slides/slide4.xml><?xml version="1.0" encoding="utf-8"?>
-<p:sld xmlns:a="http://schemas.openxmlformats.org/drawingml/2006/main" xmlns:r="http://schemas.openxmlformats.org/officeDocument/2006/relationships" xmlns:p="http://schemas.openxmlformats.org/presentationml/2006/main">
-  <p:cSld>
-    <p:spTree>
-      <p:nvGrpSpPr>
-        <p:cNvPr id="1" name=""/>
-        <p:cNvGrpSpPr/>
-        <p:nvPr/>
-      </p:nvGrpSpPr>
-      <p:grpSpPr>
-        <a:xfrm>
-          <a:off x="0" y="0"/>
-          <a:ext cx="0" cy="0"/>
-          <a:chOff x="0" y="0"/>
-          <a:chExt cx="0" cy="0"/>
-        </a:xfrm>
-      </p:grpSpPr>
-      <p:sp>
-        <p:nvSpPr>
-          <p:cNvPr id="2" name="Title 1">
-            <a:extLst>
-              <a:ext uri="{FF2B5EF4-FFF2-40B4-BE49-F238E27FC236}">
-                <a16:creationId xmlns:a16="http://schemas.microsoft.com/office/drawing/2014/main" id="{0194B721-7149-4E0E-AD81-6ACBE16B2711}"/>
-              </a:ext>
-            </a:extLst>
-          </p:cNvPr>
-          <p:cNvSpPr>
-            <a:spLocks noGrp="1"/>
-          </p:cNvSpPr>
-          <p:nvPr>
-            <p:ph type="title"/>
-          </p:nvPr>
-        </p:nvSpPr>
-        <p:spPr/>
-        <p:txBody>
-          <a:bodyPr/>
-          <a:lstStyle/>
-          <a:p>
-            <a:r>
-              <a:rPr lang="sv-SE" dirty="0" err="1"/>
-              <a:t>Reponse</a:t>
-            </a:r>
-            <a:r>
-              <a:rPr lang="sv-SE" dirty="0"/>
-              <a:t> of </a:t>
-            </a:r>
-            <a:r>
-              <a:rPr lang="sv-SE" i="1" dirty="0"/>
-              <a:t>S. </a:t>
-            </a:r>
-            <a:r>
-              <a:rPr lang="sv-SE" i="1" dirty="0" err="1"/>
-              <a:t>cerevisae</a:t>
-            </a:r>
-            <a:r>
-              <a:rPr lang="sv-SE" dirty="0"/>
-              <a:t> to </a:t>
-            </a:r>
-            <a:r>
-              <a:rPr lang="sv-SE" dirty="0" err="1"/>
-              <a:t>various</a:t>
-            </a:r>
-            <a:r>
-              <a:rPr lang="sv-SE" dirty="0"/>
-              <a:t> stress </a:t>
-            </a:r>
-            <a:r>
-              <a:rPr lang="sv-SE" dirty="0" err="1"/>
-              <a:t>conditions</a:t>
-            </a:r>
-            <a:endParaRPr lang="sv-SE" dirty="0"/>
-          </a:p>
-        </p:txBody>
-      </p:sp>
-      <p:pic>
-        <p:nvPicPr>
-          <p:cNvPr id="11" name="Picture 10">
-            <a:extLst>
-              <a:ext uri="{FF2B5EF4-FFF2-40B4-BE49-F238E27FC236}">
-                <a16:creationId xmlns:a16="http://schemas.microsoft.com/office/drawing/2014/main" id="{68A1707C-E3EA-2346-BD8D-0ACD330E0C15}"/>
-              </a:ext>
-            </a:extLst>
-          </p:cNvPr>
-          <p:cNvPicPr>
-            <a:picLocks noChangeAspect="1"/>
-          </p:cNvPicPr>
-          <p:nvPr/>
-        </p:nvPicPr>
-        <p:blipFill>
-          <a:blip r:embed="rId3"/>
-          <a:stretch>
-            <a:fillRect/>
-          </a:stretch>
-        </p:blipFill>
-        <p:spPr>
-          <a:xfrm>
-            <a:off x="309837" y="1445610"/>
-            <a:ext cx="2806700" cy="2159000"/>
-          </a:xfrm>
-          <a:prstGeom prst="rect">
-            <a:avLst/>
-          </a:prstGeom>
-        </p:spPr>
-      </p:pic>
-      <p:pic>
-        <p:nvPicPr>
-          <p:cNvPr id="17" name="Picture 16">
-            <a:extLst>
-              <a:ext uri="{FF2B5EF4-FFF2-40B4-BE49-F238E27FC236}">
-                <a16:creationId xmlns:a16="http://schemas.microsoft.com/office/drawing/2014/main" id="{1F7FDC4F-5B3F-C546-BE3F-6854D5C19FBC}"/>
-              </a:ext>
-            </a:extLst>
-          </p:cNvPr>
-          <p:cNvPicPr>
-            <a:picLocks noChangeAspect="1"/>
-          </p:cNvPicPr>
-          <p:nvPr/>
-        </p:nvPicPr>
-        <p:blipFill>
-          <a:blip r:embed="rId4"/>
-          <a:stretch>
-            <a:fillRect/>
-          </a:stretch>
-        </p:blipFill>
-        <p:spPr>
-          <a:xfrm>
-            <a:off x="3257989" y="2052993"/>
-            <a:ext cx="5538952" cy="1376007"/>
-          </a:xfrm>
-          <a:prstGeom prst="rect">
-            <a:avLst/>
-          </a:prstGeom>
-        </p:spPr>
-      </p:pic>
-      <p:pic>
-        <p:nvPicPr>
-          <p:cNvPr id="19" name="Picture 18">
-            <a:extLst>
-              <a:ext uri="{FF2B5EF4-FFF2-40B4-BE49-F238E27FC236}">
-                <a16:creationId xmlns:a16="http://schemas.microsoft.com/office/drawing/2014/main" id="{F71ADFFD-461D-FE45-BC8B-64E1AB26E1B6}"/>
-              </a:ext>
-            </a:extLst>
-          </p:cNvPr>
-          <p:cNvPicPr>
-            <a:picLocks noChangeAspect="1"/>
-          </p:cNvPicPr>
-          <p:nvPr/>
-        </p:nvPicPr>
-        <p:blipFill>
-          <a:blip r:embed="rId5"/>
-          <a:stretch>
-            <a:fillRect/>
-          </a:stretch>
-        </p:blipFill>
-        <p:spPr>
-          <a:xfrm>
-            <a:off x="0" y="3604610"/>
-            <a:ext cx="3752721" cy="2501813"/>
-          </a:xfrm>
-          <a:prstGeom prst="rect">
-            <a:avLst/>
-          </a:prstGeom>
-        </p:spPr>
-      </p:pic>
-      <p:pic>
-        <p:nvPicPr>
-          <p:cNvPr id="21" name="Picture 20">
-            <a:extLst>
-              <a:ext uri="{FF2B5EF4-FFF2-40B4-BE49-F238E27FC236}">
-                <a16:creationId xmlns:a16="http://schemas.microsoft.com/office/drawing/2014/main" id="{F2C731F5-B26F-2E45-AFD4-A95AC5E89736}"/>
-              </a:ext>
-            </a:extLst>
-          </p:cNvPr>
-          <p:cNvPicPr>
-            <a:picLocks noChangeAspect="1"/>
-          </p:cNvPicPr>
-          <p:nvPr/>
-        </p:nvPicPr>
-        <p:blipFill>
-          <a:blip r:embed="rId6"/>
-          <a:stretch>
-            <a:fillRect/>
-          </a:stretch>
-        </p:blipFill>
-        <p:spPr>
-          <a:xfrm>
-            <a:off x="6396292" y="3737109"/>
-            <a:ext cx="2400650" cy="2400650"/>
-          </a:xfrm>
-          <a:prstGeom prst="rect">
-            <a:avLst/>
-          </a:prstGeom>
-        </p:spPr>
-      </p:pic>
-      <p:pic>
-        <p:nvPicPr>
-          <p:cNvPr id="23" name="Picture 22">
-            <a:extLst>
-              <a:ext uri="{FF2B5EF4-FFF2-40B4-BE49-F238E27FC236}">
-                <a16:creationId xmlns:a16="http://schemas.microsoft.com/office/drawing/2014/main" id="{30599348-6ABB-DA4B-8AE2-21A7669E00D6}"/>
-              </a:ext>
-            </a:extLst>
-          </p:cNvPr>
-          <p:cNvPicPr>
-            <a:picLocks noChangeAspect="1"/>
-          </p:cNvPicPr>
-          <p:nvPr/>
-        </p:nvPicPr>
-        <p:blipFill>
-          <a:blip r:embed="rId7"/>
-          <a:stretch>
-            <a:fillRect/>
-          </a:stretch>
-        </p:blipFill>
-        <p:spPr>
-          <a:xfrm>
-            <a:off x="3846479" y="3604610"/>
-            <a:ext cx="2533149" cy="2533149"/>
-          </a:xfrm>
-          <a:prstGeom prst="rect">
-            <a:avLst/>
-          </a:prstGeom>
-        </p:spPr>
-      </p:pic>
-      <p:sp>
-        <p:nvSpPr>
-          <p:cNvPr id="24" name="Title 1">
-            <a:extLst>
-              <a:ext uri="{FF2B5EF4-FFF2-40B4-BE49-F238E27FC236}">
-                <a16:creationId xmlns:a16="http://schemas.microsoft.com/office/drawing/2014/main" id="{0EB41356-8660-A748-ACC0-CA1E0A5D60EA}"/>
-              </a:ext>
-            </a:extLst>
-          </p:cNvPr>
-          <p:cNvSpPr txBox="1">
-            <a:spLocks/>
-          </p:cNvSpPr>
-          <p:nvPr/>
-        </p:nvSpPr>
-        <p:spPr>
-          <a:xfrm>
-            <a:off x="157874" y="6381374"/>
-            <a:ext cx="5917325" cy="354762"/>
-          </a:xfrm>
-          <a:prstGeom prst="rect">
-            <a:avLst/>
-          </a:prstGeom>
-        </p:spPr>
-        <p:txBody>
-          <a:bodyPr/>
-          <a:lstStyle>
-            <a:lvl1pPr algn="ctr" defTabSz="457200" rtl="0" eaLnBrk="1" latinLnBrk="0" hangingPunct="1">
-              <a:spcBef>
-                <a:spcPct val="0"/>
-              </a:spcBef>
-              <a:buNone/>
-              <a:defRPr sz="4000" b="0" i="0" kern="1200">
-                <a:solidFill>
-                  <a:srgbClr val="2A6AB2"/>
-                </a:solidFill>
-                <a:latin typeface="Akzidenz for Chalmers" pitchFamily="2" charset="0"/>
-                <a:ea typeface="+mj-ea"/>
-                <a:cs typeface="Arial"/>
-              </a:defRPr>
-            </a:lvl1pPr>
-          </a:lstStyle>
-          <a:p>
-            <a:pPr algn="l"/>
-            <a:r>
-              <a:rPr lang="en-US" sz="1800" dirty="0">
-                <a:solidFill>
-                  <a:schemeClr val="bg1"/>
-                </a:solidFill>
-                <a:hlinkClick r:id="rId8">
-                  <a:extLst>
-                    <a:ext uri="{A12FA001-AC4F-418D-AE19-62706E023703}">
-                      <ahyp:hlinkClr xmlns:ahyp="http://schemas.microsoft.com/office/drawing/2018/hyperlinkcolor" val="tx"/>
-                    </a:ext>
-                  </a:extLst>
-                </a:hlinkClick>
-              </a:rPr>
-              <a:t>https://www.biorxiv.org/content/10.1101/660274v1</a:t>
-            </a:r>
-            <a:endParaRPr lang="sv-SE" sz="1800" dirty="0">
-              <a:solidFill>
-                <a:schemeClr val="bg1"/>
-              </a:solidFill>
-            </a:endParaRPr>
-          </a:p>
-        </p:txBody>
-      </p:sp>
-    </p:spTree>
-    <p:extLst>
-      <p:ext uri="{BB962C8B-B14F-4D97-AF65-F5344CB8AC3E}">
-        <p14:creationId xmlns:p14="http://schemas.microsoft.com/office/powerpoint/2010/main" val="1415583108"/>
-      </p:ext>
-    </p:extLst>
-  </p:cSld>
-  <p:clrMapOvr>
-    <a:masterClrMapping/>
-  </p:clrMapOvr>
-  <p:timing>
-    <p:tnLst>
-      <p:par>
-        <p:cTn id="1" dur="indefinite" restart="never" nodeType="tmRoot">
-          <p:childTnLst>
-            <p:seq concurrent="1" nextAc="seek">
-              <p:cTn id="2" dur="indefinite" nodeType="mainSeq">
-                <p:childTnLst>
-                  <p:par>
-                    <p:cTn id="3" fill="hold">
-                      <p:stCondLst>
-                        <p:cond delay="indefinite"/>
-                      </p:stCondLst>
-                      <p:childTnLst>
-                        <p:par>
-                          <p:cTn id="4" fill="hold">
-                            <p:stCondLst>
-                              <p:cond delay="0"/>
-                            </p:stCondLst>
-                            <p:childTnLst>
-                              <p:par>
-                                <p:cTn id="5" presetID="1" presetClass="entr" presetSubtype="0" fill="hold" nodeType="clickEffect">
-                                  <p:stCondLst>
-                                    <p:cond delay="0"/>
-                                  </p:stCondLst>
-                                  <p:childTnLst>
-                                    <p:set>
-                                      <p:cBhvr>
-                                        <p:cTn id="6" dur="1" fill="hold">
-                                          <p:stCondLst>
-                                            <p:cond delay="0"/>
-                                          </p:stCondLst>
-                                        </p:cTn>
-                                        <p:tgtEl>
-                                          <p:spTgt spid="19"/>
-                                        </p:tgtEl>
-                                        <p:attrNameLst>
-                                          <p:attrName>style.visibility</p:attrName>
-                                        </p:attrNameLst>
-                                      </p:cBhvr>
-                                      <p:to>
-                                        <p:strVal val="visible"/>
-                                      </p:to>
-                                    </p:set>
-                                  </p:childTnLst>
-                                </p:cTn>
-                              </p:par>
-                            </p:childTnLst>
-                          </p:cTn>
-                        </p:par>
-                      </p:childTnLst>
-                    </p:cTn>
-                  </p:par>
-                  <p:par>
-                    <p:cTn id="7" fill="hold">
-                      <p:stCondLst>
-                        <p:cond delay="indefinite"/>
-                      </p:stCondLst>
-                      <p:childTnLst>
-                        <p:par>
-                          <p:cTn id="8" fill="hold">
-                            <p:stCondLst>
-                              <p:cond delay="0"/>
-                            </p:stCondLst>
-                            <p:childTnLst>
-                              <p:par>
-                                <p:cTn id="9" presetID="1" presetClass="entr" presetSubtype="0" fill="hold" nodeType="clickEffect">
-                                  <p:stCondLst>
-                                    <p:cond delay="0"/>
-                                  </p:stCondLst>
-                                  <p:childTnLst>
-                                    <p:set>
-                                      <p:cBhvr>
-                                        <p:cTn id="10" dur="1" fill="hold">
-                                          <p:stCondLst>
-                                            <p:cond delay="0"/>
-                                          </p:stCondLst>
-                                        </p:cTn>
-                                        <p:tgtEl>
-                                          <p:spTgt spid="23"/>
-                                        </p:tgtEl>
-                                        <p:attrNameLst>
-                                          <p:attrName>style.visibility</p:attrName>
-                                        </p:attrNameLst>
-                                      </p:cBhvr>
-                                      <p:to>
-                                        <p:strVal val="visible"/>
-                                      </p:to>
-                                    </p:set>
-                                  </p:childTnLst>
-                                </p:cTn>
-                              </p:par>
-                            </p:childTnLst>
-                          </p:cTn>
-                        </p:par>
-                      </p:childTnLst>
-                    </p:cTn>
-                  </p:par>
-                  <p:par>
-                    <p:cTn id="11" fill="hold">
-                      <p:stCondLst>
-                        <p:cond delay="indefinite"/>
-                      </p:stCondLst>
-                      <p:childTnLst>
-                        <p:par>
-                          <p:cTn id="12" fill="hold">
-                            <p:stCondLst>
-                              <p:cond delay="0"/>
-                            </p:stCondLst>
-                            <p:childTnLst>
-                              <p:par>
-                                <p:cTn id="13" presetID="1" presetClass="entr" presetSubtype="0" fill="hold" nodeType="clickEffect">
-                                  <p:stCondLst>
-                                    <p:cond delay="0"/>
-                                  </p:stCondLst>
-                                  <p:childTnLst>
-                                    <p:set>
-                                      <p:cBhvr>
-                                        <p:cTn id="14" dur="1" fill="hold">
-                                          <p:stCondLst>
-                                            <p:cond delay="0"/>
-                                          </p:stCondLst>
-                                        </p:cTn>
-                                        <p:tgtEl>
-                                          <p:spTgt spid="21"/>
-                                        </p:tgtEl>
-                                        <p:attrNameLst>
-                                          <p:attrName>style.visibility</p:attrName>
-                                        </p:attrNameLst>
-                                      </p:cBhvr>
-                                      <p:to>
-                                        <p:strVal val="visible"/>
-                                      </p:to>
-                                    </p:set>
-                                  </p:childTnLst>
-                                </p:cTn>
-                              </p:par>
-                            </p:childTnLst>
-                          </p:cTn>
-                        </p:par>
-                      </p:childTnLst>
-                    </p:cTn>
-                  </p:par>
-                </p:childTnLst>
-              </p:cTn>
-              <p:prevCondLst>
-                <p:cond evt="onPrev" delay="0">
-                  <p:tgtEl>
-                    <p:sldTgt/>
-                  </p:tgtEl>
-                </p:cond>
-              </p:prevCondLst>
-              <p:nextCondLst>
-                <p:cond evt="onNext" delay="0">
-                  <p:tgtEl>
-                    <p:sldTgt/>
-                  </p:tgtEl>
-                </p:cond>
-              </p:nextCondLst>
-            </p:seq>
-          </p:childTnLst>
-        </p:cTn>
-      </p:par>
-    </p:tnLst>
-  </p:timing>
-</p:sld>
-</file>
-
-<file path=ppt/slides/slide5.xml><?xml version="1.0" encoding="utf-8"?>
-<p:sld xmlns:a="http://schemas.openxmlformats.org/drawingml/2006/main" xmlns:r="http://schemas.openxmlformats.org/officeDocument/2006/relationships" xmlns:p="http://schemas.openxmlformats.org/presentationml/2006/main">
-  <p:cSld>
-    <p:spTree>
-      <p:nvGrpSpPr>
-        <p:cNvPr id="1" name=""/>
-        <p:cNvGrpSpPr/>
-        <p:nvPr/>
-      </p:nvGrpSpPr>
-      <p:grpSpPr>
-        <a:xfrm>
-          <a:off x="0" y="0"/>
-          <a:ext cx="0" cy="0"/>
-          <a:chOff x="0" y="0"/>
-          <a:chExt cx="0" cy="0"/>
-        </a:xfrm>
-      </p:grpSpPr>
-      <p:sp>
-        <p:nvSpPr>
-          <p:cNvPr id="2" name="Title 1">
-            <a:extLst>
-              <a:ext uri="{FF2B5EF4-FFF2-40B4-BE49-F238E27FC236}">
-                <a16:creationId xmlns:a16="http://schemas.microsoft.com/office/drawing/2014/main" id="{FAEF2E80-6C48-4601-A017-B2913668A38F}"/>
-              </a:ext>
-            </a:extLst>
-          </p:cNvPr>
-          <p:cNvSpPr>
-            <a:spLocks noGrp="1"/>
-          </p:cNvSpPr>
-          <p:nvPr>
-            <p:ph type="title"/>
-          </p:nvPr>
-        </p:nvSpPr>
-        <p:spPr/>
-        <p:txBody>
-          <a:bodyPr/>
-          <a:lstStyle/>
-          <a:p>
-            <a:r>
-              <a:rPr lang="en-US" dirty="0"/>
-              <a:t>Instructions</a:t>
-            </a:r>
-          </a:p>
-        </p:txBody>
-      </p:sp>
-      <p:sp>
-        <p:nvSpPr>
-          <p:cNvPr id="3" name="Text Placeholder 2">
-            <a:extLst>
-              <a:ext uri="{FF2B5EF4-FFF2-40B4-BE49-F238E27FC236}">
-                <a16:creationId xmlns:a16="http://schemas.microsoft.com/office/drawing/2014/main" id="{2224240E-E9C6-4CE9-99F6-54ABB1BF87CA}"/>
-              </a:ext>
-            </a:extLst>
-          </p:cNvPr>
-          <p:cNvSpPr>
-            <a:spLocks noGrp="1"/>
-          </p:cNvSpPr>
-          <p:nvPr>
-            <p:ph type="body" idx="1"/>
-          </p:nvPr>
-        </p:nvSpPr>
-        <p:spPr>
-          <a:xfrm>
-            <a:off x="457200" y="959178"/>
-            <a:ext cx="8229600" cy="5215379"/>
-          </a:xfrm>
-        </p:spPr>
-        <p:txBody>
-          <a:bodyPr/>
-          <a:lstStyle/>
-          <a:p>
-            <a:r>
-              <a:rPr lang="en-US" sz="2400" b="1" dirty="0"/>
-              <a:t>Perform </a:t>
-            </a:r>
-            <a:r>
-              <a:rPr lang="en-US" sz="2400" dirty="0"/>
-              <a:t>a differential gene expression analysis of a </a:t>
-            </a:r>
-            <a:r>
-              <a:rPr lang="en-US" sz="2400" dirty="0" err="1"/>
-              <a:t>RNAseq</a:t>
-            </a:r>
-            <a:r>
-              <a:rPr lang="en-US" sz="2400" dirty="0"/>
-              <a:t> experiment in a stress condition</a:t>
-            </a:r>
-          </a:p>
-          <a:p>
-            <a:r>
-              <a:rPr lang="en-US" sz="2400" b="1" dirty="0"/>
-              <a:t>Report </a:t>
-            </a:r>
-            <a:r>
-              <a:rPr lang="en-US" sz="2400" dirty="0"/>
-              <a:t>what stress condition you chose, how different is the stress to the control condition, and what and how many genes are differentially expressed</a:t>
-            </a:r>
-          </a:p>
-          <a:p>
-            <a:r>
-              <a:rPr lang="en-US" sz="2400" dirty="0"/>
-              <a:t>The </a:t>
-            </a:r>
-            <a:r>
-              <a:rPr lang="en-US" sz="2400" b="1" dirty="0"/>
-              <a:t>report template </a:t>
-            </a:r>
-            <a:r>
-              <a:rPr lang="en-US" sz="2400" dirty="0"/>
-              <a:t>(report_template.docx) is available on the course website in Exercise 1. </a:t>
-            </a:r>
-            <a:r>
-              <a:rPr lang="en-US" sz="2400" i="1" dirty="0"/>
-              <a:t>Use this format.</a:t>
-            </a:r>
-          </a:p>
-          <a:p>
-            <a:r>
-              <a:rPr lang="en-US" sz="2400" dirty="0"/>
-              <a:t>All the necessary MATLAB scripts and data for the exercise are available at: </a:t>
-            </a:r>
-            <a:r>
-              <a:rPr lang="en-US" sz="2400" dirty="0">
-                <a:hlinkClick r:id="rId2"/>
-              </a:rPr>
-              <a:t>https://github.com/SysBioChalmers/KMG060-Systems-Biology-course</a:t>
-            </a:r>
-            <a:endParaRPr lang="en-US" sz="2400" dirty="0"/>
-          </a:p>
-          <a:p>
-            <a:r>
-              <a:rPr lang="en-US" sz="2400" dirty="0"/>
-              <a:t>Download or clone the repository in your preferred working directory.</a:t>
-            </a:r>
-          </a:p>
-          <a:p>
-            <a:pPr marL="0" indent="0">
-              <a:buNone/>
-            </a:pPr>
-            <a:endParaRPr lang="en-US" sz="2400" dirty="0"/>
-          </a:p>
-          <a:p>
-            <a:pPr marL="0" indent="0">
-              <a:buNone/>
-            </a:pPr>
-            <a:endParaRPr lang="en-US" sz="2400" dirty="0"/>
-          </a:p>
-        </p:txBody>
-      </p:sp>
-      <p:sp>
-        <p:nvSpPr>
-          <p:cNvPr id="6" name="Slide Number Placeholder 5">
-            <a:extLst>
-              <a:ext uri="{FF2B5EF4-FFF2-40B4-BE49-F238E27FC236}">
-                <a16:creationId xmlns:a16="http://schemas.microsoft.com/office/drawing/2014/main" id="{5AE64499-9C0B-4079-A12B-5F5F183AFC2F}"/>
-              </a:ext>
-            </a:extLst>
-          </p:cNvPr>
-          <p:cNvSpPr>
-            <a:spLocks noGrp="1"/>
-          </p:cNvSpPr>
-          <p:nvPr>
-            <p:ph type="sldNum" sz="quarter" idx="2"/>
-          </p:nvPr>
-        </p:nvSpPr>
-        <p:spPr>
-          <a:xfrm>
-            <a:off x="3673434" y="6442718"/>
-            <a:ext cx="2133600" cy="276999"/>
-          </a:xfrm>
-          <a:prstGeom prst="rect">
-            <a:avLst/>
-          </a:prstGeom>
-          <a:ln w="12700">
-            <a:miter lim="400000"/>
-          </a:ln>
-        </p:spPr>
-        <p:txBody>
-          <a:bodyPr lIns="45719" rIns="45719" anchor="ctr">
-            <a:spAutoFit/>
-          </a:bodyPr>
-          <a:lstStyle>
-            <a:defPPr marL="0" marR="0" indent="0" algn="l" defTabSz="914400" rtl="0" fontAlgn="auto" latinLnBrk="1" hangingPunct="0">
-              <a:lnSpc>
-                <a:spcPct val="100000"/>
-              </a:lnSpc>
-              <a:spcBef>
-                <a:spcPts val="0"/>
-              </a:spcBef>
-              <a:spcAft>
-                <a:spcPts val="0"/>
-              </a:spcAft>
-              <a:buClrTx/>
-              <a:buSzTx/>
-              <a:buFontTx/>
-              <a:buNone/>
-              <a:tabLst/>
-              <a:defRPr kumimoji="0" sz="1800" b="0" i="0" u="none" strike="noStrike" cap="none" spc="0" normalizeH="0" baseline="0">
-                <a:ln>
-                  <a:noFill/>
-                </a:ln>
-                <a:solidFill>
-                  <a:srgbClr val="000000"/>
-                </a:solidFill>
-                <a:effectLst/>
-                <a:uFillTx/>
-              </a:defRPr>
-            </a:defPPr>
-            <a:lvl1pPr marL="0" marR="0" indent="0" algn="ctr" defTabSz="457200" rtl="0" fontAlgn="auto" latinLnBrk="0" hangingPunct="0">
-              <a:lnSpc>
-                <a:spcPct val="100000"/>
-              </a:lnSpc>
-              <a:spcBef>
-                <a:spcPts val="0"/>
-              </a:spcBef>
-              <a:spcAft>
-                <a:spcPts val="0"/>
-              </a:spcAft>
-              <a:buClrTx/>
-              <a:buSzTx/>
-              <a:buFontTx/>
-              <a:buNone/>
-              <a:tabLst/>
-              <a:defRPr kumimoji="0" sz="1200" b="0" i="0" u="none" strike="noStrike" cap="none" spc="0" normalizeH="0" baseline="0">
-                <a:ln>
-                  <a:noFill/>
-                </a:ln>
-                <a:solidFill>
-                  <a:schemeClr val="bg1"/>
-                </a:solidFill>
-                <a:effectLst/>
-                <a:uFillTx/>
-                <a:latin typeface="Arial" panose="020B0604020202020204" pitchFamily="34" charset="0"/>
-                <a:ea typeface="Times New Roman"/>
-                <a:cs typeface="Arial" panose="020B0604020202020204" pitchFamily="34" charset="0"/>
-                <a:sym typeface="Times New Roman"/>
-              </a:defRPr>
-            </a:lvl1pPr>
-            <a:lvl2pPr marL="0" marR="0" indent="457200" algn="l" defTabSz="457200" rtl="0" fontAlgn="auto" latinLnBrk="0" hangingPunct="0">
-              <a:lnSpc>
-                <a:spcPct val="100000"/>
-              </a:lnSpc>
-              <a:spcBef>
-                <a:spcPts val="0"/>
-              </a:spcBef>
-              <a:spcAft>
-                <a:spcPts val="0"/>
-              </a:spcAft>
-              <a:buClrTx/>
-              <a:buSzTx/>
-              <a:buFontTx/>
-              <a:buNone/>
-              <a:tabLst/>
-              <a:defRPr kumimoji="0" sz="1800" b="0" i="0" u="none" strike="noStrike" cap="none" spc="0" normalizeH="0" baseline="0">
-                <a:ln>
-                  <a:noFill/>
-                </a:ln>
-                <a:solidFill>
-                  <a:srgbClr val="000000"/>
-                </a:solidFill>
-                <a:effectLst/>
-                <a:uFillTx/>
-                <a:latin typeface="Times New Roman"/>
-                <a:ea typeface="Times New Roman"/>
-                <a:cs typeface="Times New Roman"/>
-                <a:sym typeface="Times New Roman"/>
-              </a:defRPr>
-            </a:lvl2pPr>
-            <a:lvl3pPr marL="0" marR="0" indent="914400" algn="l" defTabSz="457200" rtl="0" fontAlgn="auto" latinLnBrk="0" hangingPunct="0">
-              <a:lnSpc>
-                <a:spcPct val="100000"/>
-              </a:lnSpc>
-              <a:spcBef>
-                <a:spcPts val="0"/>
-              </a:spcBef>
-              <a:spcAft>
-                <a:spcPts val="0"/>
-              </a:spcAft>
-              <a:buClrTx/>
-              <a:buSzTx/>
-              <a:buFontTx/>
-              <a:buNone/>
-              <a:tabLst/>
-              <a:defRPr kumimoji="0" sz="1800" b="0" i="0" u="none" strike="noStrike" cap="none" spc="0" normalizeH="0" baseline="0">
-                <a:ln>
-                  <a:noFill/>
-                </a:ln>
-                <a:solidFill>
-                  <a:srgbClr val="000000"/>
-                </a:solidFill>
-                <a:effectLst/>
-                <a:uFillTx/>
-                <a:latin typeface="Times New Roman"/>
-                <a:ea typeface="Times New Roman"/>
-                <a:cs typeface="Times New Roman"/>
-                <a:sym typeface="Times New Roman"/>
-              </a:defRPr>
-            </a:lvl3pPr>
-            <a:lvl4pPr marL="0" marR="0" indent="1371600" algn="l" defTabSz="457200" rtl="0" fontAlgn="auto" latinLnBrk="0" hangingPunct="0">
-              <a:lnSpc>
-                <a:spcPct val="100000"/>
-              </a:lnSpc>
-              <a:spcBef>
-                <a:spcPts val="0"/>
-              </a:spcBef>
-              <a:spcAft>
-                <a:spcPts val="0"/>
-              </a:spcAft>
-              <a:buClrTx/>
-              <a:buSzTx/>
-              <a:buFontTx/>
-              <a:buNone/>
-              <a:tabLst/>
-              <a:defRPr kumimoji="0" sz="1800" b="0" i="0" u="none" strike="noStrike" cap="none" spc="0" normalizeH="0" baseline="0">
-                <a:ln>
-                  <a:noFill/>
-                </a:ln>
-                <a:solidFill>
-                  <a:srgbClr val="000000"/>
-                </a:solidFill>
-                <a:effectLst/>
-                <a:uFillTx/>
-                <a:latin typeface="Times New Roman"/>
-                <a:ea typeface="Times New Roman"/>
-                <a:cs typeface="Times New Roman"/>
-                <a:sym typeface="Times New Roman"/>
-              </a:defRPr>
-            </a:lvl4pPr>
-            <a:lvl5pPr marL="0" marR="0" indent="1828800" algn="l" defTabSz="457200" rtl="0" fontAlgn="auto" latinLnBrk="0" hangingPunct="0">
-              <a:lnSpc>
-                <a:spcPct val="100000"/>
-              </a:lnSpc>
-              <a:spcBef>
-                <a:spcPts val="0"/>
-              </a:spcBef>
-              <a:spcAft>
-                <a:spcPts val="0"/>
-              </a:spcAft>
-              <a:buClrTx/>
-              <a:buSzTx/>
-              <a:buFontTx/>
-              <a:buNone/>
-              <a:tabLst/>
-              <a:defRPr kumimoji="0" sz="1800" b="0" i="0" u="none" strike="noStrike" cap="none" spc="0" normalizeH="0" baseline="0">
-                <a:ln>
-                  <a:noFill/>
-                </a:ln>
-                <a:solidFill>
-                  <a:srgbClr val="000000"/>
-                </a:solidFill>
-                <a:effectLst/>
-                <a:uFillTx/>
-                <a:latin typeface="Times New Roman"/>
-                <a:ea typeface="Times New Roman"/>
-                <a:cs typeface="Times New Roman"/>
-                <a:sym typeface="Times New Roman"/>
-              </a:defRPr>
-            </a:lvl5pPr>
-            <a:lvl6pPr marL="0" marR="0" indent="2286000" algn="l" defTabSz="457200" rtl="0" fontAlgn="auto" latinLnBrk="0" hangingPunct="0">
-              <a:lnSpc>
-                <a:spcPct val="100000"/>
-              </a:lnSpc>
-              <a:spcBef>
-                <a:spcPts val="0"/>
-              </a:spcBef>
-              <a:spcAft>
-                <a:spcPts val="0"/>
-              </a:spcAft>
-              <a:buClrTx/>
-              <a:buSzTx/>
-              <a:buFontTx/>
-              <a:buNone/>
-              <a:tabLst/>
-              <a:defRPr kumimoji="0" sz="1800" b="0" i="0" u="none" strike="noStrike" cap="none" spc="0" normalizeH="0" baseline="0">
-                <a:ln>
-                  <a:noFill/>
-                </a:ln>
-                <a:solidFill>
-                  <a:srgbClr val="000000"/>
-                </a:solidFill>
-                <a:effectLst/>
-                <a:uFillTx/>
-                <a:latin typeface="Times New Roman"/>
-                <a:ea typeface="Times New Roman"/>
-                <a:cs typeface="Times New Roman"/>
-                <a:sym typeface="Times New Roman"/>
-              </a:defRPr>
-            </a:lvl6pPr>
-            <a:lvl7pPr marL="0" marR="0" indent="2743200" algn="l" defTabSz="457200" rtl="0" fontAlgn="auto" latinLnBrk="0" hangingPunct="0">
-              <a:lnSpc>
-                <a:spcPct val="100000"/>
-              </a:lnSpc>
-              <a:spcBef>
-                <a:spcPts val="0"/>
-              </a:spcBef>
-              <a:spcAft>
-                <a:spcPts val="0"/>
-              </a:spcAft>
-              <a:buClrTx/>
-              <a:buSzTx/>
-              <a:buFontTx/>
-              <a:buNone/>
-              <a:tabLst/>
-              <a:defRPr kumimoji="0" sz="1800" b="0" i="0" u="none" strike="noStrike" cap="none" spc="0" normalizeH="0" baseline="0">
-                <a:ln>
-                  <a:noFill/>
-                </a:ln>
-                <a:solidFill>
-                  <a:srgbClr val="000000"/>
-                </a:solidFill>
-                <a:effectLst/>
-                <a:uFillTx/>
-                <a:latin typeface="Times New Roman"/>
-                <a:ea typeface="Times New Roman"/>
-                <a:cs typeface="Times New Roman"/>
-                <a:sym typeface="Times New Roman"/>
-              </a:defRPr>
-            </a:lvl7pPr>
-            <a:lvl8pPr marL="0" marR="0" indent="3200400" algn="l" defTabSz="457200" rtl="0" fontAlgn="auto" latinLnBrk="0" hangingPunct="0">
-              <a:lnSpc>
-                <a:spcPct val="100000"/>
-              </a:lnSpc>
-              <a:spcBef>
-                <a:spcPts val="0"/>
-              </a:spcBef>
-              <a:spcAft>
-                <a:spcPts val="0"/>
-              </a:spcAft>
-              <a:buClrTx/>
-              <a:buSzTx/>
-              <a:buFontTx/>
-              <a:buNone/>
-              <a:tabLst/>
-              <a:defRPr kumimoji="0" sz="1800" b="0" i="0" u="none" strike="noStrike" cap="none" spc="0" normalizeH="0" baseline="0">
-                <a:ln>
-                  <a:noFill/>
-                </a:ln>
-                <a:solidFill>
-                  <a:srgbClr val="000000"/>
-                </a:solidFill>
-                <a:effectLst/>
-                <a:uFillTx/>
-                <a:latin typeface="Times New Roman"/>
-                <a:ea typeface="Times New Roman"/>
-                <a:cs typeface="Times New Roman"/>
-                <a:sym typeface="Times New Roman"/>
-              </a:defRPr>
-            </a:lvl8pPr>
-            <a:lvl9pPr marL="0" marR="0" indent="3657600" algn="l" defTabSz="457200" rtl="0" fontAlgn="auto" latinLnBrk="0" hangingPunct="0">
-              <a:lnSpc>
-                <a:spcPct val="100000"/>
-              </a:lnSpc>
-              <a:spcBef>
-                <a:spcPts val="0"/>
-              </a:spcBef>
-              <a:spcAft>
-                <a:spcPts val="0"/>
-              </a:spcAft>
-              <a:buClrTx/>
-              <a:buSzTx/>
-              <a:buFontTx/>
-              <a:buNone/>
-              <a:tabLst/>
-              <a:defRPr kumimoji="0" sz="1800" b="0" i="0" u="none" strike="noStrike" cap="none" spc="0" normalizeH="0" baseline="0">
-                <a:ln>
-                  <a:noFill/>
-                </a:ln>
-                <a:solidFill>
-                  <a:srgbClr val="000000"/>
-                </a:solidFill>
-                <a:effectLst/>
-                <a:uFillTx/>
-                <a:latin typeface="Times New Roman"/>
-                <a:ea typeface="Times New Roman"/>
-                <a:cs typeface="Times New Roman"/>
-                <a:sym typeface="Times New Roman"/>
-              </a:defRPr>
-            </a:lvl9pPr>
-          </a:lstStyle>
-          <a:p>
-            <a:fld id="{86CB4B4D-7CA3-9044-876B-883B54F8677D}" type="slidenum">
-              <a:rPr lang="en-US" smtClean="0"/>
-              <a:pPr/>
-              <a:t>5</a:t>
-            </a:fld>
-            <a:endParaRPr lang="en-US" dirty="0"/>
-          </a:p>
-        </p:txBody>
-      </p:sp>
-    </p:spTree>
-    <p:extLst>
-      <p:ext uri="{BB962C8B-B14F-4D97-AF65-F5344CB8AC3E}">
-        <p14:creationId xmlns:p14="http://schemas.microsoft.com/office/powerpoint/2010/main" val="3887133070"/>
-      </p:ext>
-    </p:extLst>
-  </p:cSld>
-  <p:clrMapOvr>
-    <a:masterClrMapping/>
-  </p:clrMapOvr>
-</p:sld>
-</file>
-
-<file path=ppt/slides/slide6.xml><?xml version="1.0" encoding="utf-8"?>
-<p:sld xmlns:a="http://schemas.openxmlformats.org/drawingml/2006/main" xmlns:r="http://schemas.openxmlformats.org/officeDocument/2006/relationships" xmlns:p="http://schemas.openxmlformats.org/presentationml/2006/main">
-  <p:cSld>
-    <p:spTree>
-      <p:nvGrpSpPr>
-        <p:cNvPr id="1" name=""/>
-        <p:cNvGrpSpPr/>
-        <p:nvPr/>
-      </p:nvGrpSpPr>
-      <p:grpSpPr>
-        <a:xfrm>
-          <a:off x="0" y="0"/>
-          <a:ext cx="0" cy="0"/>
-          <a:chOff x="0" y="0"/>
-          <a:chExt cx="0" cy="0"/>
-        </a:xfrm>
-      </p:grpSpPr>
-      <p:sp>
-        <p:nvSpPr>
-          <p:cNvPr id="2" name="Title 1">
-            <a:extLst>
-              <a:ext uri="{FF2B5EF4-FFF2-40B4-BE49-F238E27FC236}">
                 <a16:creationId xmlns:a16="http://schemas.microsoft.com/office/drawing/2014/main" id="{D27347BC-8C67-438D-B3EA-4949ED067600}"/>
               </a:ext>
             </a:extLst>
@@ -7138,7 +3903,7 @@
             <a:fld id="{86CB4B4D-7CA3-9044-876B-883B54F8677D}" type="slidenum">
               <a:rPr lang="en-US" smtClean="0"/>
               <a:pPr/>
-              <a:t>6</a:t>
+              <a:t>10</a:t>
             </a:fld>
             <a:endParaRPr lang="en-US" dirty="0"/>
           </a:p>
@@ -7591,7 +4356,7 @@
 </p:sld>
 </file>
 
-<file path=ppt/slides/slide7.xml><?xml version="1.0" encoding="utf-8"?>
+<file path=ppt/slides/slide11.xml><?xml version="1.0" encoding="utf-8"?>
 <p:sld xmlns:a="http://schemas.openxmlformats.org/drawingml/2006/main" xmlns:r="http://schemas.openxmlformats.org/officeDocument/2006/relationships" xmlns:p="http://schemas.openxmlformats.org/presentationml/2006/main">
   <p:cSld>
     <p:spTree>
@@ -8220,7 +4985,7 @@
             <a:fld id="{86CB4B4D-7CA3-9044-876B-883B54F8677D}" type="slidenum">
               <a:rPr lang="en-US" smtClean="0"/>
               <a:pPr/>
-              <a:t>7</a:t>
+              <a:t>11</a:t>
             </a:fld>
             <a:endParaRPr lang="en-US" dirty="0"/>
           </a:p>
@@ -8373,7 +5138,7 @@
 </p:sld>
 </file>
 
-<file path=ppt/slides/slide8.xml><?xml version="1.0" encoding="utf-8"?>
+<file path=ppt/slides/slide12.xml><?xml version="1.0" encoding="utf-8"?>
 <p:sld xmlns:a="http://schemas.openxmlformats.org/drawingml/2006/main" xmlns:r="http://schemas.openxmlformats.org/officeDocument/2006/relationships" xmlns:p="http://schemas.openxmlformats.org/presentationml/2006/main">
   <p:cSld>
     <p:spTree>
@@ -9205,7 +5970,7 @@
             <a:fld id="{86CB4B4D-7CA3-9044-876B-883B54F8677D}" type="slidenum">
               <a:rPr lang="en-US" smtClean="0"/>
               <a:pPr/>
-              <a:t>8</a:t>
+              <a:t>12</a:t>
             </a:fld>
             <a:endParaRPr lang="en-US" dirty="0"/>
           </a:p>
@@ -13474,7 +10239,7 @@
 </p:sld>
 </file>
 
-<file path=ppt/slides/slide9.xml><?xml version="1.0" encoding="utf-8"?>
+<file path=ppt/slides/slide13.xml><?xml version="1.0" encoding="utf-8"?>
 <p:sld xmlns:a="http://schemas.openxmlformats.org/drawingml/2006/main" xmlns:r="http://schemas.openxmlformats.org/officeDocument/2006/relationships" xmlns:p="http://schemas.openxmlformats.org/presentationml/2006/main">
   <p:cSld>
     <p:spTree>
@@ -14460,7 +11225,7 @@
             <a:fld id="{86CB4B4D-7CA3-9044-876B-883B54F8677D}" type="slidenum">
               <a:rPr lang="en-US" smtClean="0"/>
               <a:pPr/>
-              <a:t>9</a:t>
+              <a:t>13</a:t>
             </a:fld>
             <a:endParaRPr lang="en-US" dirty="0"/>
           </a:p>
@@ -15633,6 +12398,4102 @@
     <p:extLst>
       <p:ext uri="{BB962C8B-B14F-4D97-AF65-F5344CB8AC3E}">
         <p14:creationId xmlns:p14="http://schemas.microsoft.com/office/powerpoint/2010/main" val="3411955695"/>
+      </p:ext>
+    </p:extLst>
+  </p:cSld>
+  <p:clrMapOvr>
+    <a:masterClrMapping/>
+  </p:clrMapOvr>
+</p:sld>
+</file>
+
+<file path=ppt/slides/slide14.xml><?xml version="1.0" encoding="utf-8"?>
+<p:sld xmlns:a="http://schemas.openxmlformats.org/drawingml/2006/main" xmlns:r="http://schemas.openxmlformats.org/officeDocument/2006/relationships" xmlns:p="http://schemas.openxmlformats.org/presentationml/2006/main">
+  <p:cSld>
+    <p:spTree>
+      <p:nvGrpSpPr>
+        <p:cNvPr id="1" name=""/>
+        <p:cNvGrpSpPr/>
+        <p:nvPr/>
+      </p:nvGrpSpPr>
+      <p:grpSpPr>
+        <a:xfrm>
+          <a:off x="0" y="0"/>
+          <a:ext cx="0" cy="0"/>
+          <a:chOff x="0" y="0"/>
+          <a:chExt cx="0" cy="0"/>
+        </a:xfrm>
+      </p:grpSpPr>
+      <p:sp>
+        <p:nvSpPr>
+          <p:cNvPr id="2" name="Title 1">
+            <a:extLst>
+              <a:ext uri="{FF2B5EF4-FFF2-40B4-BE49-F238E27FC236}">
+                <a16:creationId xmlns:a16="http://schemas.microsoft.com/office/drawing/2014/main" id="{B213188D-AB35-46DA-A35C-BD480ADEE85F}"/>
+              </a:ext>
+            </a:extLst>
+          </p:cNvPr>
+          <p:cNvSpPr>
+            <a:spLocks noGrp="1"/>
+          </p:cNvSpPr>
+          <p:nvPr>
+            <p:ph type="title"/>
+          </p:nvPr>
+        </p:nvSpPr>
+        <p:spPr/>
+        <p:txBody>
+          <a:bodyPr/>
+          <a:lstStyle/>
+          <a:p>
+            <a:r>
+              <a:rPr lang="en-US" dirty="0"/>
+              <a:t>Correction for multiple testing</a:t>
+            </a:r>
+          </a:p>
+        </p:txBody>
+      </p:sp>
+      <p:sp>
+        <p:nvSpPr>
+          <p:cNvPr id="3" name="Text Placeholder 2">
+            <a:extLst>
+              <a:ext uri="{FF2B5EF4-FFF2-40B4-BE49-F238E27FC236}">
+                <a16:creationId xmlns:a16="http://schemas.microsoft.com/office/drawing/2014/main" id="{A35D7613-D2F2-4550-9C7D-CB134F74EED4}"/>
+              </a:ext>
+            </a:extLst>
+          </p:cNvPr>
+          <p:cNvSpPr>
+            <a:spLocks noGrp="1"/>
+          </p:cNvSpPr>
+          <p:nvPr>
+            <p:ph type="body" idx="1"/>
+          </p:nvPr>
+        </p:nvSpPr>
+        <p:spPr/>
+        <p:txBody>
+          <a:bodyPr/>
+          <a:lstStyle/>
+          <a:p>
+            <a:r>
+              <a:rPr lang="en-US" dirty="0"/>
+              <a:t>Two widely-used methods of correction:</a:t>
+            </a:r>
+          </a:p>
+          <a:p>
+            <a:pPr marL="514350" indent="-514350">
+              <a:buFont typeface="+mj-lt"/>
+              <a:buAutoNum type="arabicPeriod"/>
+            </a:pPr>
+            <a:r>
+              <a:rPr lang="en-US" dirty="0"/>
+              <a:t>FDR (False Detection Rate)</a:t>
+            </a:r>
+          </a:p>
+          <a:p>
+            <a:pPr lvl="1"/>
+            <a:r>
+              <a:rPr lang="en-US" dirty="0"/>
+              <a:t>Corrects for false positive rate</a:t>
+            </a:r>
+          </a:p>
+          <a:p>
+            <a:pPr lvl="1"/>
+            <a:r>
+              <a:rPr lang="en-US" dirty="0"/>
+              <a:t>“Find all genes associated with …”</a:t>
+            </a:r>
+          </a:p>
+          <a:p>
+            <a:pPr marL="514350" indent="-514350">
+              <a:buFont typeface="+mj-lt"/>
+              <a:buAutoNum type="arabicPeriod"/>
+            </a:pPr>
+            <a:r>
+              <a:rPr lang="en-US" dirty="0"/>
+              <a:t>Bonferroni</a:t>
+            </a:r>
+          </a:p>
+          <a:p>
+            <a:pPr lvl="1"/>
+            <a:r>
+              <a:rPr lang="en-US" dirty="0"/>
+              <a:t>Corrects for total false positives</a:t>
+            </a:r>
+          </a:p>
+          <a:p>
+            <a:pPr lvl="1"/>
+            <a:r>
+              <a:rPr lang="en-US" dirty="0"/>
+              <a:t>“Find one gene to study further for …”</a:t>
+            </a:r>
+          </a:p>
+        </p:txBody>
+      </p:sp>
+      <p:sp>
+        <p:nvSpPr>
+          <p:cNvPr id="6" name="Slide Number Placeholder 5">
+            <a:extLst>
+              <a:ext uri="{FF2B5EF4-FFF2-40B4-BE49-F238E27FC236}">
+                <a16:creationId xmlns:a16="http://schemas.microsoft.com/office/drawing/2014/main" id="{5193ABAC-865F-4DB4-B54E-B8CF64F93129}"/>
+              </a:ext>
+            </a:extLst>
+          </p:cNvPr>
+          <p:cNvSpPr>
+            <a:spLocks noGrp="1"/>
+          </p:cNvSpPr>
+          <p:nvPr>
+            <p:ph type="sldNum" sz="quarter" idx="2"/>
+          </p:nvPr>
+        </p:nvSpPr>
+        <p:spPr>
+          <a:xfrm>
+            <a:off x="3673434" y="6442718"/>
+            <a:ext cx="2133600" cy="276999"/>
+          </a:xfrm>
+          <a:prstGeom prst="rect">
+            <a:avLst/>
+          </a:prstGeom>
+          <a:ln w="12700">
+            <a:miter lim="400000"/>
+          </a:ln>
+        </p:spPr>
+        <p:txBody>
+          <a:bodyPr lIns="45719" rIns="45719" anchor="ctr">
+            <a:spAutoFit/>
+          </a:bodyPr>
+          <a:lstStyle>
+            <a:defPPr marL="0" marR="0" indent="0" algn="l" defTabSz="914400" rtl="0" fontAlgn="auto" latinLnBrk="1" hangingPunct="0">
+              <a:lnSpc>
+                <a:spcPct val="100000"/>
+              </a:lnSpc>
+              <a:spcBef>
+                <a:spcPts val="0"/>
+              </a:spcBef>
+              <a:spcAft>
+                <a:spcPts val="0"/>
+              </a:spcAft>
+              <a:buClrTx/>
+              <a:buSzTx/>
+              <a:buFontTx/>
+              <a:buNone/>
+              <a:tabLst/>
+              <a:defRPr kumimoji="0" sz="1800" b="0" i="0" u="none" strike="noStrike" cap="none" spc="0" normalizeH="0" baseline="0">
+                <a:ln>
+                  <a:noFill/>
+                </a:ln>
+                <a:solidFill>
+                  <a:srgbClr val="000000"/>
+                </a:solidFill>
+                <a:effectLst/>
+                <a:uFillTx/>
+              </a:defRPr>
+            </a:defPPr>
+            <a:lvl1pPr marL="0" marR="0" indent="0" algn="ctr" defTabSz="457200" rtl="0" fontAlgn="auto" latinLnBrk="0" hangingPunct="0">
+              <a:lnSpc>
+                <a:spcPct val="100000"/>
+              </a:lnSpc>
+              <a:spcBef>
+                <a:spcPts val="0"/>
+              </a:spcBef>
+              <a:spcAft>
+                <a:spcPts val="0"/>
+              </a:spcAft>
+              <a:buClrTx/>
+              <a:buSzTx/>
+              <a:buFontTx/>
+              <a:buNone/>
+              <a:tabLst/>
+              <a:defRPr kumimoji="0" sz="1200" b="0" i="0" u="none" strike="noStrike" cap="none" spc="0" normalizeH="0" baseline="0">
+                <a:ln>
+                  <a:noFill/>
+                </a:ln>
+                <a:solidFill>
+                  <a:schemeClr val="bg1"/>
+                </a:solidFill>
+                <a:effectLst/>
+                <a:uFillTx/>
+                <a:latin typeface="Arial" panose="020B0604020202020204" pitchFamily="34" charset="0"/>
+                <a:ea typeface="Times New Roman"/>
+                <a:cs typeface="Arial" panose="020B0604020202020204" pitchFamily="34" charset="0"/>
+                <a:sym typeface="Times New Roman"/>
+              </a:defRPr>
+            </a:lvl1pPr>
+            <a:lvl2pPr marL="0" marR="0" indent="457200" algn="l" defTabSz="457200" rtl="0" fontAlgn="auto" latinLnBrk="0" hangingPunct="0">
+              <a:lnSpc>
+                <a:spcPct val="100000"/>
+              </a:lnSpc>
+              <a:spcBef>
+                <a:spcPts val="0"/>
+              </a:spcBef>
+              <a:spcAft>
+                <a:spcPts val="0"/>
+              </a:spcAft>
+              <a:buClrTx/>
+              <a:buSzTx/>
+              <a:buFontTx/>
+              <a:buNone/>
+              <a:tabLst/>
+              <a:defRPr kumimoji="0" sz="1800" b="0" i="0" u="none" strike="noStrike" cap="none" spc="0" normalizeH="0" baseline="0">
+                <a:ln>
+                  <a:noFill/>
+                </a:ln>
+                <a:solidFill>
+                  <a:srgbClr val="000000"/>
+                </a:solidFill>
+                <a:effectLst/>
+                <a:uFillTx/>
+                <a:latin typeface="Times New Roman"/>
+                <a:ea typeface="Times New Roman"/>
+                <a:cs typeface="Times New Roman"/>
+                <a:sym typeface="Times New Roman"/>
+              </a:defRPr>
+            </a:lvl2pPr>
+            <a:lvl3pPr marL="0" marR="0" indent="914400" algn="l" defTabSz="457200" rtl="0" fontAlgn="auto" latinLnBrk="0" hangingPunct="0">
+              <a:lnSpc>
+                <a:spcPct val="100000"/>
+              </a:lnSpc>
+              <a:spcBef>
+                <a:spcPts val="0"/>
+              </a:spcBef>
+              <a:spcAft>
+                <a:spcPts val="0"/>
+              </a:spcAft>
+              <a:buClrTx/>
+              <a:buSzTx/>
+              <a:buFontTx/>
+              <a:buNone/>
+              <a:tabLst/>
+              <a:defRPr kumimoji="0" sz="1800" b="0" i="0" u="none" strike="noStrike" cap="none" spc="0" normalizeH="0" baseline="0">
+                <a:ln>
+                  <a:noFill/>
+                </a:ln>
+                <a:solidFill>
+                  <a:srgbClr val="000000"/>
+                </a:solidFill>
+                <a:effectLst/>
+                <a:uFillTx/>
+                <a:latin typeface="Times New Roman"/>
+                <a:ea typeface="Times New Roman"/>
+                <a:cs typeface="Times New Roman"/>
+                <a:sym typeface="Times New Roman"/>
+              </a:defRPr>
+            </a:lvl3pPr>
+            <a:lvl4pPr marL="0" marR="0" indent="1371600" algn="l" defTabSz="457200" rtl="0" fontAlgn="auto" latinLnBrk="0" hangingPunct="0">
+              <a:lnSpc>
+                <a:spcPct val="100000"/>
+              </a:lnSpc>
+              <a:spcBef>
+                <a:spcPts val="0"/>
+              </a:spcBef>
+              <a:spcAft>
+                <a:spcPts val="0"/>
+              </a:spcAft>
+              <a:buClrTx/>
+              <a:buSzTx/>
+              <a:buFontTx/>
+              <a:buNone/>
+              <a:tabLst/>
+              <a:defRPr kumimoji="0" sz="1800" b="0" i="0" u="none" strike="noStrike" cap="none" spc="0" normalizeH="0" baseline="0">
+                <a:ln>
+                  <a:noFill/>
+                </a:ln>
+                <a:solidFill>
+                  <a:srgbClr val="000000"/>
+                </a:solidFill>
+                <a:effectLst/>
+                <a:uFillTx/>
+                <a:latin typeface="Times New Roman"/>
+                <a:ea typeface="Times New Roman"/>
+                <a:cs typeface="Times New Roman"/>
+                <a:sym typeface="Times New Roman"/>
+              </a:defRPr>
+            </a:lvl4pPr>
+            <a:lvl5pPr marL="0" marR="0" indent="1828800" algn="l" defTabSz="457200" rtl="0" fontAlgn="auto" latinLnBrk="0" hangingPunct="0">
+              <a:lnSpc>
+                <a:spcPct val="100000"/>
+              </a:lnSpc>
+              <a:spcBef>
+                <a:spcPts val="0"/>
+              </a:spcBef>
+              <a:spcAft>
+                <a:spcPts val="0"/>
+              </a:spcAft>
+              <a:buClrTx/>
+              <a:buSzTx/>
+              <a:buFontTx/>
+              <a:buNone/>
+              <a:tabLst/>
+              <a:defRPr kumimoji="0" sz="1800" b="0" i="0" u="none" strike="noStrike" cap="none" spc="0" normalizeH="0" baseline="0">
+                <a:ln>
+                  <a:noFill/>
+                </a:ln>
+                <a:solidFill>
+                  <a:srgbClr val="000000"/>
+                </a:solidFill>
+                <a:effectLst/>
+                <a:uFillTx/>
+                <a:latin typeface="Times New Roman"/>
+                <a:ea typeface="Times New Roman"/>
+                <a:cs typeface="Times New Roman"/>
+                <a:sym typeface="Times New Roman"/>
+              </a:defRPr>
+            </a:lvl5pPr>
+            <a:lvl6pPr marL="0" marR="0" indent="2286000" algn="l" defTabSz="457200" rtl="0" fontAlgn="auto" latinLnBrk="0" hangingPunct="0">
+              <a:lnSpc>
+                <a:spcPct val="100000"/>
+              </a:lnSpc>
+              <a:spcBef>
+                <a:spcPts val="0"/>
+              </a:spcBef>
+              <a:spcAft>
+                <a:spcPts val="0"/>
+              </a:spcAft>
+              <a:buClrTx/>
+              <a:buSzTx/>
+              <a:buFontTx/>
+              <a:buNone/>
+              <a:tabLst/>
+              <a:defRPr kumimoji="0" sz="1800" b="0" i="0" u="none" strike="noStrike" cap="none" spc="0" normalizeH="0" baseline="0">
+                <a:ln>
+                  <a:noFill/>
+                </a:ln>
+                <a:solidFill>
+                  <a:srgbClr val="000000"/>
+                </a:solidFill>
+                <a:effectLst/>
+                <a:uFillTx/>
+                <a:latin typeface="Times New Roman"/>
+                <a:ea typeface="Times New Roman"/>
+                <a:cs typeface="Times New Roman"/>
+                <a:sym typeface="Times New Roman"/>
+              </a:defRPr>
+            </a:lvl6pPr>
+            <a:lvl7pPr marL="0" marR="0" indent="2743200" algn="l" defTabSz="457200" rtl="0" fontAlgn="auto" latinLnBrk="0" hangingPunct="0">
+              <a:lnSpc>
+                <a:spcPct val="100000"/>
+              </a:lnSpc>
+              <a:spcBef>
+                <a:spcPts val="0"/>
+              </a:spcBef>
+              <a:spcAft>
+                <a:spcPts val="0"/>
+              </a:spcAft>
+              <a:buClrTx/>
+              <a:buSzTx/>
+              <a:buFontTx/>
+              <a:buNone/>
+              <a:tabLst/>
+              <a:defRPr kumimoji="0" sz="1800" b="0" i="0" u="none" strike="noStrike" cap="none" spc="0" normalizeH="0" baseline="0">
+                <a:ln>
+                  <a:noFill/>
+                </a:ln>
+                <a:solidFill>
+                  <a:srgbClr val="000000"/>
+                </a:solidFill>
+                <a:effectLst/>
+                <a:uFillTx/>
+                <a:latin typeface="Times New Roman"/>
+                <a:ea typeface="Times New Roman"/>
+                <a:cs typeface="Times New Roman"/>
+                <a:sym typeface="Times New Roman"/>
+              </a:defRPr>
+            </a:lvl7pPr>
+            <a:lvl8pPr marL="0" marR="0" indent="3200400" algn="l" defTabSz="457200" rtl="0" fontAlgn="auto" latinLnBrk="0" hangingPunct="0">
+              <a:lnSpc>
+                <a:spcPct val="100000"/>
+              </a:lnSpc>
+              <a:spcBef>
+                <a:spcPts val="0"/>
+              </a:spcBef>
+              <a:spcAft>
+                <a:spcPts val="0"/>
+              </a:spcAft>
+              <a:buClrTx/>
+              <a:buSzTx/>
+              <a:buFontTx/>
+              <a:buNone/>
+              <a:tabLst/>
+              <a:defRPr kumimoji="0" sz="1800" b="0" i="0" u="none" strike="noStrike" cap="none" spc="0" normalizeH="0" baseline="0">
+                <a:ln>
+                  <a:noFill/>
+                </a:ln>
+                <a:solidFill>
+                  <a:srgbClr val="000000"/>
+                </a:solidFill>
+                <a:effectLst/>
+                <a:uFillTx/>
+                <a:latin typeface="Times New Roman"/>
+                <a:ea typeface="Times New Roman"/>
+                <a:cs typeface="Times New Roman"/>
+                <a:sym typeface="Times New Roman"/>
+              </a:defRPr>
+            </a:lvl8pPr>
+            <a:lvl9pPr marL="0" marR="0" indent="3657600" algn="l" defTabSz="457200" rtl="0" fontAlgn="auto" latinLnBrk="0" hangingPunct="0">
+              <a:lnSpc>
+                <a:spcPct val="100000"/>
+              </a:lnSpc>
+              <a:spcBef>
+                <a:spcPts val="0"/>
+              </a:spcBef>
+              <a:spcAft>
+                <a:spcPts val="0"/>
+              </a:spcAft>
+              <a:buClrTx/>
+              <a:buSzTx/>
+              <a:buFontTx/>
+              <a:buNone/>
+              <a:tabLst/>
+              <a:defRPr kumimoji="0" sz="1800" b="0" i="0" u="none" strike="noStrike" cap="none" spc="0" normalizeH="0" baseline="0">
+                <a:ln>
+                  <a:noFill/>
+                </a:ln>
+                <a:solidFill>
+                  <a:srgbClr val="000000"/>
+                </a:solidFill>
+                <a:effectLst/>
+                <a:uFillTx/>
+                <a:latin typeface="Times New Roman"/>
+                <a:ea typeface="Times New Roman"/>
+                <a:cs typeface="Times New Roman"/>
+                <a:sym typeface="Times New Roman"/>
+              </a:defRPr>
+            </a:lvl9pPr>
+          </a:lstStyle>
+          <a:p>
+            <a:fld id="{86CB4B4D-7CA3-9044-876B-883B54F8677D}" type="slidenum">
+              <a:rPr lang="en-US" smtClean="0"/>
+              <a:pPr/>
+              <a:t>14</a:t>
+            </a:fld>
+            <a:endParaRPr lang="en-US" dirty="0"/>
+          </a:p>
+        </p:txBody>
+      </p:sp>
+    </p:spTree>
+    <p:extLst>
+      <p:ext uri="{BB962C8B-B14F-4D97-AF65-F5344CB8AC3E}">
+        <p14:creationId xmlns:p14="http://schemas.microsoft.com/office/powerpoint/2010/main" val="1409518314"/>
+      </p:ext>
+    </p:extLst>
+  </p:cSld>
+  <p:clrMapOvr>
+    <a:masterClrMapping/>
+  </p:clrMapOvr>
+</p:sld>
+</file>
+
+<file path=ppt/slides/slide15.xml><?xml version="1.0" encoding="utf-8"?>
+<p:sld xmlns:a="http://schemas.openxmlformats.org/drawingml/2006/main" xmlns:r="http://schemas.openxmlformats.org/officeDocument/2006/relationships" xmlns:p="http://schemas.openxmlformats.org/presentationml/2006/main">
+  <p:cSld>
+    <p:spTree>
+      <p:nvGrpSpPr>
+        <p:cNvPr id="1" name=""/>
+        <p:cNvGrpSpPr/>
+        <p:nvPr/>
+      </p:nvGrpSpPr>
+      <p:grpSpPr>
+        <a:xfrm>
+          <a:off x="0" y="0"/>
+          <a:ext cx="0" cy="0"/>
+          <a:chOff x="0" y="0"/>
+          <a:chExt cx="0" cy="0"/>
+        </a:xfrm>
+      </p:grpSpPr>
+      <p:sp>
+        <p:nvSpPr>
+          <p:cNvPr id="2" name="Title 1">
+            <a:extLst>
+              <a:ext uri="{FF2B5EF4-FFF2-40B4-BE49-F238E27FC236}">
+                <a16:creationId xmlns:a16="http://schemas.microsoft.com/office/drawing/2014/main" id="{83C69284-6E44-4938-A96A-15FE70022A9E}"/>
+              </a:ext>
+            </a:extLst>
+          </p:cNvPr>
+          <p:cNvSpPr>
+            <a:spLocks noGrp="1"/>
+          </p:cNvSpPr>
+          <p:nvPr>
+            <p:ph type="title"/>
+          </p:nvPr>
+        </p:nvSpPr>
+        <p:spPr>
+          <a:xfrm>
+            <a:off x="-5964" y="255285"/>
+            <a:ext cx="9166762" cy="685494"/>
+          </a:xfrm>
+        </p:spPr>
+        <p:txBody>
+          <a:bodyPr/>
+          <a:lstStyle/>
+          <a:p>
+            <a:r>
+              <a:rPr lang="en-US" dirty="0"/>
+              <a:t>Gene Ontology Terms</a:t>
+            </a:r>
+          </a:p>
+        </p:txBody>
+      </p:sp>
+      <p:sp>
+        <p:nvSpPr>
+          <p:cNvPr id="3" name="Text Placeholder 2">
+            <a:extLst>
+              <a:ext uri="{FF2B5EF4-FFF2-40B4-BE49-F238E27FC236}">
+                <a16:creationId xmlns:a16="http://schemas.microsoft.com/office/drawing/2014/main" id="{9307E5EB-FABB-43AC-AB85-181D009CA16C}"/>
+              </a:ext>
+            </a:extLst>
+          </p:cNvPr>
+          <p:cNvSpPr>
+            <a:spLocks noGrp="1"/>
+          </p:cNvSpPr>
+          <p:nvPr>
+            <p:ph type="body" idx="1"/>
+          </p:nvPr>
+        </p:nvSpPr>
+        <p:spPr>
+          <a:xfrm>
+            <a:off x="457200" y="1092632"/>
+            <a:ext cx="8229600" cy="2650210"/>
+          </a:xfrm>
+        </p:spPr>
+        <p:txBody>
+          <a:bodyPr/>
+          <a:lstStyle/>
+          <a:p>
+            <a:r>
+              <a:rPr lang="en-US" dirty="0"/>
+              <a:t>Go Terms</a:t>
+            </a:r>
+          </a:p>
+          <a:p>
+            <a:r>
+              <a:rPr lang="en-US" dirty="0"/>
+              <a:t>Group genes together based on common characteristics</a:t>
+            </a:r>
+          </a:p>
+          <a:p>
+            <a:r>
+              <a:rPr lang="en-US" dirty="0"/>
+              <a:t>3 different types:</a:t>
+            </a:r>
+          </a:p>
+          <a:p>
+            <a:pPr lvl="1"/>
+            <a:r>
+              <a:rPr lang="en-US" dirty="0"/>
+              <a:t>Process (e.g. Glycolysis)</a:t>
+            </a:r>
+          </a:p>
+          <a:p>
+            <a:pPr lvl="1"/>
+            <a:r>
+              <a:rPr lang="en-US" dirty="0"/>
+              <a:t>Molecular function (e.g. Kinase)</a:t>
+            </a:r>
+          </a:p>
+          <a:p>
+            <a:pPr lvl="1"/>
+            <a:r>
+              <a:rPr lang="en-US" dirty="0"/>
+              <a:t>Cellular components (e.g. Mitochondria)</a:t>
+            </a:r>
+          </a:p>
+          <a:p>
+            <a:r>
+              <a:rPr lang="en-US" dirty="0"/>
+              <a:t>Here we will focus on the process</a:t>
+            </a:r>
+          </a:p>
+          <a:p>
+            <a:pPr lvl="1"/>
+            <a:endParaRPr lang="en-US" dirty="0"/>
+          </a:p>
+          <a:p>
+            <a:endParaRPr lang="en-US" dirty="0"/>
+          </a:p>
+        </p:txBody>
+      </p:sp>
+      <p:sp>
+        <p:nvSpPr>
+          <p:cNvPr id="4" name="Slide Number Placeholder 3">
+            <a:extLst>
+              <a:ext uri="{FF2B5EF4-FFF2-40B4-BE49-F238E27FC236}">
+                <a16:creationId xmlns:a16="http://schemas.microsoft.com/office/drawing/2014/main" id="{1E03C8E0-818F-43CC-8BC7-E638A1D92ACF}"/>
+              </a:ext>
+            </a:extLst>
+          </p:cNvPr>
+          <p:cNvSpPr>
+            <a:spLocks noGrp="1"/>
+          </p:cNvSpPr>
+          <p:nvPr>
+            <p:ph type="sldNum" sz="quarter" idx="2"/>
+          </p:nvPr>
+        </p:nvSpPr>
+        <p:spPr>
+          <a:xfrm>
+            <a:off x="3673434" y="6442718"/>
+            <a:ext cx="2133600" cy="276999"/>
+          </a:xfrm>
+          <a:prstGeom prst="rect">
+            <a:avLst/>
+          </a:prstGeom>
+          <a:ln w="12700">
+            <a:miter lim="400000"/>
+          </a:ln>
+        </p:spPr>
+        <p:txBody>
+          <a:bodyPr lIns="45719" rIns="45719" anchor="ctr">
+            <a:spAutoFit/>
+          </a:bodyPr>
+          <a:lstStyle>
+            <a:defPPr marL="0" marR="0" indent="0" algn="l" defTabSz="914400" rtl="0" fontAlgn="auto" latinLnBrk="1" hangingPunct="0">
+              <a:lnSpc>
+                <a:spcPct val="100000"/>
+              </a:lnSpc>
+              <a:spcBef>
+                <a:spcPts val="0"/>
+              </a:spcBef>
+              <a:spcAft>
+                <a:spcPts val="0"/>
+              </a:spcAft>
+              <a:buClrTx/>
+              <a:buSzTx/>
+              <a:buFontTx/>
+              <a:buNone/>
+              <a:tabLst/>
+              <a:defRPr kumimoji="0" sz="1800" b="0" i="0" u="none" strike="noStrike" cap="none" spc="0" normalizeH="0" baseline="0">
+                <a:ln>
+                  <a:noFill/>
+                </a:ln>
+                <a:solidFill>
+                  <a:srgbClr val="000000"/>
+                </a:solidFill>
+                <a:effectLst/>
+                <a:uFillTx/>
+              </a:defRPr>
+            </a:defPPr>
+            <a:lvl1pPr marL="0" marR="0" indent="0" algn="ctr" defTabSz="457200" rtl="0" fontAlgn="auto" latinLnBrk="0" hangingPunct="0">
+              <a:lnSpc>
+                <a:spcPct val="100000"/>
+              </a:lnSpc>
+              <a:spcBef>
+                <a:spcPts val="0"/>
+              </a:spcBef>
+              <a:spcAft>
+                <a:spcPts val="0"/>
+              </a:spcAft>
+              <a:buClrTx/>
+              <a:buSzTx/>
+              <a:buFontTx/>
+              <a:buNone/>
+              <a:tabLst/>
+              <a:defRPr kumimoji="0" sz="1200" b="0" i="0" u="none" strike="noStrike" cap="none" spc="0" normalizeH="0" baseline="0">
+                <a:ln>
+                  <a:noFill/>
+                </a:ln>
+                <a:solidFill>
+                  <a:schemeClr val="bg1"/>
+                </a:solidFill>
+                <a:effectLst/>
+                <a:uFillTx/>
+                <a:latin typeface="Arial" panose="020B0604020202020204" pitchFamily="34" charset="0"/>
+                <a:ea typeface="Times New Roman"/>
+                <a:cs typeface="Arial" panose="020B0604020202020204" pitchFamily="34" charset="0"/>
+                <a:sym typeface="Times New Roman"/>
+              </a:defRPr>
+            </a:lvl1pPr>
+            <a:lvl2pPr marL="0" marR="0" indent="457200" algn="l" defTabSz="457200" rtl="0" fontAlgn="auto" latinLnBrk="0" hangingPunct="0">
+              <a:lnSpc>
+                <a:spcPct val="100000"/>
+              </a:lnSpc>
+              <a:spcBef>
+                <a:spcPts val="0"/>
+              </a:spcBef>
+              <a:spcAft>
+                <a:spcPts val="0"/>
+              </a:spcAft>
+              <a:buClrTx/>
+              <a:buSzTx/>
+              <a:buFontTx/>
+              <a:buNone/>
+              <a:tabLst/>
+              <a:defRPr kumimoji="0" sz="1800" b="0" i="0" u="none" strike="noStrike" cap="none" spc="0" normalizeH="0" baseline="0">
+                <a:ln>
+                  <a:noFill/>
+                </a:ln>
+                <a:solidFill>
+                  <a:srgbClr val="000000"/>
+                </a:solidFill>
+                <a:effectLst/>
+                <a:uFillTx/>
+                <a:latin typeface="Times New Roman"/>
+                <a:ea typeface="Times New Roman"/>
+                <a:cs typeface="Times New Roman"/>
+                <a:sym typeface="Times New Roman"/>
+              </a:defRPr>
+            </a:lvl2pPr>
+            <a:lvl3pPr marL="0" marR="0" indent="914400" algn="l" defTabSz="457200" rtl="0" fontAlgn="auto" latinLnBrk="0" hangingPunct="0">
+              <a:lnSpc>
+                <a:spcPct val="100000"/>
+              </a:lnSpc>
+              <a:spcBef>
+                <a:spcPts val="0"/>
+              </a:spcBef>
+              <a:spcAft>
+                <a:spcPts val="0"/>
+              </a:spcAft>
+              <a:buClrTx/>
+              <a:buSzTx/>
+              <a:buFontTx/>
+              <a:buNone/>
+              <a:tabLst/>
+              <a:defRPr kumimoji="0" sz="1800" b="0" i="0" u="none" strike="noStrike" cap="none" spc="0" normalizeH="0" baseline="0">
+                <a:ln>
+                  <a:noFill/>
+                </a:ln>
+                <a:solidFill>
+                  <a:srgbClr val="000000"/>
+                </a:solidFill>
+                <a:effectLst/>
+                <a:uFillTx/>
+                <a:latin typeface="Times New Roman"/>
+                <a:ea typeface="Times New Roman"/>
+                <a:cs typeface="Times New Roman"/>
+                <a:sym typeface="Times New Roman"/>
+              </a:defRPr>
+            </a:lvl3pPr>
+            <a:lvl4pPr marL="0" marR="0" indent="1371600" algn="l" defTabSz="457200" rtl="0" fontAlgn="auto" latinLnBrk="0" hangingPunct="0">
+              <a:lnSpc>
+                <a:spcPct val="100000"/>
+              </a:lnSpc>
+              <a:spcBef>
+                <a:spcPts val="0"/>
+              </a:spcBef>
+              <a:spcAft>
+                <a:spcPts val="0"/>
+              </a:spcAft>
+              <a:buClrTx/>
+              <a:buSzTx/>
+              <a:buFontTx/>
+              <a:buNone/>
+              <a:tabLst/>
+              <a:defRPr kumimoji="0" sz="1800" b="0" i="0" u="none" strike="noStrike" cap="none" spc="0" normalizeH="0" baseline="0">
+                <a:ln>
+                  <a:noFill/>
+                </a:ln>
+                <a:solidFill>
+                  <a:srgbClr val="000000"/>
+                </a:solidFill>
+                <a:effectLst/>
+                <a:uFillTx/>
+                <a:latin typeface="Times New Roman"/>
+                <a:ea typeface="Times New Roman"/>
+                <a:cs typeface="Times New Roman"/>
+                <a:sym typeface="Times New Roman"/>
+              </a:defRPr>
+            </a:lvl4pPr>
+            <a:lvl5pPr marL="0" marR="0" indent="1828800" algn="l" defTabSz="457200" rtl="0" fontAlgn="auto" latinLnBrk="0" hangingPunct="0">
+              <a:lnSpc>
+                <a:spcPct val="100000"/>
+              </a:lnSpc>
+              <a:spcBef>
+                <a:spcPts val="0"/>
+              </a:spcBef>
+              <a:spcAft>
+                <a:spcPts val="0"/>
+              </a:spcAft>
+              <a:buClrTx/>
+              <a:buSzTx/>
+              <a:buFontTx/>
+              <a:buNone/>
+              <a:tabLst/>
+              <a:defRPr kumimoji="0" sz="1800" b="0" i="0" u="none" strike="noStrike" cap="none" spc="0" normalizeH="0" baseline="0">
+                <a:ln>
+                  <a:noFill/>
+                </a:ln>
+                <a:solidFill>
+                  <a:srgbClr val="000000"/>
+                </a:solidFill>
+                <a:effectLst/>
+                <a:uFillTx/>
+                <a:latin typeface="Times New Roman"/>
+                <a:ea typeface="Times New Roman"/>
+                <a:cs typeface="Times New Roman"/>
+                <a:sym typeface="Times New Roman"/>
+              </a:defRPr>
+            </a:lvl5pPr>
+            <a:lvl6pPr marL="0" marR="0" indent="2286000" algn="l" defTabSz="457200" rtl="0" fontAlgn="auto" latinLnBrk="0" hangingPunct="0">
+              <a:lnSpc>
+                <a:spcPct val="100000"/>
+              </a:lnSpc>
+              <a:spcBef>
+                <a:spcPts val="0"/>
+              </a:spcBef>
+              <a:spcAft>
+                <a:spcPts val="0"/>
+              </a:spcAft>
+              <a:buClrTx/>
+              <a:buSzTx/>
+              <a:buFontTx/>
+              <a:buNone/>
+              <a:tabLst/>
+              <a:defRPr kumimoji="0" sz="1800" b="0" i="0" u="none" strike="noStrike" cap="none" spc="0" normalizeH="0" baseline="0">
+                <a:ln>
+                  <a:noFill/>
+                </a:ln>
+                <a:solidFill>
+                  <a:srgbClr val="000000"/>
+                </a:solidFill>
+                <a:effectLst/>
+                <a:uFillTx/>
+                <a:latin typeface="Times New Roman"/>
+                <a:ea typeface="Times New Roman"/>
+                <a:cs typeface="Times New Roman"/>
+                <a:sym typeface="Times New Roman"/>
+              </a:defRPr>
+            </a:lvl6pPr>
+            <a:lvl7pPr marL="0" marR="0" indent="2743200" algn="l" defTabSz="457200" rtl="0" fontAlgn="auto" latinLnBrk="0" hangingPunct="0">
+              <a:lnSpc>
+                <a:spcPct val="100000"/>
+              </a:lnSpc>
+              <a:spcBef>
+                <a:spcPts val="0"/>
+              </a:spcBef>
+              <a:spcAft>
+                <a:spcPts val="0"/>
+              </a:spcAft>
+              <a:buClrTx/>
+              <a:buSzTx/>
+              <a:buFontTx/>
+              <a:buNone/>
+              <a:tabLst/>
+              <a:defRPr kumimoji="0" sz="1800" b="0" i="0" u="none" strike="noStrike" cap="none" spc="0" normalizeH="0" baseline="0">
+                <a:ln>
+                  <a:noFill/>
+                </a:ln>
+                <a:solidFill>
+                  <a:srgbClr val="000000"/>
+                </a:solidFill>
+                <a:effectLst/>
+                <a:uFillTx/>
+                <a:latin typeface="Times New Roman"/>
+                <a:ea typeface="Times New Roman"/>
+                <a:cs typeface="Times New Roman"/>
+                <a:sym typeface="Times New Roman"/>
+              </a:defRPr>
+            </a:lvl7pPr>
+            <a:lvl8pPr marL="0" marR="0" indent="3200400" algn="l" defTabSz="457200" rtl="0" fontAlgn="auto" latinLnBrk="0" hangingPunct="0">
+              <a:lnSpc>
+                <a:spcPct val="100000"/>
+              </a:lnSpc>
+              <a:spcBef>
+                <a:spcPts val="0"/>
+              </a:spcBef>
+              <a:spcAft>
+                <a:spcPts val="0"/>
+              </a:spcAft>
+              <a:buClrTx/>
+              <a:buSzTx/>
+              <a:buFontTx/>
+              <a:buNone/>
+              <a:tabLst/>
+              <a:defRPr kumimoji="0" sz="1800" b="0" i="0" u="none" strike="noStrike" cap="none" spc="0" normalizeH="0" baseline="0">
+                <a:ln>
+                  <a:noFill/>
+                </a:ln>
+                <a:solidFill>
+                  <a:srgbClr val="000000"/>
+                </a:solidFill>
+                <a:effectLst/>
+                <a:uFillTx/>
+                <a:latin typeface="Times New Roman"/>
+                <a:ea typeface="Times New Roman"/>
+                <a:cs typeface="Times New Roman"/>
+                <a:sym typeface="Times New Roman"/>
+              </a:defRPr>
+            </a:lvl8pPr>
+            <a:lvl9pPr marL="0" marR="0" indent="3657600" algn="l" defTabSz="457200" rtl="0" fontAlgn="auto" latinLnBrk="0" hangingPunct="0">
+              <a:lnSpc>
+                <a:spcPct val="100000"/>
+              </a:lnSpc>
+              <a:spcBef>
+                <a:spcPts val="0"/>
+              </a:spcBef>
+              <a:spcAft>
+                <a:spcPts val="0"/>
+              </a:spcAft>
+              <a:buClrTx/>
+              <a:buSzTx/>
+              <a:buFontTx/>
+              <a:buNone/>
+              <a:tabLst/>
+              <a:defRPr kumimoji="0" sz="1800" b="0" i="0" u="none" strike="noStrike" cap="none" spc="0" normalizeH="0" baseline="0">
+                <a:ln>
+                  <a:noFill/>
+                </a:ln>
+                <a:solidFill>
+                  <a:srgbClr val="000000"/>
+                </a:solidFill>
+                <a:effectLst/>
+                <a:uFillTx/>
+                <a:latin typeface="Times New Roman"/>
+                <a:ea typeface="Times New Roman"/>
+                <a:cs typeface="Times New Roman"/>
+                <a:sym typeface="Times New Roman"/>
+              </a:defRPr>
+            </a:lvl9pPr>
+          </a:lstStyle>
+          <a:p>
+            <a:fld id="{86CB4B4D-7CA3-9044-876B-883B54F8677D}" type="slidenum">
+              <a:rPr lang="en-US" smtClean="0"/>
+              <a:pPr/>
+              <a:t>15</a:t>
+            </a:fld>
+            <a:endParaRPr lang="en-US" dirty="0"/>
+          </a:p>
+        </p:txBody>
+      </p:sp>
+    </p:spTree>
+    <p:extLst>
+      <p:ext uri="{BB962C8B-B14F-4D97-AF65-F5344CB8AC3E}">
+        <p14:creationId xmlns:p14="http://schemas.microsoft.com/office/powerpoint/2010/main" val="1854621619"/>
+      </p:ext>
+    </p:extLst>
+  </p:cSld>
+  <p:clrMapOvr>
+    <a:masterClrMapping/>
+  </p:clrMapOvr>
+</p:sld>
+</file>
+
+<file path=ppt/slides/slide16.xml><?xml version="1.0" encoding="utf-8"?>
+<p:sld xmlns:a="http://schemas.openxmlformats.org/drawingml/2006/main" xmlns:r="http://schemas.openxmlformats.org/officeDocument/2006/relationships" xmlns:p="http://schemas.openxmlformats.org/presentationml/2006/main">
+  <p:cSld>
+    <p:spTree>
+      <p:nvGrpSpPr>
+        <p:cNvPr id="1" name=""/>
+        <p:cNvGrpSpPr/>
+        <p:nvPr/>
+      </p:nvGrpSpPr>
+      <p:grpSpPr>
+        <a:xfrm>
+          <a:off x="0" y="0"/>
+          <a:ext cx="0" cy="0"/>
+          <a:chOff x="0" y="0"/>
+          <a:chExt cx="0" cy="0"/>
+        </a:xfrm>
+      </p:grpSpPr>
+      <p:sp>
+        <p:nvSpPr>
+          <p:cNvPr id="2" name="Title 1">
+            <a:extLst>
+              <a:ext uri="{FF2B5EF4-FFF2-40B4-BE49-F238E27FC236}">
+                <a16:creationId xmlns:a16="http://schemas.microsoft.com/office/drawing/2014/main" id="{83C69284-6E44-4938-A96A-15FE70022A9E}"/>
+              </a:ext>
+            </a:extLst>
+          </p:cNvPr>
+          <p:cNvSpPr>
+            <a:spLocks noGrp="1"/>
+          </p:cNvSpPr>
+          <p:nvPr>
+            <p:ph type="title"/>
+          </p:nvPr>
+        </p:nvSpPr>
+        <p:spPr>
+          <a:xfrm>
+            <a:off x="-5964" y="255285"/>
+            <a:ext cx="9166762" cy="685494"/>
+          </a:xfrm>
+        </p:spPr>
+        <p:txBody>
+          <a:bodyPr/>
+          <a:lstStyle/>
+          <a:p>
+            <a:r>
+              <a:rPr lang="en-US" dirty="0"/>
+              <a:t>Go Term enrichment analysis</a:t>
+            </a:r>
+          </a:p>
+        </p:txBody>
+      </p:sp>
+      <p:sp>
+        <p:nvSpPr>
+          <p:cNvPr id="3" name="Text Placeholder 2">
+            <a:extLst>
+              <a:ext uri="{FF2B5EF4-FFF2-40B4-BE49-F238E27FC236}">
+                <a16:creationId xmlns:a16="http://schemas.microsoft.com/office/drawing/2014/main" id="{9307E5EB-FABB-43AC-AB85-181D009CA16C}"/>
+              </a:ext>
+            </a:extLst>
+          </p:cNvPr>
+          <p:cNvSpPr>
+            <a:spLocks noGrp="1"/>
+          </p:cNvSpPr>
+          <p:nvPr>
+            <p:ph type="body" idx="1"/>
+          </p:nvPr>
+        </p:nvSpPr>
+        <p:spPr>
+          <a:xfrm>
+            <a:off x="457200" y="1092632"/>
+            <a:ext cx="8229600" cy="2650210"/>
+          </a:xfrm>
+        </p:spPr>
+        <p:txBody>
+          <a:bodyPr/>
+          <a:lstStyle/>
+          <a:p>
+            <a:r>
+              <a:rPr lang="en-US" dirty="0"/>
+              <a:t>Calculate the enrichment that represents the amount to which the </a:t>
+            </a:r>
+            <a:r>
+              <a:rPr lang="en-US" b="1" dirty="0"/>
+              <a:t>genes in the set are over-represented</a:t>
+            </a:r>
+            <a:r>
+              <a:rPr lang="en-US" dirty="0"/>
+              <a:t>.</a:t>
+            </a:r>
+          </a:p>
+          <a:p>
+            <a:r>
+              <a:rPr lang="en-US" dirty="0"/>
+              <a:t>Estimate the </a:t>
+            </a:r>
+            <a:r>
+              <a:rPr lang="en-US" b="1" dirty="0"/>
+              <a:t>statistical significance </a:t>
+            </a:r>
+            <a:r>
+              <a:rPr lang="en-US" dirty="0"/>
+              <a:t>of the enrichment using a hypergeometric test</a:t>
+            </a:r>
+          </a:p>
+          <a:p>
+            <a:r>
+              <a:rPr lang="en-US" b="1" dirty="0"/>
+              <a:t>Adjust for multiple hypothesis testing </a:t>
+            </a:r>
+            <a:r>
+              <a:rPr lang="en-US" dirty="0"/>
+              <a:t>for when a large number of gene sets are being analyzed at one time.</a:t>
+            </a:r>
+          </a:p>
+        </p:txBody>
+      </p:sp>
+      <p:sp>
+        <p:nvSpPr>
+          <p:cNvPr id="4" name="Slide Number Placeholder 3">
+            <a:extLst>
+              <a:ext uri="{FF2B5EF4-FFF2-40B4-BE49-F238E27FC236}">
+                <a16:creationId xmlns:a16="http://schemas.microsoft.com/office/drawing/2014/main" id="{1E03C8E0-818F-43CC-8BC7-E638A1D92ACF}"/>
+              </a:ext>
+            </a:extLst>
+          </p:cNvPr>
+          <p:cNvSpPr>
+            <a:spLocks noGrp="1"/>
+          </p:cNvSpPr>
+          <p:nvPr>
+            <p:ph type="sldNum" sz="quarter" idx="2"/>
+          </p:nvPr>
+        </p:nvSpPr>
+        <p:spPr>
+          <a:xfrm>
+            <a:off x="3673434" y="6442718"/>
+            <a:ext cx="2133600" cy="276999"/>
+          </a:xfrm>
+          <a:prstGeom prst="rect">
+            <a:avLst/>
+          </a:prstGeom>
+          <a:ln w="12700">
+            <a:miter lim="400000"/>
+          </a:ln>
+        </p:spPr>
+        <p:txBody>
+          <a:bodyPr lIns="45719" rIns="45719" anchor="ctr">
+            <a:spAutoFit/>
+          </a:bodyPr>
+          <a:lstStyle>
+            <a:defPPr marL="0" marR="0" indent="0" algn="l" defTabSz="914400" rtl="0" fontAlgn="auto" latinLnBrk="1" hangingPunct="0">
+              <a:lnSpc>
+                <a:spcPct val="100000"/>
+              </a:lnSpc>
+              <a:spcBef>
+                <a:spcPts val="0"/>
+              </a:spcBef>
+              <a:spcAft>
+                <a:spcPts val="0"/>
+              </a:spcAft>
+              <a:buClrTx/>
+              <a:buSzTx/>
+              <a:buFontTx/>
+              <a:buNone/>
+              <a:tabLst/>
+              <a:defRPr kumimoji="0" sz="1800" b="0" i="0" u="none" strike="noStrike" cap="none" spc="0" normalizeH="0" baseline="0">
+                <a:ln>
+                  <a:noFill/>
+                </a:ln>
+                <a:solidFill>
+                  <a:srgbClr val="000000"/>
+                </a:solidFill>
+                <a:effectLst/>
+                <a:uFillTx/>
+              </a:defRPr>
+            </a:defPPr>
+            <a:lvl1pPr marL="0" marR="0" indent="0" algn="ctr" defTabSz="457200" rtl="0" fontAlgn="auto" latinLnBrk="0" hangingPunct="0">
+              <a:lnSpc>
+                <a:spcPct val="100000"/>
+              </a:lnSpc>
+              <a:spcBef>
+                <a:spcPts val="0"/>
+              </a:spcBef>
+              <a:spcAft>
+                <a:spcPts val="0"/>
+              </a:spcAft>
+              <a:buClrTx/>
+              <a:buSzTx/>
+              <a:buFontTx/>
+              <a:buNone/>
+              <a:tabLst/>
+              <a:defRPr kumimoji="0" sz="1200" b="0" i="0" u="none" strike="noStrike" cap="none" spc="0" normalizeH="0" baseline="0">
+                <a:ln>
+                  <a:noFill/>
+                </a:ln>
+                <a:solidFill>
+                  <a:schemeClr val="bg1"/>
+                </a:solidFill>
+                <a:effectLst/>
+                <a:uFillTx/>
+                <a:latin typeface="Arial" panose="020B0604020202020204" pitchFamily="34" charset="0"/>
+                <a:ea typeface="Times New Roman"/>
+                <a:cs typeface="Arial" panose="020B0604020202020204" pitchFamily="34" charset="0"/>
+                <a:sym typeface="Times New Roman"/>
+              </a:defRPr>
+            </a:lvl1pPr>
+            <a:lvl2pPr marL="0" marR="0" indent="457200" algn="l" defTabSz="457200" rtl="0" fontAlgn="auto" latinLnBrk="0" hangingPunct="0">
+              <a:lnSpc>
+                <a:spcPct val="100000"/>
+              </a:lnSpc>
+              <a:spcBef>
+                <a:spcPts val="0"/>
+              </a:spcBef>
+              <a:spcAft>
+                <a:spcPts val="0"/>
+              </a:spcAft>
+              <a:buClrTx/>
+              <a:buSzTx/>
+              <a:buFontTx/>
+              <a:buNone/>
+              <a:tabLst/>
+              <a:defRPr kumimoji="0" sz="1800" b="0" i="0" u="none" strike="noStrike" cap="none" spc="0" normalizeH="0" baseline="0">
+                <a:ln>
+                  <a:noFill/>
+                </a:ln>
+                <a:solidFill>
+                  <a:srgbClr val="000000"/>
+                </a:solidFill>
+                <a:effectLst/>
+                <a:uFillTx/>
+                <a:latin typeface="Times New Roman"/>
+                <a:ea typeface="Times New Roman"/>
+                <a:cs typeface="Times New Roman"/>
+                <a:sym typeface="Times New Roman"/>
+              </a:defRPr>
+            </a:lvl2pPr>
+            <a:lvl3pPr marL="0" marR="0" indent="914400" algn="l" defTabSz="457200" rtl="0" fontAlgn="auto" latinLnBrk="0" hangingPunct="0">
+              <a:lnSpc>
+                <a:spcPct val="100000"/>
+              </a:lnSpc>
+              <a:spcBef>
+                <a:spcPts val="0"/>
+              </a:spcBef>
+              <a:spcAft>
+                <a:spcPts val="0"/>
+              </a:spcAft>
+              <a:buClrTx/>
+              <a:buSzTx/>
+              <a:buFontTx/>
+              <a:buNone/>
+              <a:tabLst/>
+              <a:defRPr kumimoji="0" sz="1800" b="0" i="0" u="none" strike="noStrike" cap="none" spc="0" normalizeH="0" baseline="0">
+                <a:ln>
+                  <a:noFill/>
+                </a:ln>
+                <a:solidFill>
+                  <a:srgbClr val="000000"/>
+                </a:solidFill>
+                <a:effectLst/>
+                <a:uFillTx/>
+                <a:latin typeface="Times New Roman"/>
+                <a:ea typeface="Times New Roman"/>
+                <a:cs typeface="Times New Roman"/>
+                <a:sym typeface="Times New Roman"/>
+              </a:defRPr>
+            </a:lvl3pPr>
+            <a:lvl4pPr marL="0" marR="0" indent="1371600" algn="l" defTabSz="457200" rtl="0" fontAlgn="auto" latinLnBrk="0" hangingPunct="0">
+              <a:lnSpc>
+                <a:spcPct val="100000"/>
+              </a:lnSpc>
+              <a:spcBef>
+                <a:spcPts val="0"/>
+              </a:spcBef>
+              <a:spcAft>
+                <a:spcPts val="0"/>
+              </a:spcAft>
+              <a:buClrTx/>
+              <a:buSzTx/>
+              <a:buFontTx/>
+              <a:buNone/>
+              <a:tabLst/>
+              <a:defRPr kumimoji="0" sz="1800" b="0" i="0" u="none" strike="noStrike" cap="none" spc="0" normalizeH="0" baseline="0">
+                <a:ln>
+                  <a:noFill/>
+                </a:ln>
+                <a:solidFill>
+                  <a:srgbClr val="000000"/>
+                </a:solidFill>
+                <a:effectLst/>
+                <a:uFillTx/>
+                <a:latin typeface="Times New Roman"/>
+                <a:ea typeface="Times New Roman"/>
+                <a:cs typeface="Times New Roman"/>
+                <a:sym typeface="Times New Roman"/>
+              </a:defRPr>
+            </a:lvl4pPr>
+            <a:lvl5pPr marL="0" marR="0" indent="1828800" algn="l" defTabSz="457200" rtl="0" fontAlgn="auto" latinLnBrk="0" hangingPunct="0">
+              <a:lnSpc>
+                <a:spcPct val="100000"/>
+              </a:lnSpc>
+              <a:spcBef>
+                <a:spcPts val="0"/>
+              </a:spcBef>
+              <a:spcAft>
+                <a:spcPts val="0"/>
+              </a:spcAft>
+              <a:buClrTx/>
+              <a:buSzTx/>
+              <a:buFontTx/>
+              <a:buNone/>
+              <a:tabLst/>
+              <a:defRPr kumimoji="0" sz="1800" b="0" i="0" u="none" strike="noStrike" cap="none" spc="0" normalizeH="0" baseline="0">
+                <a:ln>
+                  <a:noFill/>
+                </a:ln>
+                <a:solidFill>
+                  <a:srgbClr val="000000"/>
+                </a:solidFill>
+                <a:effectLst/>
+                <a:uFillTx/>
+                <a:latin typeface="Times New Roman"/>
+                <a:ea typeface="Times New Roman"/>
+                <a:cs typeface="Times New Roman"/>
+                <a:sym typeface="Times New Roman"/>
+              </a:defRPr>
+            </a:lvl5pPr>
+            <a:lvl6pPr marL="0" marR="0" indent="2286000" algn="l" defTabSz="457200" rtl="0" fontAlgn="auto" latinLnBrk="0" hangingPunct="0">
+              <a:lnSpc>
+                <a:spcPct val="100000"/>
+              </a:lnSpc>
+              <a:spcBef>
+                <a:spcPts val="0"/>
+              </a:spcBef>
+              <a:spcAft>
+                <a:spcPts val="0"/>
+              </a:spcAft>
+              <a:buClrTx/>
+              <a:buSzTx/>
+              <a:buFontTx/>
+              <a:buNone/>
+              <a:tabLst/>
+              <a:defRPr kumimoji="0" sz="1800" b="0" i="0" u="none" strike="noStrike" cap="none" spc="0" normalizeH="0" baseline="0">
+                <a:ln>
+                  <a:noFill/>
+                </a:ln>
+                <a:solidFill>
+                  <a:srgbClr val="000000"/>
+                </a:solidFill>
+                <a:effectLst/>
+                <a:uFillTx/>
+                <a:latin typeface="Times New Roman"/>
+                <a:ea typeface="Times New Roman"/>
+                <a:cs typeface="Times New Roman"/>
+                <a:sym typeface="Times New Roman"/>
+              </a:defRPr>
+            </a:lvl6pPr>
+            <a:lvl7pPr marL="0" marR="0" indent="2743200" algn="l" defTabSz="457200" rtl="0" fontAlgn="auto" latinLnBrk="0" hangingPunct="0">
+              <a:lnSpc>
+                <a:spcPct val="100000"/>
+              </a:lnSpc>
+              <a:spcBef>
+                <a:spcPts val="0"/>
+              </a:spcBef>
+              <a:spcAft>
+                <a:spcPts val="0"/>
+              </a:spcAft>
+              <a:buClrTx/>
+              <a:buSzTx/>
+              <a:buFontTx/>
+              <a:buNone/>
+              <a:tabLst/>
+              <a:defRPr kumimoji="0" sz="1800" b="0" i="0" u="none" strike="noStrike" cap="none" spc="0" normalizeH="0" baseline="0">
+                <a:ln>
+                  <a:noFill/>
+                </a:ln>
+                <a:solidFill>
+                  <a:srgbClr val="000000"/>
+                </a:solidFill>
+                <a:effectLst/>
+                <a:uFillTx/>
+                <a:latin typeface="Times New Roman"/>
+                <a:ea typeface="Times New Roman"/>
+                <a:cs typeface="Times New Roman"/>
+                <a:sym typeface="Times New Roman"/>
+              </a:defRPr>
+            </a:lvl7pPr>
+            <a:lvl8pPr marL="0" marR="0" indent="3200400" algn="l" defTabSz="457200" rtl="0" fontAlgn="auto" latinLnBrk="0" hangingPunct="0">
+              <a:lnSpc>
+                <a:spcPct val="100000"/>
+              </a:lnSpc>
+              <a:spcBef>
+                <a:spcPts val="0"/>
+              </a:spcBef>
+              <a:spcAft>
+                <a:spcPts val="0"/>
+              </a:spcAft>
+              <a:buClrTx/>
+              <a:buSzTx/>
+              <a:buFontTx/>
+              <a:buNone/>
+              <a:tabLst/>
+              <a:defRPr kumimoji="0" sz="1800" b="0" i="0" u="none" strike="noStrike" cap="none" spc="0" normalizeH="0" baseline="0">
+                <a:ln>
+                  <a:noFill/>
+                </a:ln>
+                <a:solidFill>
+                  <a:srgbClr val="000000"/>
+                </a:solidFill>
+                <a:effectLst/>
+                <a:uFillTx/>
+                <a:latin typeface="Times New Roman"/>
+                <a:ea typeface="Times New Roman"/>
+                <a:cs typeface="Times New Roman"/>
+                <a:sym typeface="Times New Roman"/>
+              </a:defRPr>
+            </a:lvl8pPr>
+            <a:lvl9pPr marL="0" marR="0" indent="3657600" algn="l" defTabSz="457200" rtl="0" fontAlgn="auto" latinLnBrk="0" hangingPunct="0">
+              <a:lnSpc>
+                <a:spcPct val="100000"/>
+              </a:lnSpc>
+              <a:spcBef>
+                <a:spcPts val="0"/>
+              </a:spcBef>
+              <a:spcAft>
+                <a:spcPts val="0"/>
+              </a:spcAft>
+              <a:buClrTx/>
+              <a:buSzTx/>
+              <a:buFontTx/>
+              <a:buNone/>
+              <a:tabLst/>
+              <a:defRPr kumimoji="0" sz="1800" b="0" i="0" u="none" strike="noStrike" cap="none" spc="0" normalizeH="0" baseline="0">
+                <a:ln>
+                  <a:noFill/>
+                </a:ln>
+                <a:solidFill>
+                  <a:srgbClr val="000000"/>
+                </a:solidFill>
+                <a:effectLst/>
+                <a:uFillTx/>
+                <a:latin typeface="Times New Roman"/>
+                <a:ea typeface="Times New Roman"/>
+                <a:cs typeface="Times New Roman"/>
+                <a:sym typeface="Times New Roman"/>
+              </a:defRPr>
+            </a:lvl9pPr>
+          </a:lstStyle>
+          <a:p>
+            <a:fld id="{86CB4B4D-7CA3-9044-876B-883B54F8677D}" type="slidenum">
+              <a:rPr lang="en-US" smtClean="0"/>
+              <a:pPr/>
+              <a:t>16</a:t>
+            </a:fld>
+            <a:endParaRPr lang="en-US" dirty="0"/>
+          </a:p>
+        </p:txBody>
+      </p:sp>
+    </p:spTree>
+    <p:extLst>
+      <p:ext uri="{BB962C8B-B14F-4D97-AF65-F5344CB8AC3E}">
+        <p14:creationId xmlns:p14="http://schemas.microsoft.com/office/powerpoint/2010/main" val="3586108948"/>
+      </p:ext>
+    </p:extLst>
+  </p:cSld>
+  <p:clrMapOvr>
+    <a:masterClrMapping/>
+  </p:clrMapOvr>
+</p:sld>
+</file>
+
+<file path=ppt/slides/slide2.xml><?xml version="1.0" encoding="utf-8"?>
+<p:sld xmlns:a="http://schemas.openxmlformats.org/drawingml/2006/main" xmlns:r="http://schemas.openxmlformats.org/officeDocument/2006/relationships" xmlns:p="http://schemas.openxmlformats.org/presentationml/2006/main">
+  <p:cSld>
+    <p:spTree>
+      <p:nvGrpSpPr>
+        <p:cNvPr id="1" name=""/>
+        <p:cNvGrpSpPr/>
+        <p:nvPr/>
+      </p:nvGrpSpPr>
+      <p:grpSpPr>
+        <a:xfrm>
+          <a:off x="0" y="0"/>
+          <a:ext cx="0" cy="0"/>
+          <a:chOff x="0" y="0"/>
+          <a:chExt cx="0" cy="0"/>
+        </a:xfrm>
+      </p:grpSpPr>
+      <p:sp>
+        <p:nvSpPr>
+          <p:cNvPr id="2" name="Title 1">
+            <a:extLst>
+              <a:ext uri="{FF2B5EF4-FFF2-40B4-BE49-F238E27FC236}">
+                <a16:creationId xmlns:a16="http://schemas.microsoft.com/office/drawing/2014/main" id="{0F372F53-A49F-4345-BC33-A1043137A77C}"/>
+              </a:ext>
+            </a:extLst>
+          </p:cNvPr>
+          <p:cNvSpPr>
+            <a:spLocks noGrp="1"/>
+          </p:cNvSpPr>
+          <p:nvPr>
+            <p:ph type="title"/>
+          </p:nvPr>
+        </p:nvSpPr>
+        <p:spPr/>
+        <p:txBody>
+          <a:bodyPr/>
+          <a:lstStyle/>
+          <a:p>
+            <a:r>
+              <a:rPr lang="en-US" dirty="0"/>
+              <a:t>Learning objectives</a:t>
+            </a:r>
+          </a:p>
+        </p:txBody>
+      </p:sp>
+      <p:sp>
+        <p:nvSpPr>
+          <p:cNvPr id="3" name="Text Placeholder 2">
+            <a:extLst>
+              <a:ext uri="{FF2B5EF4-FFF2-40B4-BE49-F238E27FC236}">
+                <a16:creationId xmlns:a16="http://schemas.microsoft.com/office/drawing/2014/main" id="{3E39FB69-0BA8-463D-A887-77250A52906D}"/>
+              </a:ext>
+            </a:extLst>
+          </p:cNvPr>
+          <p:cNvSpPr>
+            <a:spLocks noGrp="1"/>
+          </p:cNvSpPr>
+          <p:nvPr>
+            <p:ph type="body" idx="1"/>
+          </p:nvPr>
+        </p:nvSpPr>
+        <p:spPr/>
+        <p:txBody>
+          <a:bodyPr/>
+          <a:lstStyle/>
+          <a:p>
+            <a:r>
+              <a:rPr lang="en-US" dirty="0"/>
+              <a:t>By the end of the exercise, you should be able to: </a:t>
+            </a:r>
+          </a:p>
+          <a:p>
+            <a:pPr marL="514350" indent="-514350">
+              <a:buFont typeface="+mj-lt"/>
+              <a:buAutoNum type="arabicPeriod"/>
+            </a:pPr>
+            <a:r>
+              <a:rPr lang="en-US" sz="2800" dirty="0"/>
+              <a:t>Perform and interpret a “standard” differential gene expression analysis</a:t>
+            </a:r>
+          </a:p>
+          <a:p>
+            <a:pPr marL="514350" indent="-514350">
+              <a:buFont typeface="+mj-lt"/>
+              <a:buAutoNum type="arabicPeriod"/>
+            </a:pPr>
+            <a:r>
+              <a:rPr lang="en-US" sz="2800" dirty="0"/>
+              <a:t>Understand how fold-changes and p-values are used to select genes for further study</a:t>
+            </a:r>
+          </a:p>
+          <a:p>
+            <a:pPr marL="514350" indent="-514350">
+              <a:buFont typeface="+mj-lt"/>
+              <a:buAutoNum type="arabicPeriod"/>
+            </a:pPr>
+            <a:r>
+              <a:rPr lang="en-US" sz="2800" dirty="0"/>
+              <a:t>Be aware of some of the pitfalls associated with RNA-</a:t>
+            </a:r>
+            <a:r>
+              <a:rPr lang="en-US" sz="2800" dirty="0" err="1"/>
+              <a:t>seq</a:t>
+            </a:r>
+            <a:r>
+              <a:rPr lang="en-US" sz="2800" dirty="0"/>
+              <a:t> analysis</a:t>
+            </a:r>
+          </a:p>
+        </p:txBody>
+      </p:sp>
+      <p:sp>
+        <p:nvSpPr>
+          <p:cNvPr id="6" name="Slide Number Placeholder 5">
+            <a:extLst>
+              <a:ext uri="{FF2B5EF4-FFF2-40B4-BE49-F238E27FC236}">
+                <a16:creationId xmlns:a16="http://schemas.microsoft.com/office/drawing/2014/main" id="{826D258C-8A5D-44E1-B3A4-2863C32DD1FD}"/>
+              </a:ext>
+            </a:extLst>
+          </p:cNvPr>
+          <p:cNvSpPr>
+            <a:spLocks noGrp="1"/>
+          </p:cNvSpPr>
+          <p:nvPr>
+            <p:ph type="sldNum" sz="quarter" idx="2"/>
+          </p:nvPr>
+        </p:nvSpPr>
+        <p:spPr>
+          <a:xfrm>
+            <a:off x="3673434" y="6442718"/>
+            <a:ext cx="2133600" cy="276999"/>
+          </a:xfrm>
+          <a:prstGeom prst="rect">
+            <a:avLst/>
+          </a:prstGeom>
+          <a:ln w="12700">
+            <a:miter lim="400000"/>
+          </a:ln>
+        </p:spPr>
+        <p:txBody>
+          <a:bodyPr lIns="45719" rIns="45719" anchor="ctr">
+            <a:spAutoFit/>
+          </a:bodyPr>
+          <a:lstStyle>
+            <a:defPPr marL="0" marR="0" indent="0" algn="l" defTabSz="914400" rtl="0" fontAlgn="auto" latinLnBrk="1" hangingPunct="0">
+              <a:lnSpc>
+                <a:spcPct val="100000"/>
+              </a:lnSpc>
+              <a:spcBef>
+                <a:spcPts val="0"/>
+              </a:spcBef>
+              <a:spcAft>
+                <a:spcPts val="0"/>
+              </a:spcAft>
+              <a:buClrTx/>
+              <a:buSzTx/>
+              <a:buFontTx/>
+              <a:buNone/>
+              <a:tabLst/>
+              <a:defRPr kumimoji="0" sz="1800" b="0" i="0" u="none" strike="noStrike" cap="none" spc="0" normalizeH="0" baseline="0">
+                <a:ln>
+                  <a:noFill/>
+                </a:ln>
+                <a:solidFill>
+                  <a:srgbClr val="000000"/>
+                </a:solidFill>
+                <a:effectLst/>
+                <a:uFillTx/>
+              </a:defRPr>
+            </a:defPPr>
+            <a:lvl1pPr marL="0" marR="0" indent="0" algn="ctr" defTabSz="457200" rtl="0" fontAlgn="auto" latinLnBrk="0" hangingPunct="0">
+              <a:lnSpc>
+                <a:spcPct val="100000"/>
+              </a:lnSpc>
+              <a:spcBef>
+                <a:spcPts val="0"/>
+              </a:spcBef>
+              <a:spcAft>
+                <a:spcPts val="0"/>
+              </a:spcAft>
+              <a:buClrTx/>
+              <a:buSzTx/>
+              <a:buFontTx/>
+              <a:buNone/>
+              <a:tabLst/>
+              <a:defRPr kumimoji="0" sz="1200" b="0" i="0" u="none" strike="noStrike" cap="none" spc="0" normalizeH="0" baseline="0">
+                <a:ln>
+                  <a:noFill/>
+                </a:ln>
+                <a:solidFill>
+                  <a:schemeClr val="bg1"/>
+                </a:solidFill>
+                <a:effectLst/>
+                <a:uFillTx/>
+                <a:latin typeface="Arial" panose="020B0604020202020204" pitchFamily="34" charset="0"/>
+                <a:ea typeface="Times New Roman"/>
+                <a:cs typeface="Arial" panose="020B0604020202020204" pitchFamily="34" charset="0"/>
+                <a:sym typeface="Times New Roman"/>
+              </a:defRPr>
+            </a:lvl1pPr>
+            <a:lvl2pPr marL="0" marR="0" indent="457200" algn="l" defTabSz="457200" rtl="0" fontAlgn="auto" latinLnBrk="0" hangingPunct="0">
+              <a:lnSpc>
+                <a:spcPct val="100000"/>
+              </a:lnSpc>
+              <a:spcBef>
+                <a:spcPts val="0"/>
+              </a:spcBef>
+              <a:spcAft>
+                <a:spcPts val="0"/>
+              </a:spcAft>
+              <a:buClrTx/>
+              <a:buSzTx/>
+              <a:buFontTx/>
+              <a:buNone/>
+              <a:tabLst/>
+              <a:defRPr kumimoji="0" sz="1800" b="0" i="0" u="none" strike="noStrike" cap="none" spc="0" normalizeH="0" baseline="0">
+                <a:ln>
+                  <a:noFill/>
+                </a:ln>
+                <a:solidFill>
+                  <a:srgbClr val="000000"/>
+                </a:solidFill>
+                <a:effectLst/>
+                <a:uFillTx/>
+                <a:latin typeface="Times New Roman"/>
+                <a:ea typeface="Times New Roman"/>
+                <a:cs typeface="Times New Roman"/>
+                <a:sym typeface="Times New Roman"/>
+              </a:defRPr>
+            </a:lvl2pPr>
+            <a:lvl3pPr marL="0" marR="0" indent="914400" algn="l" defTabSz="457200" rtl="0" fontAlgn="auto" latinLnBrk="0" hangingPunct="0">
+              <a:lnSpc>
+                <a:spcPct val="100000"/>
+              </a:lnSpc>
+              <a:spcBef>
+                <a:spcPts val="0"/>
+              </a:spcBef>
+              <a:spcAft>
+                <a:spcPts val="0"/>
+              </a:spcAft>
+              <a:buClrTx/>
+              <a:buSzTx/>
+              <a:buFontTx/>
+              <a:buNone/>
+              <a:tabLst/>
+              <a:defRPr kumimoji="0" sz="1800" b="0" i="0" u="none" strike="noStrike" cap="none" spc="0" normalizeH="0" baseline="0">
+                <a:ln>
+                  <a:noFill/>
+                </a:ln>
+                <a:solidFill>
+                  <a:srgbClr val="000000"/>
+                </a:solidFill>
+                <a:effectLst/>
+                <a:uFillTx/>
+                <a:latin typeface="Times New Roman"/>
+                <a:ea typeface="Times New Roman"/>
+                <a:cs typeface="Times New Roman"/>
+                <a:sym typeface="Times New Roman"/>
+              </a:defRPr>
+            </a:lvl3pPr>
+            <a:lvl4pPr marL="0" marR="0" indent="1371600" algn="l" defTabSz="457200" rtl="0" fontAlgn="auto" latinLnBrk="0" hangingPunct="0">
+              <a:lnSpc>
+                <a:spcPct val="100000"/>
+              </a:lnSpc>
+              <a:spcBef>
+                <a:spcPts val="0"/>
+              </a:spcBef>
+              <a:spcAft>
+                <a:spcPts val="0"/>
+              </a:spcAft>
+              <a:buClrTx/>
+              <a:buSzTx/>
+              <a:buFontTx/>
+              <a:buNone/>
+              <a:tabLst/>
+              <a:defRPr kumimoji="0" sz="1800" b="0" i="0" u="none" strike="noStrike" cap="none" spc="0" normalizeH="0" baseline="0">
+                <a:ln>
+                  <a:noFill/>
+                </a:ln>
+                <a:solidFill>
+                  <a:srgbClr val="000000"/>
+                </a:solidFill>
+                <a:effectLst/>
+                <a:uFillTx/>
+                <a:latin typeface="Times New Roman"/>
+                <a:ea typeface="Times New Roman"/>
+                <a:cs typeface="Times New Roman"/>
+                <a:sym typeface="Times New Roman"/>
+              </a:defRPr>
+            </a:lvl4pPr>
+            <a:lvl5pPr marL="0" marR="0" indent="1828800" algn="l" defTabSz="457200" rtl="0" fontAlgn="auto" latinLnBrk="0" hangingPunct="0">
+              <a:lnSpc>
+                <a:spcPct val="100000"/>
+              </a:lnSpc>
+              <a:spcBef>
+                <a:spcPts val="0"/>
+              </a:spcBef>
+              <a:spcAft>
+                <a:spcPts val="0"/>
+              </a:spcAft>
+              <a:buClrTx/>
+              <a:buSzTx/>
+              <a:buFontTx/>
+              <a:buNone/>
+              <a:tabLst/>
+              <a:defRPr kumimoji="0" sz="1800" b="0" i="0" u="none" strike="noStrike" cap="none" spc="0" normalizeH="0" baseline="0">
+                <a:ln>
+                  <a:noFill/>
+                </a:ln>
+                <a:solidFill>
+                  <a:srgbClr val="000000"/>
+                </a:solidFill>
+                <a:effectLst/>
+                <a:uFillTx/>
+                <a:latin typeface="Times New Roman"/>
+                <a:ea typeface="Times New Roman"/>
+                <a:cs typeface="Times New Roman"/>
+                <a:sym typeface="Times New Roman"/>
+              </a:defRPr>
+            </a:lvl5pPr>
+            <a:lvl6pPr marL="0" marR="0" indent="2286000" algn="l" defTabSz="457200" rtl="0" fontAlgn="auto" latinLnBrk="0" hangingPunct="0">
+              <a:lnSpc>
+                <a:spcPct val="100000"/>
+              </a:lnSpc>
+              <a:spcBef>
+                <a:spcPts val="0"/>
+              </a:spcBef>
+              <a:spcAft>
+                <a:spcPts val="0"/>
+              </a:spcAft>
+              <a:buClrTx/>
+              <a:buSzTx/>
+              <a:buFontTx/>
+              <a:buNone/>
+              <a:tabLst/>
+              <a:defRPr kumimoji="0" sz="1800" b="0" i="0" u="none" strike="noStrike" cap="none" spc="0" normalizeH="0" baseline="0">
+                <a:ln>
+                  <a:noFill/>
+                </a:ln>
+                <a:solidFill>
+                  <a:srgbClr val="000000"/>
+                </a:solidFill>
+                <a:effectLst/>
+                <a:uFillTx/>
+                <a:latin typeface="Times New Roman"/>
+                <a:ea typeface="Times New Roman"/>
+                <a:cs typeface="Times New Roman"/>
+                <a:sym typeface="Times New Roman"/>
+              </a:defRPr>
+            </a:lvl6pPr>
+            <a:lvl7pPr marL="0" marR="0" indent="2743200" algn="l" defTabSz="457200" rtl="0" fontAlgn="auto" latinLnBrk="0" hangingPunct="0">
+              <a:lnSpc>
+                <a:spcPct val="100000"/>
+              </a:lnSpc>
+              <a:spcBef>
+                <a:spcPts val="0"/>
+              </a:spcBef>
+              <a:spcAft>
+                <a:spcPts val="0"/>
+              </a:spcAft>
+              <a:buClrTx/>
+              <a:buSzTx/>
+              <a:buFontTx/>
+              <a:buNone/>
+              <a:tabLst/>
+              <a:defRPr kumimoji="0" sz="1800" b="0" i="0" u="none" strike="noStrike" cap="none" spc="0" normalizeH="0" baseline="0">
+                <a:ln>
+                  <a:noFill/>
+                </a:ln>
+                <a:solidFill>
+                  <a:srgbClr val="000000"/>
+                </a:solidFill>
+                <a:effectLst/>
+                <a:uFillTx/>
+                <a:latin typeface="Times New Roman"/>
+                <a:ea typeface="Times New Roman"/>
+                <a:cs typeface="Times New Roman"/>
+                <a:sym typeface="Times New Roman"/>
+              </a:defRPr>
+            </a:lvl7pPr>
+            <a:lvl8pPr marL="0" marR="0" indent="3200400" algn="l" defTabSz="457200" rtl="0" fontAlgn="auto" latinLnBrk="0" hangingPunct="0">
+              <a:lnSpc>
+                <a:spcPct val="100000"/>
+              </a:lnSpc>
+              <a:spcBef>
+                <a:spcPts val="0"/>
+              </a:spcBef>
+              <a:spcAft>
+                <a:spcPts val="0"/>
+              </a:spcAft>
+              <a:buClrTx/>
+              <a:buSzTx/>
+              <a:buFontTx/>
+              <a:buNone/>
+              <a:tabLst/>
+              <a:defRPr kumimoji="0" sz="1800" b="0" i="0" u="none" strike="noStrike" cap="none" spc="0" normalizeH="0" baseline="0">
+                <a:ln>
+                  <a:noFill/>
+                </a:ln>
+                <a:solidFill>
+                  <a:srgbClr val="000000"/>
+                </a:solidFill>
+                <a:effectLst/>
+                <a:uFillTx/>
+                <a:latin typeface="Times New Roman"/>
+                <a:ea typeface="Times New Roman"/>
+                <a:cs typeface="Times New Roman"/>
+                <a:sym typeface="Times New Roman"/>
+              </a:defRPr>
+            </a:lvl8pPr>
+            <a:lvl9pPr marL="0" marR="0" indent="3657600" algn="l" defTabSz="457200" rtl="0" fontAlgn="auto" latinLnBrk="0" hangingPunct="0">
+              <a:lnSpc>
+                <a:spcPct val="100000"/>
+              </a:lnSpc>
+              <a:spcBef>
+                <a:spcPts val="0"/>
+              </a:spcBef>
+              <a:spcAft>
+                <a:spcPts val="0"/>
+              </a:spcAft>
+              <a:buClrTx/>
+              <a:buSzTx/>
+              <a:buFontTx/>
+              <a:buNone/>
+              <a:tabLst/>
+              <a:defRPr kumimoji="0" sz="1800" b="0" i="0" u="none" strike="noStrike" cap="none" spc="0" normalizeH="0" baseline="0">
+                <a:ln>
+                  <a:noFill/>
+                </a:ln>
+                <a:solidFill>
+                  <a:srgbClr val="000000"/>
+                </a:solidFill>
+                <a:effectLst/>
+                <a:uFillTx/>
+                <a:latin typeface="Times New Roman"/>
+                <a:ea typeface="Times New Roman"/>
+                <a:cs typeface="Times New Roman"/>
+                <a:sym typeface="Times New Roman"/>
+              </a:defRPr>
+            </a:lvl9pPr>
+          </a:lstStyle>
+          <a:p>
+            <a:fld id="{86CB4B4D-7CA3-9044-876B-883B54F8677D}" type="slidenum">
+              <a:rPr lang="en-US" smtClean="0"/>
+              <a:pPr/>
+              <a:t>2</a:t>
+            </a:fld>
+            <a:endParaRPr lang="en-US" dirty="0"/>
+          </a:p>
+        </p:txBody>
+      </p:sp>
+    </p:spTree>
+    <p:extLst>
+      <p:ext uri="{BB962C8B-B14F-4D97-AF65-F5344CB8AC3E}">
+        <p14:creationId xmlns:p14="http://schemas.microsoft.com/office/powerpoint/2010/main" val="2611329709"/>
+      </p:ext>
+    </p:extLst>
+  </p:cSld>
+  <p:clrMapOvr>
+    <a:masterClrMapping/>
+  </p:clrMapOvr>
+</p:sld>
+</file>
+
+<file path=ppt/slides/slide3.xml><?xml version="1.0" encoding="utf-8"?>
+<p:sld xmlns:a="http://schemas.openxmlformats.org/drawingml/2006/main" xmlns:r="http://schemas.openxmlformats.org/officeDocument/2006/relationships" xmlns:p="http://schemas.openxmlformats.org/presentationml/2006/main">
+  <p:cSld>
+    <p:spTree>
+      <p:nvGrpSpPr>
+        <p:cNvPr id="1" name=""/>
+        <p:cNvGrpSpPr/>
+        <p:nvPr/>
+      </p:nvGrpSpPr>
+      <p:grpSpPr>
+        <a:xfrm>
+          <a:off x="0" y="0"/>
+          <a:ext cx="0" cy="0"/>
+          <a:chOff x="0" y="0"/>
+          <a:chExt cx="0" cy="0"/>
+        </a:xfrm>
+      </p:grpSpPr>
+      <p:sp>
+        <p:nvSpPr>
+          <p:cNvPr id="2" name="Title 1">
+            <a:extLst>
+              <a:ext uri="{FF2B5EF4-FFF2-40B4-BE49-F238E27FC236}">
+                <a16:creationId xmlns:a16="http://schemas.microsoft.com/office/drawing/2014/main" id="{32109A50-850C-45C4-B0F3-17FBB38F9C26}"/>
+              </a:ext>
+            </a:extLst>
+          </p:cNvPr>
+          <p:cNvSpPr>
+            <a:spLocks noGrp="1"/>
+          </p:cNvSpPr>
+          <p:nvPr>
+            <p:ph type="title"/>
+          </p:nvPr>
+        </p:nvSpPr>
+        <p:spPr/>
+        <p:txBody>
+          <a:bodyPr/>
+          <a:lstStyle/>
+          <a:p>
+            <a:r>
+              <a:rPr lang="en-US" dirty="0"/>
+              <a:t>Exercise Outline</a:t>
+            </a:r>
+          </a:p>
+        </p:txBody>
+      </p:sp>
+      <p:sp>
+        <p:nvSpPr>
+          <p:cNvPr id="3" name="Text Placeholder 2">
+            <a:extLst>
+              <a:ext uri="{FF2B5EF4-FFF2-40B4-BE49-F238E27FC236}">
+                <a16:creationId xmlns:a16="http://schemas.microsoft.com/office/drawing/2014/main" id="{84FB73E4-0E2D-4827-BDF2-D7363DD61BAE}"/>
+              </a:ext>
+            </a:extLst>
+          </p:cNvPr>
+          <p:cNvSpPr>
+            <a:spLocks noGrp="1"/>
+          </p:cNvSpPr>
+          <p:nvPr>
+            <p:ph type="body" idx="1"/>
+          </p:nvPr>
+        </p:nvSpPr>
+        <p:spPr>
+          <a:xfrm>
+            <a:off x="457201" y="1145601"/>
+            <a:ext cx="8333420" cy="5044607"/>
+          </a:xfrm>
+        </p:spPr>
+        <p:txBody>
+          <a:bodyPr/>
+          <a:lstStyle/>
+          <a:p>
+            <a:pPr marL="457200" indent="-457200">
+              <a:buFont typeface="+mj-lt"/>
+              <a:buAutoNum type="arabicPeriod"/>
+            </a:pPr>
+            <a:r>
+              <a:rPr lang="en-US" sz="2400" dirty="0"/>
+              <a:t>Normalize and visualize gene count data (using Principal Component Analysis) </a:t>
+            </a:r>
+          </a:p>
+          <a:p>
+            <a:pPr marL="457200" indent="-457200">
+              <a:buFont typeface="+mj-lt"/>
+              <a:buAutoNum type="arabicPeriod"/>
+            </a:pPr>
+            <a:r>
+              <a:rPr lang="en-US" sz="2400" dirty="0"/>
+              <a:t>Perform differential expression analysis of stress vs. control condition (using a negative binomial model)</a:t>
+            </a:r>
+          </a:p>
+          <a:p>
+            <a:pPr marL="457200" indent="-457200">
+              <a:buFont typeface="+mj-lt"/>
+              <a:buAutoNum type="arabicPeriod"/>
+            </a:pPr>
+            <a:r>
+              <a:rPr lang="en-US" sz="2400" dirty="0"/>
+              <a:t>Visualize and interpret results (using multiple methods)</a:t>
+            </a:r>
+          </a:p>
+          <a:p>
+            <a:pPr marL="457200" indent="-457200">
+              <a:buFont typeface="+mj-lt"/>
+              <a:buAutoNum type="arabicPeriod"/>
+            </a:pPr>
+            <a:r>
+              <a:rPr lang="en-US" sz="2400" dirty="0"/>
+              <a:t>Perform Gene Ontology Term (GO-Term) Enrichment Analysis to find biological processes associated with the stress condition</a:t>
+            </a:r>
+          </a:p>
+        </p:txBody>
+      </p:sp>
+      <p:sp>
+        <p:nvSpPr>
+          <p:cNvPr id="6" name="Slide Number Placeholder 5">
+            <a:extLst>
+              <a:ext uri="{FF2B5EF4-FFF2-40B4-BE49-F238E27FC236}">
+                <a16:creationId xmlns:a16="http://schemas.microsoft.com/office/drawing/2014/main" id="{16C08FFF-7645-4B63-B42D-777C7D980589}"/>
+              </a:ext>
+            </a:extLst>
+          </p:cNvPr>
+          <p:cNvSpPr>
+            <a:spLocks noGrp="1"/>
+          </p:cNvSpPr>
+          <p:nvPr>
+            <p:ph type="sldNum" sz="quarter" idx="2"/>
+          </p:nvPr>
+        </p:nvSpPr>
+        <p:spPr>
+          <a:xfrm>
+            <a:off x="3673434" y="6442718"/>
+            <a:ext cx="2133600" cy="276999"/>
+          </a:xfrm>
+          <a:prstGeom prst="rect">
+            <a:avLst/>
+          </a:prstGeom>
+          <a:ln w="12700">
+            <a:miter lim="400000"/>
+          </a:ln>
+        </p:spPr>
+        <p:txBody>
+          <a:bodyPr lIns="45719" rIns="45719" anchor="ctr">
+            <a:spAutoFit/>
+          </a:bodyPr>
+          <a:lstStyle>
+            <a:defPPr marL="0" marR="0" indent="0" algn="l" defTabSz="914400" rtl="0" fontAlgn="auto" latinLnBrk="1" hangingPunct="0">
+              <a:lnSpc>
+                <a:spcPct val="100000"/>
+              </a:lnSpc>
+              <a:spcBef>
+                <a:spcPts val="0"/>
+              </a:spcBef>
+              <a:spcAft>
+                <a:spcPts val="0"/>
+              </a:spcAft>
+              <a:buClrTx/>
+              <a:buSzTx/>
+              <a:buFontTx/>
+              <a:buNone/>
+              <a:tabLst/>
+              <a:defRPr kumimoji="0" sz="1800" b="0" i="0" u="none" strike="noStrike" cap="none" spc="0" normalizeH="0" baseline="0">
+                <a:ln>
+                  <a:noFill/>
+                </a:ln>
+                <a:solidFill>
+                  <a:srgbClr val="000000"/>
+                </a:solidFill>
+                <a:effectLst/>
+                <a:uFillTx/>
+              </a:defRPr>
+            </a:defPPr>
+            <a:lvl1pPr marL="0" marR="0" indent="0" algn="ctr" defTabSz="457200" rtl="0" fontAlgn="auto" latinLnBrk="0" hangingPunct="0">
+              <a:lnSpc>
+                <a:spcPct val="100000"/>
+              </a:lnSpc>
+              <a:spcBef>
+                <a:spcPts val="0"/>
+              </a:spcBef>
+              <a:spcAft>
+                <a:spcPts val="0"/>
+              </a:spcAft>
+              <a:buClrTx/>
+              <a:buSzTx/>
+              <a:buFontTx/>
+              <a:buNone/>
+              <a:tabLst/>
+              <a:defRPr kumimoji="0" sz="1200" b="0" i="0" u="none" strike="noStrike" cap="none" spc="0" normalizeH="0" baseline="0">
+                <a:ln>
+                  <a:noFill/>
+                </a:ln>
+                <a:solidFill>
+                  <a:schemeClr val="bg1"/>
+                </a:solidFill>
+                <a:effectLst/>
+                <a:uFillTx/>
+                <a:latin typeface="Arial" panose="020B0604020202020204" pitchFamily="34" charset="0"/>
+                <a:ea typeface="Times New Roman"/>
+                <a:cs typeface="Arial" panose="020B0604020202020204" pitchFamily="34" charset="0"/>
+                <a:sym typeface="Times New Roman"/>
+              </a:defRPr>
+            </a:lvl1pPr>
+            <a:lvl2pPr marL="0" marR="0" indent="457200" algn="l" defTabSz="457200" rtl="0" fontAlgn="auto" latinLnBrk="0" hangingPunct="0">
+              <a:lnSpc>
+                <a:spcPct val="100000"/>
+              </a:lnSpc>
+              <a:spcBef>
+                <a:spcPts val="0"/>
+              </a:spcBef>
+              <a:spcAft>
+                <a:spcPts val="0"/>
+              </a:spcAft>
+              <a:buClrTx/>
+              <a:buSzTx/>
+              <a:buFontTx/>
+              <a:buNone/>
+              <a:tabLst/>
+              <a:defRPr kumimoji="0" sz="1800" b="0" i="0" u="none" strike="noStrike" cap="none" spc="0" normalizeH="0" baseline="0">
+                <a:ln>
+                  <a:noFill/>
+                </a:ln>
+                <a:solidFill>
+                  <a:srgbClr val="000000"/>
+                </a:solidFill>
+                <a:effectLst/>
+                <a:uFillTx/>
+                <a:latin typeface="Times New Roman"/>
+                <a:ea typeface="Times New Roman"/>
+                <a:cs typeface="Times New Roman"/>
+                <a:sym typeface="Times New Roman"/>
+              </a:defRPr>
+            </a:lvl2pPr>
+            <a:lvl3pPr marL="0" marR="0" indent="914400" algn="l" defTabSz="457200" rtl="0" fontAlgn="auto" latinLnBrk="0" hangingPunct="0">
+              <a:lnSpc>
+                <a:spcPct val="100000"/>
+              </a:lnSpc>
+              <a:spcBef>
+                <a:spcPts val="0"/>
+              </a:spcBef>
+              <a:spcAft>
+                <a:spcPts val="0"/>
+              </a:spcAft>
+              <a:buClrTx/>
+              <a:buSzTx/>
+              <a:buFontTx/>
+              <a:buNone/>
+              <a:tabLst/>
+              <a:defRPr kumimoji="0" sz="1800" b="0" i="0" u="none" strike="noStrike" cap="none" spc="0" normalizeH="0" baseline="0">
+                <a:ln>
+                  <a:noFill/>
+                </a:ln>
+                <a:solidFill>
+                  <a:srgbClr val="000000"/>
+                </a:solidFill>
+                <a:effectLst/>
+                <a:uFillTx/>
+                <a:latin typeface="Times New Roman"/>
+                <a:ea typeface="Times New Roman"/>
+                <a:cs typeface="Times New Roman"/>
+                <a:sym typeface="Times New Roman"/>
+              </a:defRPr>
+            </a:lvl3pPr>
+            <a:lvl4pPr marL="0" marR="0" indent="1371600" algn="l" defTabSz="457200" rtl="0" fontAlgn="auto" latinLnBrk="0" hangingPunct="0">
+              <a:lnSpc>
+                <a:spcPct val="100000"/>
+              </a:lnSpc>
+              <a:spcBef>
+                <a:spcPts val="0"/>
+              </a:spcBef>
+              <a:spcAft>
+                <a:spcPts val="0"/>
+              </a:spcAft>
+              <a:buClrTx/>
+              <a:buSzTx/>
+              <a:buFontTx/>
+              <a:buNone/>
+              <a:tabLst/>
+              <a:defRPr kumimoji="0" sz="1800" b="0" i="0" u="none" strike="noStrike" cap="none" spc="0" normalizeH="0" baseline="0">
+                <a:ln>
+                  <a:noFill/>
+                </a:ln>
+                <a:solidFill>
+                  <a:srgbClr val="000000"/>
+                </a:solidFill>
+                <a:effectLst/>
+                <a:uFillTx/>
+                <a:latin typeface="Times New Roman"/>
+                <a:ea typeface="Times New Roman"/>
+                <a:cs typeface="Times New Roman"/>
+                <a:sym typeface="Times New Roman"/>
+              </a:defRPr>
+            </a:lvl4pPr>
+            <a:lvl5pPr marL="0" marR="0" indent="1828800" algn="l" defTabSz="457200" rtl="0" fontAlgn="auto" latinLnBrk="0" hangingPunct="0">
+              <a:lnSpc>
+                <a:spcPct val="100000"/>
+              </a:lnSpc>
+              <a:spcBef>
+                <a:spcPts val="0"/>
+              </a:spcBef>
+              <a:spcAft>
+                <a:spcPts val="0"/>
+              </a:spcAft>
+              <a:buClrTx/>
+              <a:buSzTx/>
+              <a:buFontTx/>
+              <a:buNone/>
+              <a:tabLst/>
+              <a:defRPr kumimoji="0" sz="1800" b="0" i="0" u="none" strike="noStrike" cap="none" spc="0" normalizeH="0" baseline="0">
+                <a:ln>
+                  <a:noFill/>
+                </a:ln>
+                <a:solidFill>
+                  <a:srgbClr val="000000"/>
+                </a:solidFill>
+                <a:effectLst/>
+                <a:uFillTx/>
+                <a:latin typeface="Times New Roman"/>
+                <a:ea typeface="Times New Roman"/>
+                <a:cs typeface="Times New Roman"/>
+                <a:sym typeface="Times New Roman"/>
+              </a:defRPr>
+            </a:lvl5pPr>
+            <a:lvl6pPr marL="0" marR="0" indent="2286000" algn="l" defTabSz="457200" rtl="0" fontAlgn="auto" latinLnBrk="0" hangingPunct="0">
+              <a:lnSpc>
+                <a:spcPct val="100000"/>
+              </a:lnSpc>
+              <a:spcBef>
+                <a:spcPts val="0"/>
+              </a:spcBef>
+              <a:spcAft>
+                <a:spcPts val="0"/>
+              </a:spcAft>
+              <a:buClrTx/>
+              <a:buSzTx/>
+              <a:buFontTx/>
+              <a:buNone/>
+              <a:tabLst/>
+              <a:defRPr kumimoji="0" sz="1800" b="0" i="0" u="none" strike="noStrike" cap="none" spc="0" normalizeH="0" baseline="0">
+                <a:ln>
+                  <a:noFill/>
+                </a:ln>
+                <a:solidFill>
+                  <a:srgbClr val="000000"/>
+                </a:solidFill>
+                <a:effectLst/>
+                <a:uFillTx/>
+                <a:latin typeface="Times New Roman"/>
+                <a:ea typeface="Times New Roman"/>
+                <a:cs typeface="Times New Roman"/>
+                <a:sym typeface="Times New Roman"/>
+              </a:defRPr>
+            </a:lvl6pPr>
+            <a:lvl7pPr marL="0" marR="0" indent="2743200" algn="l" defTabSz="457200" rtl="0" fontAlgn="auto" latinLnBrk="0" hangingPunct="0">
+              <a:lnSpc>
+                <a:spcPct val="100000"/>
+              </a:lnSpc>
+              <a:spcBef>
+                <a:spcPts val="0"/>
+              </a:spcBef>
+              <a:spcAft>
+                <a:spcPts val="0"/>
+              </a:spcAft>
+              <a:buClrTx/>
+              <a:buSzTx/>
+              <a:buFontTx/>
+              <a:buNone/>
+              <a:tabLst/>
+              <a:defRPr kumimoji="0" sz="1800" b="0" i="0" u="none" strike="noStrike" cap="none" spc="0" normalizeH="0" baseline="0">
+                <a:ln>
+                  <a:noFill/>
+                </a:ln>
+                <a:solidFill>
+                  <a:srgbClr val="000000"/>
+                </a:solidFill>
+                <a:effectLst/>
+                <a:uFillTx/>
+                <a:latin typeface="Times New Roman"/>
+                <a:ea typeface="Times New Roman"/>
+                <a:cs typeface="Times New Roman"/>
+                <a:sym typeface="Times New Roman"/>
+              </a:defRPr>
+            </a:lvl7pPr>
+            <a:lvl8pPr marL="0" marR="0" indent="3200400" algn="l" defTabSz="457200" rtl="0" fontAlgn="auto" latinLnBrk="0" hangingPunct="0">
+              <a:lnSpc>
+                <a:spcPct val="100000"/>
+              </a:lnSpc>
+              <a:spcBef>
+                <a:spcPts val="0"/>
+              </a:spcBef>
+              <a:spcAft>
+                <a:spcPts val="0"/>
+              </a:spcAft>
+              <a:buClrTx/>
+              <a:buSzTx/>
+              <a:buFontTx/>
+              <a:buNone/>
+              <a:tabLst/>
+              <a:defRPr kumimoji="0" sz="1800" b="0" i="0" u="none" strike="noStrike" cap="none" spc="0" normalizeH="0" baseline="0">
+                <a:ln>
+                  <a:noFill/>
+                </a:ln>
+                <a:solidFill>
+                  <a:srgbClr val="000000"/>
+                </a:solidFill>
+                <a:effectLst/>
+                <a:uFillTx/>
+                <a:latin typeface="Times New Roman"/>
+                <a:ea typeface="Times New Roman"/>
+                <a:cs typeface="Times New Roman"/>
+                <a:sym typeface="Times New Roman"/>
+              </a:defRPr>
+            </a:lvl8pPr>
+            <a:lvl9pPr marL="0" marR="0" indent="3657600" algn="l" defTabSz="457200" rtl="0" fontAlgn="auto" latinLnBrk="0" hangingPunct="0">
+              <a:lnSpc>
+                <a:spcPct val="100000"/>
+              </a:lnSpc>
+              <a:spcBef>
+                <a:spcPts val="0"/>
+              </a:spcBef>
+              <a:spcAft>
+                <a:spcPts val="0"/>
+              </a:spcAft>
+              <a:buClrTx/>
+              <a:buSzTx/>
+              <a:buFontTx/>
+              <a:buNone/>
+              <a:tabLst/>
+              <a:defRPr kumimoji="0" sz="1800" b="0" i="0" u="none" strike="noStrike" cap="none" spc="0" normalizeH="0" baseline="0">
+                <a:ln>
+                  <a:noFill/>
+                </a:ln>
+                <a:solidFill>
+                  <a:srgbClr val="000000"/>
+                </a:solidFill>
+                <a:effectLst/>
+                <a:uFillTx/>
+                <a:latin typeface="Times New Roman"/>
+                <a:ea typeface="Times New Roman"/>
+                <a:cs typeface="Times New Roman"/>
+                <a:sym typeface="Times New Roman"/>
+              </a:defRPr>
+            </a:lvl9pPr>
+          </a:lstStyle>
+          <a:p>
+            <a:fld id="{86CB4B4D-7CA3-9044-876B-883B54F8677D}" type="slidenum">
+              <a:rPr lang="en-US" smtClean="0"/>
+              <a:pPr/>
+              <a:t>3</a:t>
+            </a:fld>
+            <a:endParaRPr lang="en-US" dirty="0"/>
+          </a:p>
+        </p:txBody>
+      </p:sp>
+    </p:spTree>
+    <p:extLst>
+      <p:ext uri="{BB962C8B-B14F-4D97-AF65-F5344CB8AC3E}">
+        <p14:creationId xmlns:p14="http://schemas.microsoft.com/office/powerpoint/2010/main" val="1865257681"/>
+      </p:ext>
+    </p:extLst>
+  </p:cSld>
+  <p:clrMapOvr>
+    <a:masterClrMapping/>
+  </p:clrMapOvr>
+</p:sld>
+</file>
+
+<file path=ppt/slides/slide4.xml><?xml version="1.0" encoding="utf-8"?>
+<p:sld xmlns:a="http://schemas.openxmlformats.org/drawingml/2006/main" xmlns:r="http://schemas.openxmlformats.org/officeDocument/2006/relationships" xmlns:p="http://schemas.openxmlformats.org/presentationml/2006/main">
+  <p:cSld>
+    <p:spTree>
+      <p:nvGrpSpPr>
+        <p:cNvPr id="1" name=""/>
+        <p:cNvGrpSpPr/>
+        <p:nvPr/>
+      </p:nvGrpSpPr>
+      <p:grpSpPr>
+        <a:xfrm>
+          <a:off x="0" y="0"/>
+          <a:ext cx="0" cy="0"/>
+          <a:chOff x="0" y="0"/>
+          <a:chExt cx="0" cy="0"/>
+        </a:xfrm>
+      </p:grpSpPr>
+      <p:sp>
+        <p:nvSpPr>
+          <p:cNvPr id="2" name="Title 1">
+            <a:extLst>
+              <a:ext uri="{FF2B5EF4-FFF2-40B4-BE49-F238E27FC236}">
+                <a16:creationId xmlns:a16="http://schemas.microsoft.com/office/drawing/2014/main" id="{0194B721-7149-4E0E-AD81-6ACBE16B2711}"/>
+              </a:ext>
+            </a:extLst>
+          </p:cNvPr>
+          <p:cNvSpPr>
+            <a:spLocks noGrp="1"/>
+          </p:cNvSpPr>
+          <p:nvPr>
+            <p:ph type="title"/>
+          </p:nvPr>
+        </p:nvSpPr>
+        <p:spPr/>
+        <p:txBody>
+          <a:bodyPr/>
+          <a:lstStyle/>
+          <a:p>
+            <a:r>
+              <a:rPr lang="sv-SE" dirty="0" err="1"/>
+              <a:t>Reponse</a:t>
+            </a:r>
+            <a:r>
+              <a:rPr lang="sv-SE" dirty="0"/>
+              <a:t> of </a:t>
+            </a:r>
+            <a:r>
+              <a:rPr lang="sv-SE" i="1" dirty="0"/>
+              <a:t>S. </a:t>
+            </a:r>
+            <a:r>
+              <a:rPr lang="sv-SE" i="1" dirty="0" err="1"/>
+              <a:t>cerevisae</a:t>
+            </a:r>
+            <a:r>
+              <a:rPr lang="sv-SE" dirty="0"/>
+              <a:t> to </a:t>
+            </a:r>
+            <a:r>
+              <a:rPr lang="sv-SE" dirty="0" err="1"/>
+              <a:t>various</a:t>
+            </a:r>
+            <a:r>
+              <a:rPr lang="sv-SE" dirty="0"/>
+              <a:t> stress </a:t>
+            </a:r>
+            <a:r>
+              <a:rPr lang="sv-SE" dirty="0" err="1"/>
+              <a:t>conditions</a:t>
+            </a:r>
+            <a:endParaRPr lang="sv-SE" dirty="0"/>
+          </a:p>
+        </p:txBody>
+      </p:sp>
+      <p:pic>
+        <p:nvPicPr>
+          <p:cNvPr id="11" name="Picture 10">
+            <a:extLst>
+              <a:ext uri="{FF2B5EF4-FFF2-40B4-BE49-F238E27FC236}">
+                <a16:creationId xmlns:a16="http://schemas.microsoft.com/office/drawing/2014/main" id="{68A1707C-E3EA-2346-BD8D-0ACD330E0C15}"/>
+              </a:ext>
+            </a:extLst>
+          </p:cNvPr>
+          <p:cNvPicPr>
+            <a:picLocks noChangeAspect="1"/>
+          </p:cNvPicPr>
+          <p:nvPr/>
+        </p:nvPicPr>
+        <p:blipFill>
+          <a:blip r:embed="rId3"/>
+          <a:stretch>
+            <a:fillRect/>
+          </a:stretch>
+        </p:blipFill>
+        <p:spPr>
+          <a:xfrm>
+            <a:off x="309837" y="1445610"/>
+            <a:ext cx="2806700" cy="2159000"/>
+          </a:xfrm>
+          <a:prstGeom prst="rect">
+            <a:avLst/>
+          </a:prstGeom>
+        </p:spPr>
+      </p:pic>
+      <p:pic>
+        <p:nvPicPr>
+          <p:cNvPr id="17" name="Picture 16">
+            <a:extLst>
+              <a:ext uri="{FF2B5EF4-FFF2-40B4-BE49-F238E27FC236}">
+                <a16:creationId xmlns:a16="http://schemas.microsoft.com/office/drawing/2014/main" id="{1F7FDC4F-5B3F-C546-BE3F-6854D5C19FBC}"/>
+              </a:ext>
+            </a:extLst>
+          </p:cNvPr>
+          <p:cNvPicPr>
+            <a:picLocks noChangeAspect="1"/>
+          </p:cNvPicPr>
+          <p:nvPr/>
+        </p:nvPicPr>
+        <p:blipFill>
+          <a:blip r:embed="rId4"/>
+          <a:stretch>
+            <a:fillRect/>
+          </a:stretch>
+        </p:blipFill>
+        <p:spPr>
+          <a:xfrm>
+            <a:off x="3257989" y="2052993"/>
+            <a:ext cx="5538952" cy="1376007"/>
+          </a:xfrm>
+          <a:prstGeom prst="rect">
+            <a:avLst/>
+          </a:prstGeom>
+        </p:spPr>
+      </p:pic>
+      <p:pic>
+        <p:nvPicPr>
+          <p:cNvPr id="19" name="Picture 18">
+            <a:extLst>
+              <a:ext uri="{FF2B5EF4-FFF2-40B4-BE49-F238E27FC236}">
+                <a16:creationId xmlns:a16="http://schemas.microsoft.com/office/drawing/2014/main" id="{F71ADFFD-461D-FE45-BC8B-64E1AB26E1B6}"/>
+              </a:ext>
+            </a:extLst>
+          </p:cNvPr>
+          <p:cNvPicPr>
+            <a:picLocks noChangeAspect="1"/>
+          </p:cNvPicPr>
+          <p:nvPr/>
+        </p:nvPicPr>
+        <p:blipFill>
+          <a:blip r:embed="rId5"/>
+          <a:stretch>
+            <a:fillRect/>
+          </a:stretch>
+        </p:blipFill>
+        <p:spPr>
+          <a:xfrm>
+            <a:off x="0" y="3604610"/>
+            <a:ext cx="3752721" cy="2501813"/>
+          </a:xfrm>
+          <a:prstGeom prst="rect">
+            <a:avLst/>
+          </a:prstGeom>
+        </p:spPr>
+      </p:pic>
+      <p:pic>
+        <p:nvPicPr>
+          <p:cNvPr id="21" name="Picture 20">
+            <a:extLst>
+              <a:ext uri="{FF2B5EF4-FFF2-40B4-BE49-F238E27FC236}">
+                <a16:creationId xmlns:a16="http://schemas.microsoft.com/office/drawing/2014/main" id="{F2C731F5-B26F-2E45-AFD4-A95AC5E89736}"/>
+              </a:ext>
+            </a:extLst>
+          </p:cNvPr>
+          <p:cNvPicPr>
+            <a:picLocks noChangeAspect="1"/>
+          </p:cNvPicPr>
+          <p:nvPr/>
+        </p:nvPicPr>
+        <p:blipFill>
+          <a:blip r:embed="rId6"/>
+          <a:stretch>
+            <a:fillRect/>
+          </a:stretch>
+        </p:blipFill>
+        <p:spPr>
+          <a:xfrm>
+            <a:off x="6396292" y="3737109"/>
+            <a:ext cx="2400650" cy="2400650"/>
+          </a:xfrm>
+          <a:prstGeom prst="rect">
+            <a:avLst/>
+          </a:prstGeom>
+        </p:spPr>
+      </p:pic>
+      <p:pic>
+        <p:nvPicPr>
+          <p:cNvPr id="23" name="Picture 22">
+            <a:extLst>
+              <a:ext uri="{FF2B5EF4-FFF2-40B4-BE49-F238E27FC236}">
+                <a16:creationId xmlns:a16="http://schemas.microsoft.com/office/drawing/2014/main" id="{30599348-6ABB-DA4B-8AE2-21A7669E00D6}"/>
+              </a:ext>
+            </a:extLst>
+          </p:cNvPr>
+          <p:cNvPicPr>
+            <a:picLocks noChangeAspect="1"/>
+          </p:cNvPicPr>
+          <p:nvPr/>
+        </p:nvPicPr>
+        <p:blipFill>
+          <a:blip r:embed="rId7"/>
+          <a:stretch>
+            <a:fillRect/>
+          </a:stretch>
+        </p:blipFill>
+        <p:spPr>
+          <a:xfrm>
+            <a:off x="3846479" y="3604610"/>
+            <a:ext cx="2533149" cy="2533149"/>
+          </a:xfrm>
+          <a:prstGeom prst="rect">
+            <a:avLst/>
+          </a:prstGeom>
+        </p:spPr>
+      </p:pic>
+      <p:sp>
+        <p:nvSpPr>
+          <p:cNvPr id="24" name="Title 1">
+            <a:extLst>
+              <a:ext uri="{FF2B5EF4-FFF2-40B4-BE49-F238E27FC236}">
+                <a16:creationId xmlns:a16="http://schemas.microsoft.com/office/drawing/2014/main" id="{0EB41356-8660-A748-ACC0-CA1E0A5D60EA}"/>
+              </a:ext>
+            </a:extLst>
+          </p:cNvPr>
+          <p:cNvSpPr txBox="1">
+            <a:spLocks/>
+          </p:cNvSpPr>
+          <p:nvPr/>
+        </p:nvSpPr>
+        <p:spPr>
+          <a:xfrm>
+            <a:off x="157874" y="6381374"/>
+            <a:ext cx="5917325" cy="354762"/>
+          </a:xfrm>
+          <a:prstGeom prst="rect">
+            <a:avLst/>
+          </a:prstGeom>
+        </p:spPr>
+        <p:txBody>
+          <a:bodyPr/>
+          <a:lstStyle>
+            <a:lvl1pPr algn="ctr" defTabSz="457200" rtl="0" eaLnBrk="1" latinLnBrk="0" hangingPunct="1">
+              <a:spcBef>
+                <a:spcPct val="0"/>
+              </a:spcBef>
+              <a:buNone/>
+              <a:defRPr sz="4000" b="0" i="0" kern="1200">
+                <a:solidFill>
+                  <a:srgbClr val="2A6AB2"/>
+                </a:solidFill>
+                <a:latin typeface="Akzidenz for Chalmers" pitchFamily="2" charset="0"/>
+                <a:ea typeface="+mj-ea"/>
+                <a:cs typeface="Arial"/>
+              </a:defRPr>
+            </a:lvl1pPr>
+          </a:lstStyle>
+          <a:p>
+            <a:pPr algn="l"/>
+            <a:r>
+              <a:rPr lang="en-US" sz="1800" dirty="0">
+                <a:solidFill>
+                  <a:schemeClr val="bg1"/>
+                </a:solidFill>
+                <a:hlinkClick r:id="rId8">
+                  <a:extLst>
+                    <a:ext uri="{A12FA001-AC4F-418D-AE19-62706E023703}">
+                      <ahyp:hlinkClr xmlns:ahyp="http://schemas.microsoft.com/office/drawing/2018/hyperlinkcolor" val="tx"/>
+                    </a:ext>
+                  </a:extLst>
+                </a:hlinkClick>
+              </a:rPr>
+              <a:t>https://www.biorxiv.org/content/10.1101/660274v1</a:t>
+            </a:r>
+            <a:endParaRPr lang="sv-SE" sz="1800" dirty="0">
+              <a:solidFill>
+                <a:schemeClr val="bg1"/>
+              </a:solidFill>
+            </a:endParaRPr>
+          </a:p>
+        </p:txBody>
+      </p:sp>
+    </p:spTree>
+    <p:extLst>
+      <p:ext uri="{BB962C8B-B14F-4D97-AF65-F5344CB8AC3E}">
+        <p14:creationId xmlns:p14="http://schemas.microsoft.com/office/powerpoint/2010/main" val="1415583108"/>
+      </p:ext>
+    </p:extLst>
+  </p:cSld>
+  <p:clrMapOvr>
+    <a:masterClrMapping/>
+  </p:clrMapOvr>
+  <p:timing>
+    <p:tnLst>
+      <p:par>
+        <p:cTn id="1" dur="indefinite" restart="never" nodeType="tmRoot">
+          <p:childTnLst>
+            <p:seq concurrent="1" nextAc="seek">
+              <p:cTn id="2" dur="indefinite" nodeType="mainSeq">
+                <p:childTnLst>
+                  <p:par>
+                    <p:cTn id="3" fill="hold">
+                      <p:stCondLst>
+                        <p:cond delay="indefinite"/>
+                      </p:stCondLst>
+                      <p:childTnLst>
+                        <p:par>
+                          <p:cTn id="4" fill="hold">
+                            <p:stCondLst>
+                              <p:cond delay="0"/>
+                            </p:stCondLst>
+                            <p:childTnLst>
+                              <p:par>
+                                <p:cTn id="5" presetID="1" presetClass="entr" presetSubtype="0" fill="hold" nodeType="clickEffect">
+                                  <p:stCondLst>
+                                    <p:cond delay="0"/>
+                                  </p:stCondLst>
+                                  <p:childTnLst>
+                                    <p:set>
+                                      <p:cBhvr>
+                                        <p:cTn id="6" dur="1" fill="hold">
+                                          <p:stCondLst>
+                                            <p:cond delay="0"/>
+                                          </p:stCondLst>
+                                        </p:cTn>
+                                        <p:tgtEl>
+                                          <p:spTgt spid="19"/>
+                                        </p:tgtEl>
+                                        <p:attrNameLst>
+                                          <p:attrName>style.visibility</p:attrName>
+                                        </p:attrNameLst>
+                                      </p:cBhvr>
+                                      <p:to>
+                                        <p:strVal val="visible"/>
+                                      </p:to>
+                                    </p:set>
+                                  </p:childTnLst>
+                                </p:cTn>
+                              </p:par>
+                            </p:childTnLst>
+                          </p:cTn>
+                        </p:par>
+                      </p:childTnLst>
+                    </p:cTn>
+                  </p:par>
+                  <p:par>
+                    <p:cTn id="7" fill="hold">
+                      <p:stCondLst>
+                        <p:cond delay="indefinite"/>
+                      </p:stCondLst>
+                      <p:childTnLst>
+                        <p:par>
+                          <p:cTn id="8" fill="hold">
+                            <p:stCondLst>
+                              <p:cond delay="0"/>
+                            </p:stCondLst>
+                            <p:childTnLst>
+                              <p:par>
+                                <p:cTn id="9" presetID="1" presetClass="entr" presetSubtype="0" fill="hold" nodeType="clickEffect">
+                                  <p:stCondLst>
+                                    <p:cond delay="0"/>
+                                  </p:stCondLst>
+                                  <p:childTnLst>
+                                    <p:set>
+                                      <p:cBhvr>
+                                        <p:cTn id="10" dur="1" fill="hold">
+                                          <p:stCondLst>
+                                            <p:cond delay="0"/>
+                                          </p:stCondLst>
+                                        </p:cTn>
+                                        <p:tgtEl>
+                                          <p:spTgt spid="23"/>
+                                        </p:tgtEl>
+                                        <p:attrNameLst>
+                                          <p:attrName>style.visibility</p:attrName>
+                                        </p:attrNameLst>
+                                      </p:cBhvr>
+                                      <p:to>
+                                        <p:strVal val="visible"/>
+                                      </p:to>
+                                    </p:set>
+                                  </p:childTnLst>
+                                </p:cTn>
+                              </p:par>
+                            </p:childTnLst>
+                          </p:cTn>
+                        </p:par>
+                      </p:childTnLst>
+                    </p:cTn>
+                  </p:par>
+                  <p:par>
+                    <p:cTn id="11" fill="hold">
+                      <p:stCondLst>
+                        <p:cond delay="indefinite"/>
+                      </p:stCondLst>
+                      <p:childTnLst>
+                        <p:par>
+                          <p:cTn id="12" fill="hold">
+                            <p:stCondLst>
+                              <p:cond delay="0"/>
+                            </p:stCondLst>
+                            <p:childTnLst>
+                              <p:par>
+                                <p:cTn id="13" presetID="1" presetClass="entr" presetSubtype="0" fill="hold" nodeType="clickEffect">
+                                  <p:stCondLst>
+                                    <p:cond delay="0"/>
+                                  </p:stCondLst>
+                                  <p:childTnLst>
+                                    <p:set>
+                                      <p:cBhvr>
+                                        <p:cTn id="14" dur="1" fill="hold">
+                                          <p:stCondLst>
+                                            <p:cond delay="0"/>
+                                          </p:stCondLst>
+                                        </p:cTn>
+                                        <p:tgtEl>
+                                          <p:spTgt spid="21"/>
+                                        </p:tgtEl>
+                                        <p:attrNameLst>
+                                          <p:attrName>style.visibility</p:attrName>
+                                        </p:attrNameLst>
+                                      </p:cBhvr>
+                                      <p:to>
+                                        <p:strVal val="visible"/>
+                                      </p:to>
+                                    </p:set>
+                                  </p:childTnLst>
+                                </p:cTn>
+                              </p:par>
+                            </p:childTnLst>
+                          </p:cTn>
+                        </p:par>
+                      </p:childTnLst>
+                    </p:cTn>
+                  </p:par>
+                </p:childTnLst>
+              </p:cTn>
+              <p:prevCondLst>
+                <p:cond evt="onPrev" delay="0">
+                  <p:tgtEl>
+                    <p:sldTgt/>
+                  </p:tgtEl>
+                </p:cond>
+              </p:prevCondLst>
+              <p:nextCondLst>
+                <p:cond evt="onNext" delay="0">
+                  <p:tgtEl>
+                    <p:sldTgt/>
+                  </p:tgtEl>
+                </p:cond>
+              </p:nextCondLst>
+            </p:seq>
+          </p:childTnLst>
+        </p:cTn>
+      </p:par>
+    </p:tnLst>
+  </p:timing>
+</p:sld>
+</file>
+
+<file path=ppt/slides/slide5.xml><?xml version="1.0" encoding="utf-8"?>
+<p:sld xmlns:a="http://schemas.openxmlformats.org/drawingml/2006/main" xmlns:r="http://schemas.openxmlformats.org/officeDocument/2006/relationships" xmlns:p="http://schemas.openxmlformats.org/presentationml/2006/main">
+  <p:cSld>
+    <p:spTree>
+      <p:nvGrpSpPr>
+        <p:cNvPr id="1" name=""/>
+        <p:cNvGrpSpPr/>
+        <p:nvPr/>
+      </p:nvGrpSpPr>
+      <p:grpSpPr>
+        <a:xfrm>
+          <a:off x="0" y="0"/>
+          <a:ext cx="0" cy="0"/>
+          <a:chOff x="0" y="0"/>
+          <a:chExt cx="0" cy="0"/>
+        </a:xfrm>
+      </p:grpSpPr>
+      <p:sp>
+        <p:nvSpPr>
+          <p:cNvPr id="2" name="Title 1">
+            <a:extLst>
+              <a:ext uri="{FF2B5EF4-FFF2-40B4-BE49-F238E27FC236}">
+                <a16:creationId xmlns:a16="http://schemas.microsoft.com/office/drawing/2014/main" id="{FAEF2E80-6C48-4601-A017-B2913668A38F}"/>
+              </a:ext>
+            </a:extLst>
+          </p:cNvPr>
+          <p:cNvSpPr>
+            <a:spLocks noGrp="1"/>
+          </p:cNvSpPr>
+          <p:nvPr>
+            <p:ph type="title"/>
+          </p:nvPr>
+        </p:nvSpPr>
+        <p:spPr/>
+        <p:txBody>
+          <a:bodyPr/>
+          <a:lstStyle/>
+          <a:p>
+            <a:r>
+              <a:rPr lang="en-US" dirty="0"/>
+              <a:t>Instructions</a:t>
+            </a:r>
+          </a:p>
+        </p:txBody>
+      </p:sp>
+      <p:sp>
+        <p:nvSpPr>
+          <p:cNvPr id="3" name="Text Placeholder 2">
+            <a:extLst>
+              <a:ext uri="{FF2B5EF4-FFF2-40B4-BE49-F238E27FC236}">
+                <a16:creationId xmlns:a16="http://schemas.microsoft.com/office/drawing/2014/main" id="{2224240E-E9C6-4CE9-99F6-54ABB1BF87CA}"/>
+              </a:ext>
+            </a:extLst>
+          </p:cNvPr>
+          <p:cNvSpPr>
+            <a:spLocks noGrp="1"/>
+          </p:cNvSpPr>
+          <p:nvPr>
+            <p:ph type="body" idx="1"/>
+          </p:nvPr>
+        </p:nvSpPr>
+        <p:spPr>
+          <a:xfrm>
+            <a:off x="457200" y="959178"/>
+            <a:ext cx="8229600" cy="5215379"/>
+          </a:xfrm>
+        </p:spPr>
+        <p:txBody>
+          <a:bodyPr/>
+          <a:lstStyle/>
+          <a:p>
+            <a:r>
+              <a:rPr lang="en-US" sz="2400" b="1" dirty="0"/>
+              <a:t>Perform </a:t>
+            </a:r>
+            <a:r>
+              <a:rPr lang="en-US" sz="2400" dirty="0"/>
+              <a:t>a differential gene expression analysis of a </a:t>
+            </a:r>
+            <a:r>
+              <a:rPr lang="en-US" sz="2400" dirty="0" err="1"/>
+              <a:t>RNAseq</a:t>
+            </a:r>
+            <a:r>
+              <a:rPr lang="en-US" sz="2400" dirty="0"/>
+              <a:t> experiment in a stress condition</a:t>
+            </a:r>
+          </a:p>
+          <a:p>
+            <a:r>
+              <a:rPr lang="en-US" sz="2400" b="1" dirty="0"/>
+              <a:t>Report </a:t>
+            </a:r>
+            <a:r>
+              <a:rPr lang="en-US" sz="2400" dirty="0"/>
+              <a:t>what stress condition you chose, how different is the stress to the control condition, and what and how many genes are differentially expressed</a:t>
+            </a:r>
+          </a:p>
+          <a:p>
+            <a:r>
+              <a:rPr lang="en-US" sz="2400" dirty="0"/>
+              <a:t>The </a:t>
+            </a:r>
+            <a:r>
+              <a:rPr lang="en-US" sz="2400" b="1" dirty="0"/>
+              <a:t>report template </a:t>
+            </a:r>
+            <a:r>
+              <a:rPr lang="en-US" sz="2400" dirty="0"/>
+              <a:t>(report_template.docx) is available on the course website in Exercise 1. </a:t>
+            </a:r>
+            <a:r>
+              <a:rPr lang="en-US" sz="2400" i="1" dirty="0"/>
+              <a:t>Use this format.</a:t>
+            </a:r>
+          </a:p>
+          <a:p>
+            <a:r>
+              <a:rPr lang="en-US" sz="2400" dirty="0"/>
+              <a:t>All the necessary MATLAB scripts and data for the exercise are available at: </a:t>
+            </a:r>
+            <a:r>
+              <a:rPr lang="en-US" sz="2400" dirty="0">
+                <a:hlinkClick r:id="rId2"/>
+              </a:rPr>
+              <a:t>https://github.com/SysBioChalmers/KMG060-Systems-Biology-course</a:t>
+            </a:r>
+            <a:endParaRPr lang="en-US" sz="2400" dirty="0"/>
+          </a:p>
+          <a:p>
+            <a:r>
+              <a:rPr lang="en-US" sz="2400" dirty="0"/>
+              <a:t>Download or clone the repository in your preferred working directory.</a:t>
+            </a:r>
+          </a:p>
+          <a:p>
+            <a:pPr marL="0" indent="0">
+              <a:buNone/>
+            </a:pPr>
+            <a:endParaRPr lang="en-US" sz="2400" dirty="0"/>
+          </a:p>
+          <a:p>
+            <a:pPr marL="0" indent="0">
+              <a:buNone/>
+            </a:pPr>
+            <a:endParaRPr lang="en-US" sz="2400" dirty="0"/>
+          </a:p>
+        </p:txBody>
+      </p:sp>
+      <p:sp>
+        <p:nvSpPr>
+          <p:cNvPr id="6" name="Slide Number Placeholder 5">
+            <a:extLst>
+              <a:ext uri="{FF2B5EF4-FFF2-40B4-BE49-F238E27FC236}">
+                <a16:creationId xmlns:a16="http://schemas.microsoft.com/office/drawing/2014/main" id="{5AE64499-9C0B-4079-A12B-5F5F183AFC2F}"/>
+              </a:ext>
+            </a:extLst>
+          </p:cNvPr>
+          <p:cNvSpPr>
+            <a:spLocks noGrp="1"/>
+          </p:cNvSpPr>
+          <p:nvPr>
+            <p:ph type="sldNum" sz="quarter" idx="2"/>
+          </p:nvPr>
+        </p:nvSpPr>
+        <p:spPr>
+          <a:xfrm>
+            <a:off x="3673434" y="6442718"/>
+            <a:ext cx="2133600" cy="276999"/>
+          </a:xfrm>
+          <a:prstGeom prst="rect">
+            <a:avLst/>
+          </a:prstGeom>
+          <a:ln w="12700">
+            <a:miter lim="400000"/>
+          </a:ln>
+        </p:spPr>
+        <p:txBody>
+          <a:bodyPr lIns="45719" rIns="45719" anchor="ctr">
+            <a:spAutoFit/>
+          </a:bodyPr>
+          <a:lstStyle>
+            <a:defPPr marL="0" marR="0" indent="0" algn="l" defTabSz="914400" rtl="0" fontAlgn="auto" latinLnBrk="1" hangingPunct="0">
+              <a:lnSpc>
+                <a:spcPct val="100000"/>
+              </a:lnSpc>
+              <a:spcBef>
+                <a:spcPts val="0"/>
+              </a:spcBef>
+              <a:spcAft>
+                <a:spcPts val="0"/>
+              </a:spcAft>
+              <a:buClrTx/>
+              <a:buSzTx/>
+              <a:buFontTx/>
+              <a:buNone/>
+              <a:tabLst/>
+              <a:defRPr kumimoji="0" sz="1800" b="0" i="0" u="none" strike="noStrike" cap="none" spc="0" normalizeH="0" baseline="0">
+                <a:ln>
+                  <a:noFill/>
+                </a:ln>
+                <a:solidFill>
+                  <a:srgbClr val="000000"/>
+                </a:solidFill>
+                <a:effectLst/>
+                <a:uFillTx/>
+              </a:defRPr>
+            </a:defPPr>
+            <a:lvl1pPr marL="0" marR="0" indent="0" algn="ctr" defTabSz="457200" rtl="0" fontAlgn="auto" latinLnBrk="0" hangingPunct="0">
+              <a:lnSpc>
+                <a:spcPct val="100000"/>
+              </a:lnSpc>
+              <a:spcBef>
+                <a:spcPts val="0"/>
+              </a:spcBef>
+              <a:spcAft>
+                <a:spcPts val="0"/>
+              </a:spcAft>
+              <a:buClrTx/>
+              <a:buSzTx/>
+              <a:buFontTx/>
+              <a:buNone/>
+              <a:tabLst/>
+              <a:defRPr kumimoji="0" sz="1200" b="0" i="0" u="none" strike="noStrike" cap="none" spc="0" normalizeH="0" baseline="0">
+                <a:ln>
+                  <a:noFill/>
+                </a:ln>
+                <a:solidFill>
+                  <a:schemeClr val="bg1"/>
+                </a:solidFill>
+                <a:effectLst/>
+                <a:uFillTx/>
+                <a:latin typeface="Arial" panose="020B0604020202020204" pitchFamily="34" charset="0"/>
+                <a:ea typeface="Times New Roman"/>
+                <a:cs typeface="Arial" panose="020B0604020202020204" pitchFamily="34" charset="0"/>
+                <a:sym typeface="Times New Roman"/>
+              </a:defRPr>
+            </a:lvl1pPr>
+            <a:lvl2pPr marL="0" marR="0" indent="457200" algn="l" defTabSz="457200" rtl="0" fontAlgn="auto" latinLnBrk="0" hangingPunct="0">
+              <a:lnSpc>
+                <a:spcPct val="100000"/>
+              </a:lnSpc>
+              <a:spcBef>
+                <a:spcPts val="0"/>
+              </a:spcBef>
+              <a:spcAft>
+                <a:spcPts val="0"/>
+              </a:spcAft>
+              <a:buClrTx/>
+              <a:buSzTx/>
+              <a:buFontTx/>
+              <a:buNone/>
+              <a:tabLst/>
+              <a:defRPr kumimoji="0" sz="1800" b="0" i="0" u="none" strike="noStrike" cap="none" spc="0" normalizeH="0" baseline="0">
+                <a:ln>
+                  <a:noFill/>
+                </a:ln>
+                <a:solidFill>
+                  <a:srgbClr val="000000"/>
+                </a:solidFill>
+                <a:effectLst/>
+                <a:uFillTx/>
+                <a:latin typeface="Times New Roman"/>
+                <a:ea typeface="Times New Roman"/>
+                <a:cs typeface="Times New Roman"/>
+                <a:sym typeface="Times New Roman"/>
+              </a:defRPr>
+            </a:lvl2pPr>
+            <a:lvl3pPr marL="0" marR="0" indent="914400" algn="l" defTabSz="457200" rtl="0" fontAlgn="auto" latinLnBrk="0" hangingPunct="0">
+              <a:lnSpc>
+                <a:spcPct val="100000"/>
+              </a:lnSpc>
+              <a:spcBef>
+                <a:spcPts val="0"/>
+              </a:spcBef>
+              <a:spcAft>
+                <a:spcPts val="0"/>
+              </a:spcAft>
+              <a:buClrTx/>
+              <a:buSzTx/>
+              <a:buFontTx/>
+              <a:buNone/>
+              <a:tabLst/>
+              <a:defRPr kumimoji="0" sz="1800" b="0" i="0" u="none" strike="noStrike" cap="none" spc="0" normalizeH="0" baseline="0">
+                <a:ln>
+                  <a:noFill/>
+                </a:ln>
+                <a:solidFill>
+                  <a:srgbClr val="000000"/>
+                </a:solidFill>
+                <a:effectLst/>
+                <a:uFillTx/>
+                <a:latin typeface="Times New Roman"/>
+                <a:ea typeface="Times New Roman"/>
+                <a:cs typeface="Times New Roman"/>
+                <a:sym typeface="Times New Roman"/>
+              </a:defRPr>
+            </a:lvl3pPr>
+            <a:lvl4pPr marL="0" marR="0" indent="1371600" algn="l" defTabSz="457200" rtl="0" fontAlgn="auto" latinLnBrk="0" hangingPunct="0">
+              <a:lnSpc>
+                <a:spcPct val="100000"/>
+              </a:lnSpc>
+              <a:spcBef>
+                <a:spcPts val="0"/>
+              </a:spcBef>
+              <a:spcAft>
+                <a:spcPts val="0"/>
+              </a:spcAft>
+              <a:buClrTx/>
+              <a:buSzTx/>
+              <a:buFontTx/>
+              <a:buNone/>
+              <a:tabLst/>
+              <a:defRPr kumimoji="0" sz="1800" b="0" i="0" u="none" strike="noStrike" cap="none" spc="0" normalizeH="0" baseline="0">
+                <a:ln>
+                  <a:noFill/>
+                </a:ln>
+                <a:solidFill>
+                  <a:srgbClr val="000000"/>
+                </a:solidFill>
+                <a:effectLst/>
+                <a:uFillTx/>
+                <a:latin typeface="Times New Roman"/>
+                <a:ea typeface="Times New Roman"/>
+                <a:cs typeface="Times New Roman"/>
+                <a:sym typeface="Times New Roman"/>
+              </a:defRPr>
+            </a:lvl4pPr>
+            <a:lvl5pPr marL="0" marR="0" indent="1828800" algn="l" defTabSz="457200" rtl="0" fontAlgn="auto" latinLnBrk="0" hangingPunct="0">
+              <a:lnSpc>
+                <a:spcPct val="100000"/>
+              </a:lnSpc>
+              <a:spcBef>
+                <a:spcPts val="0"/>
+              </a:spcBef>
+              <a:spcAft>
+                <a:spcPts val="0"/>
+              </a:spcAft>
+              <a:buClrTx/>
+              <a:buSzTx/>
+              <a:buFontTx/>
+              <a:buNone/>
+              <a:tabLst/>
+              <a:defRPr kumimoji="0" sz="1800" b="0" i="0" u="none" strike="noStrike" cap="none" spc="0" normalizeH="0" baseline="0">
+                <a:ln>
+                  <a:noFill/>
+                </a:ln>
+                <a:solidFill>
+                  <a:srgbClr val="000000"/>
+                </a:solidFill>
+                <a:effectLst/>
+                <a:uFillTx/>
+                <a:latin typeface="Times New Roman"/>
+                <a:ea typeface="Times New Roman"/>
+                <a:cs typeface="Times New Roman"/>
+                <a:sym typeface="Times New Roman"/>
+              </a:defRPr>
+            </a:lvl5pPr>
+            <a:lvl6pPr marL="0" marR="0" indent="2286000" algn="l" defTabSz="457200" rtl="0" fontAlgn="auto" latinLnBrk="0" hangingPunct="0">
+              <a:lnSpc>
+                <a:spcPct val="100000"/>
+              </a:lnSpc>
+              <a:spcBef>
+                <a:spcPts val="0"/>
+              </a:spcBef>
+              <a:spcAft>
+                <a:spcPts val="0"/>
+              </a:spcAft>
+              <a:buClrTx/>
+              <a:buSzTx/>
+              <a:buFontTx/>
+              <a:buNone/>
+              <a:tabLst/>
+              <a:defRPr kumimoji="0" sz="1800" b="0" i="0" u="none" strike="noStrike" cap="none" spc="0" normalizeH="0" baseline="0">
+                <a:ln>
+                  <a:noFill/>
+                </a:ln>
+                <a:solidFill>
+                  <a:srgbClr val="000000"/>
+                </a:solidFill>
+                <a:effectLst/>
+                <a:uFillTx/>
+                <a:latin typeface="Times New Roman"/>
+                <a:ea typeface="Times New Roman"/>
+                <a:cs typeface="Times New Roman"/>
+                <a:sym typeface="Times New Roman"/>
+              </a:defRPr>
+            </a:lvl6pPr>
+            <a:lvl7pPr marL="0" marR="0" indent="2743200" algn="l" defTabSz="457200" rtl="0" fontAlgn="auto" latinLnBrk="0" hangingPunct="0">
+              <a:lnSpc>
+                <a:spcPct val="100000"/>
+              </a:lnSpc>
+              <a:spcBef>
+                <a:spcPts val="0"/>
+              </a:spcBef>
+              <a:spcAft>
+                <a:spcPts val="0"/>
+              </a:spcAft>
+              <a:buClrTx/>
+              <a:buSzTx/>
+              <a:buFontTx/>
+              <a:buNone/>
+              <a:tabLst/>
+              <a:defRPr kumimoji="0" sz="1800" b="0" i="0" u="none" strike="noStrike" cap="none" spc="0" normalizeH="0" baseline="0">
+                <a:ln>
+                  <a:noFill/>
+                </a:ln>
+                <a:solidFill>
+                  <a:srgbClr val="000000"/>
+                </a:solidFill>
+                <a:effectLst/>
+                <a:uFillTx/>
+                <a:latin typeface="Times New Roman"/>
+                <a:ea typeface="Times New Roman"/>
+                <a:cs typeface="Times New Roman"/>
+                <a:sym typeface="Times New Roman"/>
+              </a:defRPr>
+            </a:lvl7pPr>
+            <a:lvl8pPr marL="0" marR="0" indent="3200400" algn="l" defTabSz="457200" rtl="0" fontAlgn="auto" latinLnBrk="0" hangingPunct="0">
+              <a:lnSpc>
+                <a:spcPct val="100000"/>
+              </a:lnSpc>
+              <a:spcBef>
+                <a:spcPts val="0"/>
+              </a:spcBef>
+              <a:spcAft>
+                <a:spcPts val="0"/>
+              </a:spcAft>
+              <a:buClrTx/>
+              <a:buSzTx/>
+              <a:buFontTx/>
+              <a:buNone/>
+              <a:tabLst/>
+              <a:defRPr kumimoji="0" sz="1800" b="0" i="0" u="none" strike="noStrike" cap="none" spc="0" normalizeH="0" baseline="0">
+                <a:ln>
+                  <a:noFill/>
+                </a:ln>
+                <a:solidFill>
+                  <a:srgbClr val="000000"/>
+                </a:solidFill>
+                <a:effectLst/>
+                <a:uFillTx/>
+                <a:latin typeface="Times New Roman"/>
+                <a:ea typeface="Times New Roman"/>
+                <a:cs typeface="Times New Roman"/>
+                <a:sym typeface="Times New Roman"/>
+              </a:defRPr>
+            </a:lvl8pPr>
+            <a:lvl9pPr marL="0" marR="0" indent="3657600" algn="l" defTabSz="457200" rtl="0" fontAlgn="auto" latinLnBrk="0" hangingPunct="0">
+              <a:lnSpc>
+                <a:spcPct val="100000"/>
+              </a:lnSpc>
+              <a:spcBef>
+                <a:spcPts val="0"/>
+              </a:spcBef>
+              <a:spcAft>
+                <a:spcPts val="0"/>
+              </a:spcAft>
+              <a:buClrTx/>
+              <a:buSzTx/>
+              <a:buFontTx/>
+              <a:buNone/>
+              <a:tabLst/>
+              <a:defRPr kumimoji="0" sz="1800" b="0" i="0" u="none" strike="noStrike" cap="none" spc="0" normalizeH="0" baseline="0">
+                <a:ln>
+                  <a:noFill/>
+                </a:ln>
+                <a:solidFill>
+                  <a:srgbClr val="000000"/>
+                </a:solidFill>
+                <a:effectLst/>
+                <a:uFillTx/>
+                <a:latin typeface="Times New Roman"/>
+                <a:ea typeface="Times New Roman"/>
+                <a:cs typeface="Times New Roman"/>
+                <a:sym typeface="Times New Roman"/>
+              </a:defRPr>
+            </a:lvl9pPr>
+          </a:lstStyle>
+          <a:p>
+            <a:fld id="{86CB4B4D-7CA3-9044-876B-883B54F8677D}" type="slidenum">
+              <a:rPr lang="en-US" smtClean="0"/>
+              <a:pPr/>
+              <a:t>5</a:t>
+            </a:fld>
+            <a:endParaRPr lang="en-US" dirty="0"/>
+          </a:p>
+        </p:txBody>
+      </p:sp>
+    </p:spTree>
+    <p:extLst>
+      <p:ext uri="{BB962C8B-B14F-4D97-AF65-F5344CB8AC3E}">
+        <p14:creationId xmlns:p14="http://schemas.microsoft.com/office/powerpoint/2010/main" val="3887133070"/>
+      </p:ext>
+    </p:extLst>
+  </p:cSld>
+  <p:clrMapOvr>
+    <a:masterClrMapping/>
+  </p:clrMapOvr>
+</p:sld>
+</file>
+
+<file path=ppt/slides/slide6.xml><?xml version="1.0" encoding="utf-8"?>
+<p:sld xmlns:a="http://schemas.openxmlformats.org/drawingml/2006/main" xmlns:r="http://schemas.openxmlformats.org/officeDocument/2006/relationships" xmlns:p="http://schemas.openxmlformats.org/presentationml/2006/main">
+  <p:cSld>
+    <p:spTree>
+      <p:nvGrpSpPr>
+        <p:cNvPr id="1" name=""/>
+        <p:cNvGrpSpPr/>
+        <p:nvPr/>
+      </p:nvGrpSpPr>
+      <p:grpSpPr>
+        <a:xfrm>
+          <a:off x="0" y="0"/>
+          <a:ext cx="0" cy="0"/>
+          <a:chOff x="0" y="0"/>
+          <a:chExt cx="0" cy="0"/>
+        </a:xfrm>
+      </p:grpSpPr>
+      <p:sp>
+        <p:nvSpPr>
+          <p:cNvPr id="2" name="Title 1">
+            <a:extLst>
+              <a:ext uri="{FF2B5EF4-FFF2-40B4-BE49-F238E27FC236}">
+                <a16:creationId xmlns:a16="http://schemas.microsoft.com/office/drawing/2014/main" id="{AA07D11E-BACC-4088-897F-011D635D0C8C}"/>
+              </a:ext>
+            </a:extLst>
+          </p:cNvPr>
+          <p:cNvSpPr>
+            <a:spLocks noGrp="1"/>
+          </p:cNvSpPr>
+          <p:nvPr>
+            <p:ph type="title"/>
+          </p:nvPr>
+        </p:nvSpPr>
+        <p:spPr/>
+        <p:txBody>
+          <a:bodyPr/>
+          <a:lstStyle/>
+          <a:p>
+            <a:r>
+              <a:rPr lang="en-US" dirty="0"/>
+              <a:t>Normalization</a:t>
+            </a:r>
+          </a:p>
+        </p:txBody>
+      </p:sp>
+      <p:sp>
+        <p:nvSpPr>
+          <p:cNvPr id="3" name="Content Placeholder 2">
+            <a:extLst>
+              <a:ext uri="{FF2B5EF4-FFF2-40B4-BE49-F238E27FC236}">
+                <a16:creationId xmlns:a16="http://schemas.microsoft.com/office/drawing/2014/main" id="{3AE70D07-F79A-49DD-A5FF-E34A82B4A868}"/>
+              </a:ext>
+            </a:extLst>
+          </p:cNvPr>
+          <p:cNvSpPr>
+            <a:spLocks noGrp="1"/>
+          </p:cNvSpPr>
+          <p:nvPr>
+            <p:ph idx="1"/>
+          </p:nvPr>
+        </p:nvSpPr>
+        <p:spPr>
+          <a:xfrm>
+            <a:off x="457200" y="1055263"/>
+            <a:ext cx="6359236" cy="577733"/>
+          </a:xfrm>
+        </p:spPr>
+        <p:txBody>
+          <a:bodyPr/>
+          <a:lstStyle/>
+          <a:p>
+            <a:r>
+              <a:rPr lang="en-US" sz="2400" dirty="0"/>
+              <a:t>Are these samples different?</a:t>
+            </a:r>
+          </a:p>
+        </p:txBody>
+      </p:sp>
+      <p:pic>
+        <p:nvPicPr>
+          <p:cNvPr id="6" name="Picture 5">
+            <a:extLst>
+              <a:ext uri="{FF2B5EF4-FFF2-40B4-BE49-F238E27FC236}">
+                <a16:creationId xmlns:a16="http://schemas.microsoft.com/office/drawing/2014/main" id="{D1C6CD23-A51F-4ADC-9478-EF7FDB746D89}"/>
+              </a:ext>
+            </a:extLst>
+          </p:cNvPr>
+          <p:cNvPicPr>
+            <a:picLocks noChangeAspect="1"/>
+          </p:cNvPicPr>
+          <p:nvPr/>
+        </p:nvPicPr>
+        <p:blipFill>
+          <a:blip r:embed="rId2"/>
+          <a:stretch>
+            <a:fillRect/>
+          </a:stretch>
+        </p:blipFill>
+        <p:spPr>
+          <a:xfrm>
+            <a:off x="549405" y="1550785"/>
+            <a:ext cx="6701140" cy="2444798"/>
+          </a:xfrm>
+          <a:prstGeom prst="rect">
+            <a:avLst/>
+          </a:prstGeom>
+        </p:spPr>
+      </p:pic>
+      <p:sp>
+        <p:nvSpPr>
+          <p:cNvPr id="7" name="Content Placeholder 2">
+            <a:extLst>
+              <a:ext uri="{FF2B5EF4-FFF2-40B4-BE49-F238E27FC236}">
+                <a16:creationId xmlns:a16="http://schemas.microsoft.com/office/drawing/2014/main" id="{8AD33881-00AD-43C1-AA58-C4D95EC5AB84}"/>
+              </a:ext>
+            </a:extLst>
+          </p:cNvPr>
+          <p:cNvSpPr txBox="1">
+            <a:spLocks/>
+          </p:cNvSpPr>
+          <p:nvPr/>
+        </p:nvSpPr>
+        <p:spPr>
+          <a:xfrm>
+            <a:off x="457200" y="4541438"/>
+            <a:ext cx="7966364" cy="812034"/>
+          </a:xfrm>
+          <a:prstGeom prst="rect">
+            <a:avLst/>
+          </a:prstGeom>
+        </p:spPr>
+        <p:txBody>
+          <a:bodyPr/>
+          <a:lstStyle>
+            <a:lvl1pPr marL="342900" indent="-342900" algn="l" defTabSz="457200" rtl="0" eaLnBrk="1" latinLnBrk="0" hangingPunct="1">
+              <a:spcBef>
+                <a:spcPct val="20000"/>
+              </a:spcBef>
+              <a:buFont typeface="Arial"/>
+              <a:buChar char="•"/>
+              <a:defRPr sz="3200" kern="1200">
+                <a:solidFill>
+                  <a:schemeClr val="tx1"/>
+                </a:solidFill>
+                <a:latin typeface="Arial"/>
+                <a:ea typeface="+mn-ea"/>
+                <a:cs typeface="Arial"/>
+              </a:defRPr>
+            </a:lvl1pPr>
+            <a:lvl2pPr marL="742950" indent="-285750" algn="l" defTabSz="457200" rtl="0" eaLnBrk="1" latinLnBrk="0" hangingPunct="1">
+              <a:spcBef>
+                <a:spcPct val="20000"/>
+              </a:spcBef>
+              <a:buFont typeface="Arial"/>
+              <a:buChar char="–"/>
+              <a:defRPr sz="2800" kern="1200">
+                <a:solidFill>
+                  <a:schemeClr val="tx1"/>
+                </a:solidFill>
+                <a:latin typeface="Arial"/>
+                <a:ea typeface="+mn-ea"/>
+                <a:cs typeface="Arial"/>
+              </a:defRPr>
+            </a:lvl2pPr>
+            <a:lvl3pPr marL="1143000" indent="-228600" algn="l" defTabSz="457200" rtl="0" eaLnBrk="1" latinLnBrk="0" hangingPunct="1">
+              <a:spcBef>
+                <a:spcPct val="20000"/>
+              </a:spcBef>
+              <a:buFont typeface="Arial"/>
+              <a:buChar char="•"/>
+              <a:defRPr sz="2400" kern="1200">
+                <a:solidFill>
+                  <a:schemeClr val="tx1"/>
+                </a:solidFill>
+                <a:latin typeface="Arial"/>
+                <a:ea typeface="+mn-ea"/>
+                <a:cs typeface="Arial"/>
+              </a:defRPr>
+            </a:lvl3pPr>
+            <a:lvl4pPr marL="1600200" indent="-228600" algn="l" defTabSz="457200" rtl="0" eaLnBrk="1" latinLnBrk="0" hangingPunct="1">
+              <a:spcBef>
+                <a:spcPct val="20000"/>
+              </a:spcBef>
+              <a:buFont typeface="Arial"/>
+              <a:buChar char="–"/>
+              <a:defRPr sz="2000" kern="1200">
+                <a:solidFill>
+                  <a:schemeClr val="tx1"/>
+                </a:solidFill>
+                <a:latin typeface="Arial"/>
+                <a:ea typeface="+mn-ea"/>
+                <a:cs typeface="Arial"/>
+              </a:defRPr>
+            </a:lvl4pPr>
+            <a:lvl5pPr marL="2057400" indent="-228600" algn="l" defTabSz="457200" rtl="0" eaLnBrk="1" latinLnBrk="0" hangingPunct="1">
+              <a:spcBef>
+                <a:spcPct val="20000"/>
+              </a:spcBef>
+              <a:buFont typeface="Arial"/>
+              <a:buChar char="»"/>
+              <a:defRPr sz="2000" kern="1200">
+                <a:solidFill>
+                  <a:schemeClr val="tx1"/>
+                </a:solidFill>
+                <a:latin typeface="Arial"/>
+                <a:ea typeface="+mn-ea"/>
+                <a:cs typeface="Arial"/>
+              </a:defRPr>
+            </a:lvl5pPr>
+            <a:lvl6pPr marL="2514600" indent="-228600" algn="l" defTabSz="457200" rtl="0" eaLnBrk="1" latinLnBrk="0" hangingPunct="1">
+              <a:spcBef>
+                <a:spcPct val="20000"/>
+              </a:spcBef>
+              <a:buFont typeface="Arial"/>
+              <a:buChar char="•"/>
+              <a:defRPr sz="2000" kern="1200">
+                <a:solidFill>
+                  <a:schemeClr val="tx1"/>
+                </a:solidFill>
+                <a:latin typeface="+mn-lt"/>
+                <a:ea typeface="+mn-ea"/>
+                <a:cs typeface="+mn-cs"/>
+              </a:defRPr>
+            </a:lvl6pPr>
+            <a:lvl7pPr marL="2971800" indent="-228600" algn="l" defTabSz="457200" rtl="0" eaLnBrk="1" latinLnBrk="0" hangingPunct="1">
+              <a:spcBef>
+                <a:spcPct val="20000"/>
+              </a:spcBef>
+              <a:buFont typeface="Arial"/>
+              <a:buChar char="•"/>
+              <a:defRPr sz="2000" kern="1200">
+                <a:solidFill>
+                  <a:schemeClr val="tx1"/>
+                </a:solidFill>
+                <a:latin typeface="+mn-lt"/>
+                <a:ea typeface="+mn-ea"/>
+                <a:cs typeface="+mn-cs"/>
+              </a:defRPr>
+            </a:lvl7pPr>
+            <a:lvl8pPr marL="3429000" indent="-228600" algn="l" defTabSz="457200" rtl="0" eaLnBrk="1" latinLnBrk="0" hangingPunct="1">
+              <a:spcBef>
+                <a:spcPct val="20000"/>
+              </a:spcBef>
+              <a:buFont typeface="Arial"/>
+              <a:buChar char="•"/>
+              <a:defRPr sz="2000" kern="1200">
+                <a:solidFill>
+                  <a:schemeClr val="tx1"/>
+                </a:solidFill>
+                <a:latin typeface="+mn-lt"/>
+                <a:ea typeface="+mn-ea"/>
+                <a:cs typeface="+mn-cs"/>
+              </a:defRPr>
+            </a:lvl8pPr>
+            <a:lvl9pPr marL="3886200" indent="-228600" algn="l" defTabSz="457200" rtl="0" eaLnBrk="1" latinLnBrk="0" hangingPunct="1">
+              <a:spcBef>
+                <a:spcPct val="20000"/>
+              </a:spcBef>
+              <a:buFont typeface="Arial"/>
+              <a:buChar char="•"/>
+              <a:defRPr sz="2000" kern="1200">
+                <a:solidFill>
+                  <a:schemeClr val="tx1"/>
+                </a:solidFill>
+                <a:latin typeface="+mn-lt"/>
+                <a:ea typeface="+mn-ea"/>
+                <a:cs typeface="+mn-cs"/>
+              </a:defRPr>
+            </a:lvl9pPr>
+          </a:lstStyle>
+          <a:p>
+            <a:pPr marL="0" indent="0">
+              <a:buNone/>
+            </a:pPr>
+            <a:r>
+              <a:rPr lang="en-US" sz="2400" dirty="0"/>
+              <a:t>No - different amount of reads, but same proportion in expression between genes</a:t>
+            </a:r>
+          </a:p>
+          <a:p>
+            <a:pPr marL="0" indent="0">
+              <a:buNone/>
+            </a:pPr>
+            <a:r>
+              <a:rPr lang="en-US" sz="2400" dirty="0"/>
+              <a:t>This is handled with normalization – the total amount of reads in a sample has no biological meaning</a:t>
+            </a:r>
+          </a:p>
+          <a:p>
+            <a:pPr marL="0" indent="0">
+              <a:buNone/>
+            </a:pPr>
+            <a:endParaRPr lang="en-US" dirty="0"/>
+          </a:p>
+        </p:txBody>
+      </p:sp>
+    </p:spTree>
+    <p:extLst>
+      <p:ext uri="{BB962C8B-B14F-4D97-AF65-F5344CB8AC3E}">
+        <p14:creationId xmlns:p14="http://schemas.microsoft.com/office/powerpoint/2010/main" val="2656396471"/>
+      </p:ext>
+    </p:extLst>
+  </p:cSld>
+  <p:clrMapOvr>
+    <a:masterClrMapping/>
+  </p:clrMapOvr>
+</p:sld>
+</file>
+
+<file path=ppt/slides/slide7.xml><?xml version="1.0" encoding="utf-8"?>
+<p:sld xmlns:a="http://schemas.openxmlformats.org/drawingml/2006/main" xmlns:r="http://schemas.openxmlformats.org/officeDocument/2006/relationships" xmlns:p="http://schemas.openxmlformats.org/presentationml/2006/main">
+  <p:cSld>
+    <p:spTree>
+      <p:nvGrpSpPr>
+        <p:cNvPr id="1" name=""/>
+        <p:cNvGrpSpPr/>
+        <p:nvPr/>
+      </p:nvGrpSpPr>
+      <p:grpSpPr>
+        <a:xfrm>
+          <a:off x="0" y="0"/>
+          <a:ext cx="0" cy="0"/>
+          <a:chOff x="0" y="0"/>
+          <a:chExt cx="0" cy="0"/>
+        </a:xfrm>
+      </p:grpSpPr>
+      <p:sp>
+        <p:nvSpPr>
+          <p:cNvPr id="2" name="Title 1">
+            <a:extLst>
+              <a:ext uri="{FF2B5EF4-FFF2-40B4-BE49-F238E27FC236}">
+                <a16:creationId xmlns:a16="http://schemas.microsoft.com/office/drawing/2014/main" id="{8B8641FC-9649-4AF8-AADB-9DD79C99F464}"/>
+              </a:ext>
+            </a:extLst>
+          </p:cNvPr>
+          <p:cNvSpPr>
+            <a:spLocks noGrp="1"/>
+          </p:cNvSpPr>
+          <p:nvPr>
+            <p:ph type="title"/>
+          </p:nvPr>
+        </p:nvSpPr>
+        <p:spPr/>
+        <p:txBody>
+          <a:bodyPr/>
+          <a:lstStyle/>
+          <a:p>
+            <a:r>
+              <a:rPr lang="en-US" dirty="0"/>
+              <a:t>Challenges with Normalization</a:t>
+            </a:r>
+            <a:br>
+              <a:rPr lang="en-US" dirty="0"/>
+            </a:br>
+            <a:endParaRPr lang="en-US" dirty="0"/>
+          </a:p>
+        </p:txBody>
+      </p:sp>
+      <p:sp>
+        <p:nvSpPr>
+          <p:cNvPr id="3" name="Content Placeholder 2">
+            <a:extLst>
+              <a:ext uri="{FF2B5EF4-FFF2-40B4-BE49-F238E27FC236}">
+                <a16:creationId xmlns:a16="http://schemas.microsoft.com/office/drawing/2014/main" id="{D6ACE038-0E3A-4D85-B411-840D5C626617}"/>
+              </a:ext>
+            </a:extLst>
+          </p:cNvPr>
+          <p:cNvSpPr>
+            <a:spLocks noGrp="1"/>
+          </p:cNvSpPr>
+          <p:nvPr>
+            <p:ph idx="1"/>
+          </p:nvPr>
+        </p:nvSpPr>
+        <p:spPr/>
+        <p:txBody>
+          <a:bodyPr/>
+          <a:lstStyle/>
+          <a:p>
+            <a:pPr lvl="1">
+              <a:buFont typeface="Arial" panose="020B0604020202020204" pitchFamily="34" charset="0"/>
+              <a:buChar char="•"/>
+            </a:pPr>
+            <a:r>
+              <a:rPr lang="en-US" dirty="0"/>
+              <a:t>A few highly expressed and highly variable genes often make up a large part of the total transcriptome</a:t>
+            </a:r>
+          </a:p>
+          <a:p>
+            <a:pPr lvl="2">
+              <a:buFont typeface="Arial" panose="020B0604020202020204" pitchFamily="34" charset="0"/>
+              <a:buChar char="•"/>
+            </a:pPr>
+            <a:r>
+              <a:rPr lang="en-US" dirty="0"/>
+              <a:t>This may skew the normalization</a:t>
+            </a:r>
+          </a:p>
+          <a:p>
+            <a:pPr lvl="1">
+              <a:buFont typeface="Arial" panose="020B0604020202020204" pitchFamily="34" charset="0"/>
+              <a:buChar char="•"/>
+            </a:pPr>
+            <a:r>
+              <a:rPr lang="en-US" dirty="0"/>
+              <a:t>The mRNA molecules are fragmented before sequencing</a:t>
+            </a:r>
+          </a:p>
+          <a:p>
+            <a:pPr lvl="2">
+              <a:buFont typeface="Arial" panose="020B0604020202020204" pitchFamily="34" charset="0"/>
+              <a:buChar char="•"/>
+            </a:pPr>
+            <a:r>
+              <a:rPr lang="en-US" dirty="0"/>
+              <a:t>longer genes give more fragments and thereby more counts</a:t>
+            </a:r>
+          </a:p>
+          <a:p>
+            <a:pPr lvl="2">
+              <a:buFont typeface="Arial" panose="020B0604020202020204" pitchFamily="34" charset="0"/>
+              <a:buChar char="•"/>
+            </a:pPr>
+            <a:r>
+              <a:rPr lang="en-US" dirty="0"/>
+              <a:t>This can be handled by dividing counts by transcript length</a:t>
+            </a:r>
+          </a:p>
+          <a:p>
+            <a:pPr lvl="1"/>
+            <a:endParaRPr lang="en-US" dirty="0"/>
+          </a:p>
+        </p:txBody>
+      </p:sp>
+    </p:spTree>
+    <p:extLst>
+      <p:ext uri="{BB962C8B-B14F-4D97-AF65-F5344CB8AC3E}">
+        <p14:creationId xmlns:p14="http://schemas.microsoft.com/office/powerpoint/2010/main" val="1767868554"/>
+      </p:ext>
+    </p:extLst>
+  </p:cSld>
+  <p:clrMapOvr>
+    <a:masterClrMapping/>
+  </p:clrMapOvr>
+</p:sld>
+</file>
+
+<file path=ppt/slides/slide8.xml><?xml version="1.0" encoding="utf-8"?>
+<p:sld xmlns:a="http://schemas.openxmlformats.org/drawingml/2006/main" xmlns:r="http://schemas.openxmlformats.org/officeDocument/2006/relationships" xmlns:p="http://schemas.openxmlformats.org/presentationml/2006/main">
+  <p:cSld>
+    <p:spTree>
+      <p:nvGrpSpPr>
+        <p:cNvPr id="1" name=""/>
+        <p:cNvGrpSpPr/>
+        <p:nvPr/>
+      </p:nvGrpSpPr>
+      <p:grpSpPr>
+        <a:xfrm>
+          <a:off x="0" y="0"/>
+          <a:ext cx="0" cy="0"/>
+          <a:chOff x="0" y="0"/>
+          <a:chExt cx="0" cy="0"/>
+        </a:xfrm>
+      </p:grpSpPr>
+      <p:sp>
+        <p:nvSpPr>
+          <p:cNvPr id="2" name="Title 1">
+            <a:extLst>
+              <a:ext uri="{FF2B5EF4-FFF2-40B4-BE49-F238E27FC236}">
+                <a16:creationId xmlns:a16="http://schemas.microsoft.com/office/drawing/2014/main" id="{4FD4BD15-329D-471A-9E61-3EFE992FF892}"/>
+              </a:ext>
+            </a:extLst>
+          </p:cNvPr>
+          <p:cNvSpPr>
+            <a:spLocks noGrp="1"/>
+          </p:cNvSpPr>
+          <p:nvPr>
+            <p:ph type="title"/>
+          </p:nvPr>
+        </p:nvSpPr>
+        <p:spPr/>
+        <p:txBody>
+          <a:bodyPr/>
+          <a:lstStyle/>
+          <a:p>
+            <a:r>
+              <a:rPr lang="en-US" dirty="0"/>
+              <a:t>Normalization Methods</a:t>
+            </a:r>
+          </a:p>
+        </p:txBody>
+      </p:sp>
+      <p:sp>
+        <p:nvSpPr>
+          <p:cNvPr id="3" name="Content Placeholder 2">
+            <a:extLst>
+              <a:ext uri="{FF2B5EF4-FFF2-40B4-BE49-F238E27FC236}">
+                <a16:creationId xmlns:a16="http://schemas.microsoft.com/office/drawing/2014/main" id="{99212B10-11AE-449E-A8D9-B6F01496C9FA}"/>
+              </a:ext>
+            </a:extLst>
+          </p:cNvPr>
+          <p:cNvSpPr>
+            <a:spLocks noGrp="1"/>
+          </p:cNvSpPr>
+          <p:nvPr>
+            <p:ph idx="1"/>
+          </p:nvPr>
+        </p:nvSpPr>
+        <p:spPr>
+          <a:xfrm>
+            <a:off x="457200" y="1111278"/>
+            <a:ext cx="8229600" cy="4786890"/>
+          </a:xfrm>
+        </p:spPr>
+        <p:txBody>
+          <a:bodyPr/>
+          <a:lstStyle/>
+          <a:p>
+            <a:r>
+              <a:rPr lang="en-US" sz="2400" dirty="0"/>
+              <a:t>Library size normalization (CPM, TPM, FPKM)</a:t>
+            </a:r>
+          </a:p>
+          <a:p>
+            <a:pPr lvl="1"/>
+            <a:r>
+              <a:rPr lang="en-US" sz="2000" dirty="0"/>
+              <a:t>Linearly scales all samples to the same total counts</a:t>
+            </a:r>
+          </a:p>
+          <a:p>
+            <a:pPr lvl="1"/>
+            <a:r>
+              <a:rPr lang="en-US" sz="2000" dirty="0"/>
+              <a:t>Easy to incorporate division by transcript length</a:t>
+            </a:r>
+          </a:p>
+          <a:p>
+            <a:pPr lvl="1"/>
+            <a:r>
+              <a:rPr lang="en-US" sz="2000" dirty="0"/>
+              <a:t>Affected by a few highly expressed genes</a:t>
+            </a:r>
+          </a:p>
+          <a:p>
+            <a:pPr lvl="1"/>
+            <a:r>
+              <a:rPr lang="en-US" sz="2000" dirty="0"/>
+              <a:t>Good when the true transcriptome is desired, for example for comparing different genes</a:t>
+            </a:r>
+          </a:p>
+          <a:p>
+            <a:pPr lvl="1"/>
+            <a:r>
+              <a:rPr lang="en-US" sz="2000" dirty="0"/>
+              <a:t>Not recommended for differential expression</a:t>
+            </a:r>
+          </a:p>
+          <a:p>
+            <a:r>
+              <a:rPr lang="en-US" sz="2400" dirty="0"/>
+              <a:t>TMM (</a:t>
+            </a:r>
+            <a:r>
+              <a:rPr lang="en-US" sz="2400" dirty="0" err="1"/>
+              <a:t>EdgeR</a:t>
+            </a:r>
+            <a:r>
+              <a:rPr lang="en-US" sz="2400" dirty="0"/>
+              <a:t>), RLE (</a:t>
+            </a:r>
+            <a:r>
+              <a:rPr lang="en-US" sz="2400" dirty="0" err="1"/>
+              <a:t>DeSeq</a:t>
+            </a:r>
+            <a:r>
+              <a:rPr lang="en-US" sz="2400" dirty="0"/>
+              <a:t>), MRN</a:t>
+            </a:r>
+          </a:p>
+          <a:p>
+            <a:pPr lvl="1"/>
+            <a:r>
+              <a:rPr lang="en-US" sz="2000" dirty="0"/>
+              <a:t>Assumption: Most genes are not DE</a:t>
+            </a:r>
+          </a:p>
+          <a:p>
+            <a:pPr lvl="1"/>
+            <a:r>
+              <a:rPr lang="en-US" sz="2000" dirty="0"/>
+              <a:t>Effectively handles variation in a few highly expressed genes</a:t>
+            </a:r>
+          </a:p>
+          <a:p>
+            <a:pPr lvl="1"/>
+            <a:r>
+              <a:rPr lang="en-US" sz="2000" dirty="0"/>
+              <a:t>Works on counts, difficult for some methods to divide by transcript length</a:t>
+            </a:r>
+          </a:p>
+          <a:p>
+            <a:pPr lvl="1"/>
+            <a:r>
+              <a:rPr lang="en-US" sz="2000" dirty="0"/>
+              <a:t>Good for differential expression</a:t>
+            </a:r>
+          </a:p>
+          <a:p>
+            <a:pPr lvl="1"/>
+            <a:r>
+              <a:rPr lang="en-US" sz="2000" dirty="0"/>
+              <a:t>MRN is used in the lab exercise!</a:t>
+            </a:r>
+          </a:p>
+        </p:txBody>
+      </p:sp>
+    </p:spTree>
+    <p:extLst>
+      <p:ext uri="{BB962C8B-B14F-4D97-AF65-F5344CB8AC3E}">
+        <p14:creationId xmlns:p14="http://schemas.microsoft.com/office/powerpoint/2010/main" val="113769578"/>
+      </p:ext>
+    </p:extLst>
+  </p:cSld>
+  <p:clrMapOvr>
+    <a:masterClrMapping/>
+  </p:clrMapOvr>
+</p:sld>
+</file>
+
+<file path=ppt/slides/slide9.xml><?xml version="1.0" encoding="utf-8"?>
+<p:sld xmlns:a="http://schemas.openxmlformats.org/drawingml/2006/main" xmlns:r="http://schemas.openxmlformats.org/officeDocument/2006/relationships" xmlns:p="http://schemas.openxmlformats.org/presentationml/2006/main">
+  <p:cSld>
+    <p:spTree>
+      <p:nvGrpSpPr>
+        <p:cNvPr id="1" name=""/>
+        <p:cNvGrpSpPr/>
+        <p:nvPr/>
+      </p:nvGrpSpPr>
+      <p:grpSpPr>
+        <a:xfrm>
+          <a:off x="0" y="0"/>
+          <a:ext cx="0" cy="0"/>
+          <a:chOff x="0" y="0"/>
+          <a:chExt cx="0" cy="0"/>
+        </a:xfrm>
+      </p:grpSpPr>
+      <p:sp>
+        <p:nvSpPr>
+          <p:cNvPr id="2" name="Title 1">
+            <a:extLst>
+              <a:ext uri="{FF2B5EF4-FFF2-40B4-BE49-F238E27FC236}">
+                <a16:creationId xmlns:a16="http://schemas.microsoft.com/office/drawing/2014/main" id="{2ABA6FB9-F269-4EA9-A211-1687EF6EB4C0}"/>
+              </a:ext>
+            </a:extLst>
+          </p:cNvPr>
+          <p:cNvSpPr>
+            <a:spLocks noGrp="1"/>
+          </p:cNvSpPr>
+          <p:nvPr>
+            <p:ph type="title"/>
+          </p:nvPr>
+        </p:nvSpPr>
+        <p:spPr/>
+        <p:txBody>
+          <a:bodyPr/>
+          <a:lstStyle/>
+          <a:p>
+            <a:r>
+              <a:rPr lang="en-US" dirty="0"/>
+              <a:t>MRN</a:t>
+            </a:r>
+          </a:p>
+        </p:txBody>
+      </p:sp>
+      <p:sp>
+        <p:nvSpPr>
+          <p:cNvPr id="3" name="Content Placeholder 2">
+            <a:extLst>
+              <a:ext uri="{FF2B5EF4-FFF2-40B4-BE49-F238E27FC236}">
+                <a16:creationId xmlns:a16="http://schemas.microsoft.com/office/drawing/2014/main" id="{4918F1A2-0B6E-4ADF-9F84-33643C25E422}"/>
+              </a:ext>
+            </a:extLst>
+          </p:cNvPr>
+          <p:cNvSpPr>
+            <a:spLocks noGrp="1"/>
+          </p:cNvSpPr>
+          <p:nvPr>
+            <p:ph idx="1"/>
+          </p:nvPr>
+        </p:nvSpPr>
+        <p:spPr/>
+        <p:txBody>
+          <a:bodyPr/>
+          <a:lstStyle/>
+          <a:p>
+            <a:pPr marL="0" indent="0">
+              <a:buNone/>
+            </a:pPr>
+            <a:r>
+              <a:rPr lang="en-US" sz="2000" b="1" dirty="0"/>
+              <a:t>Median of Ratios Normalization:</a:t>
+            </a:r>
+          </a:p>
+          <a:p>
+            <a:pPr marL="514350" indent="-514350">
+              <a:buFont typeface="+mj-lt"/>
+              <a:buAutoNum type="arabicPeriod"/>
+            </a:pPr>
+            <a:r>
+              <a:rPr lang="en-US" sz="2000" dirty="0"/>
+              <a:t>For simplicity, only use genes without zeros for normalization</a:t>
+            </a:r>
+          </a:p>
+          <a:p>
+            <a:pPr marL="514350" indent="-514350">
+              <a:buFont typeface="+mj-lt"/>
+              <a:buAutoNum type="arabicPeriod"/>
+            </a:pPr>
+            <a:r>
+              <a:rPr lang="en-US" sz="2000" dirty="0"/>
+              <a:t>Calculate a reference value for each gene as the geometrical mean over all samples</a:t>
+            </a:r>
+          </a:p>
+          <a:p>
+            <a:pPr marL="514350" indent="-514350">
+              <a:buFont typeface="+mj-lt"/>
+              <a:buAutoNum type="arabicPeriod"/>
+            </a:pPr>
+            <a:r>
+              <a:rPr lang="en-US" sz="2000" dirty="0"/>
+              <a:t>For each sample, generate ratios for each gene against the reference value</a:t>
+            </a:r>
+          </a:p>
+          <a:p>
+            <a:pPr marL="514350" indent="-514350">
+              <a:buFont typeface="+mj-lt"/>
+              <a:buAutoNum type="arabicPeriod"/>
+            </a:pPr>
+            <a:r>
+              <a:rPr lang="en-US" sz="2000" dirty="0"/>
+              <a:t>Calculate a size factor as the median of the ratios for each sample – this gives a measure of how much higher the genes are expressed in the sample compared to the reference</a:t>
+            </a:r>
+          </a:p>
+          <a:p>
+            <a:pPr marL="514350" indent="-514350">
+              <a:buFont typeface="+mj-lt"/>
+              <a:buAutoNum type="arabicPeriod"/>
+            </a:pPr>
+            <a:r>
+              <a:rPr lang="en-US" sz="2000" dirty="0"/>
+              <a:t>Divide all counts with the sample’s size factor – this will give a median fold change of 1 across genes for all samples, meaning that they are comparable.</a:t>
+            </a:r>
+            <a:endParaRPr lang="en-US" dirty="0"/>
+          </a:p>
+          <a:p>
+            <a:endParaRPr lang="en-US" dirty="0"/>
+          </a:p>
+        </p:txBody>
+      </p:sp>
+    </p:spTree>
+    <p:extLst>
+      <p:ext uri="{BB962C8B-B14F-4D97-AF65-F5344CB8AC3E}">
+        <p14:creationId xmlns:p14="http://schemas.microsoft.com/office/powerpoint/2010/main" val="3611736271"/>
       </p:ext>
     </p:extLst>
   </p:cSld>
